--- a/presentation/presentation.pptx
+++ b/presentation/presentation.pptx
@@ -3252,7 +3252,7 @@
             <a:fld id="{87DE6118-2437-4B30-8E3C-4D2BE6020583}" type="datetimeFigureOut">
               <a:rPr lang="en-US" dirty="0"/>
               <a:pPr/>
-              <a:t>3/24/2021</a:t>
+              <a:t>3/25/2021</a:t>
             </a:fld>
             <a:endParaRPr lang="en-US" dirty="0"/>
           </a:p>
@@ -3578,7 +3578,7 @@
           <a:p>
             <a:fld id="{87DE6118-2437-4B30-8E3C-4D2BE6020583}" type="datetimeFigureOut">
               <a:rPr lang="en-US" dirty="0"/>
-              <a:t>3/24/2021</a:t>
+              <a:t>3/25/2021</a:t>
             </a:fld>
             <a:endParaRPr lang="en-US" dirty="0"/>
           </a:p>
@@ -3753,7 +3753,7 @@
           <a:p>
             <a:fld id="{87DE6118-2437-4B30-8E3C-4D2BE6020583}" type="datetimeFigureOut">
               <a:rPr lang="en-US" dirty="0"/>
-              <a:t>3/24/2021</a:t>
+              <a:t>3/25/2021</a:t>
             </a:fld>
             <a:endParaRPr lang="en-US" dirty="0"/>
           </a:p>
@@ -3918,7 +3918,7 @@
           <a:p>
             <a:fld id="{87DE6118-2437-4B30-8E3C-4D2BE6020583}" type="datetimeFigureOut">
               <a:rPr lang="en-US" dirty="0"/>
-              <a:t>3/24/2021</a:t>
+              <a:t>3/25/2021</a:t>
             </a:fld>
             <a:endParaRPr lang="en-US" dirty="0"/>
           </a:p>
@@ -4191,7 +4191,7 @@
             <a:fld id="{87DE6118-2437-4B30-8E3C-4D2BE6020583}" type="datetimeFigureOut">
               <a:rPr lang="en-US" dirty="0"/>
               <a:pPr/>
-              <a:t>3/24/2021</a:t>
+              <a:t>3/25/2021</a:t>
             </a:fld>
             <a:endParaRPr lang="en-US" dirty="0"/>
           </a:p>
@@ -4581,7 +4581,7 @@
           <a:p>
             <a:fld id="{87DE6118-2437-4B30-8E3C-4D2BE6020583}" type="datetimeFigureOut">
               <a:rPr lang="en-US" dirty="0"/>
-              <a:t>3/24/2021</a:t>
+              <a:t>3/25/2021</a:t>
             </a:fld>
             <a:endParaRPr lang="en-US" dirty="0"/>
           </a:p>
@@ -5053,7 +5053,7 @@
           <a:p>
             <a:fld id="{87DE6118-2437-4B30-8E3C-4D2BE6020583}" type="datetimeFigureOut">
               <a:rPr lang="en-US" dirty="0"/>
-              <a:t>3/24/2021</a:t>
+              <a:t>3/25/2021</a:t>
             </a:fld>
             <a:endParaRPr lang="en-US" dirty="0"/>
           </a:p>
@@ -5166,7 +5166,7 @@
           <a:p>
             <a:fld id="{87DE6118-2437-4B30-8E3C-4D2BE6020583}" type="datetimeFigureOut">
               <a:rPr lang="en-US" dirty="0"/>
-              <a:t>3/24/2021</a:t>
+              <a:t>3/25/2021</a:t>
             </a:fld>
             <a:endParaRPr lang="en-US" dirty="0"/>
           </a:p>
@@ -5256,7 +5256,7 @@
           <a:p>
             <a:fld id="{87DE6118-2437-4B30-8E3C-4D2BE6020583}" type="datetimeFigureOut">
               <a:rPr lang="en-US" dirty="0"/>
-              <a:t>3/24/2021</a:t>
+              <a:t>3/25/2021</a:t>
             </a:fld>
             <a:endParaRPr lang="en-US" dirty="0"/>
           </a:p>
@@ -5598,7 +5598,7 @@
             <a:fld id="{87DE6118-2437-4B30-8E3C-4D2BE6020583}" type="datetimeFigureOut">
               <a:rPr lang="en-US" dirty="0"/>
               <a:pPr/>
-              <a:t>3/24/2021</a:t>
+              <a:t>3/25/2021</a:t>
             </a:fld>
             <a:endParaRPr lang="en-US" dirty="0"/>
           </a:p>
@@ -5983,7 +5983,7 @@
             <a:fld id="{87DE6118-2437-4B30-8E3C-4D2BE6020583}" type="datetimeFigureOut">
               <a:rPr lang="en-US" dirty="0"/>
               <a:pPr/>
-              <a:t>3/24/2021</a:t>
+              <a:t>3/25/2021</a:t>
             </a:fld>
             <a:endParaRPr lang="en-US" dirty="0"/>
           </a:p>
@@ -6258,7 +6258,7 @@
             <a:fld id="{87DE6118-2437-4B30-8E3C-4D2BE6020583}" type="datetimeFigureOut">
               <a:rPr lang="en-US" dirty="0"/>
               <a:pPr/>
-              <a:t>3/24/2021</a:t>
+              <a:t>3/25/2021</a:t>
             </a:fld>
             <a:endParaRPr lang="en-US" dirty="0"/>
           </a:p>
@@ -6841,6 +6841,14 @@
   <p:clrMapOvr>
     <a:masterClrMapping/>
   </p:clrMapOvr>
+  <mc:AlternateContent xmlns:mc="http://schemas.openxmlformats.org/markup-compatibility/2006">
+    <mc:Choice xmlns:p14="http://schemas.microsoft.com/office/powerpoint/2010/main" Requires="p14">
+      <p:transition spd="slow" p14:dur="2000" advTm="10899"/>
+    </mc:Choice>
+    <mc:Fallback>
+      <p:transition spd="slow" advTm="10899"/>
+    </mc:Fallback>
+  </mc:AlternateContent>
 </p:sld>
 </file>
 
@@ -6995,6 +7003,14 @@
   <p:clrMapOvr>
     <a:masterClrMapping/>
   </p:clrMapOvr>
+  <mc:AlternateContent xmlns:mc="http://schemas.openxmlformats.org/markup-compatibility/2006">
+    <mc:Choice xmlns:p14="http://schemas.microsoft.com/office/powerpoint/2010/main" Requires="p14">
+      <p:transition spd="slow" p14:dur="2000" advTm="32378"/>
+    </mc:Choice>
+    <mc:Fallback>
+      <p:transition spd="slow" advTm="32378"/>
+    </mc:Fallback>
+  </mc:AlternateContent>
 </p:sld>
 </file>
 
@@ -7380,6 +7396,14 @@
   <p:clrMapOvr>
     <a:overrideClrMapping bg1="dk1" tx1="lt1" bg2="dk2" tx2="lt2" accent1="accent1" accent2="accent2" accent3="accent3" accent4="accent4" accent5="accent5" accent6="accent6" hlink="hlink" folHlink="folHlink"/>
   </p:clrMapOvr>
+  <mc:AlternateContent xmlns:mc="http://schemas.openxmlformats.org/markup-compatibility/2006">
+    <mc:Choice xmlns:p14="http://schemas.microsoft.com/office/powerpoint/2010/main" Requires="p14">
+      <p:transition spd="slow" p14:dur="2000" advTm="25918"/>
+    </mc:Choice>
+    <mc:Fallback>
+      <p:transition spd="slow" advTm="25918"/>
+    </mc:Fallback>
+  </mc:AlternateContent>
 </p:sld>
 </file>
 
@@ -7548,6 +7572,14 @@
   <p:clrMapOvr>
     <a:masterClrMapping/>
   </p:clrMapOvr>
+  <mc:AlternateContent xmlns:mc="http://schemas.openxmlformats.org/markup-compatibility/2006">
+    <mc:Choice xmlns:p14="http://schemas.microsoft.com/office/powerpoint/2010/main" Requires="p14">
+      <p:transition spd="slow" p14:dur="2000" advTm="22979"/>
+    </mc:Choice>
+    <mc:Fallback>
+      <p:transition spd="slow" advTm="22979"/>
+    </mc:Fallback>
+  </mc:AlternateContent>
 </p:sld>
 </file>
 
@@ -7789,6 +7821,14 @@
   <p:clrMapOvr>
     <a:masterClrMapping/>
   </p:clrMapOvr>
+  <mc:AlternateContent xmlns:mc="http://schemas.openxmlformats.org/markup-compatibility/2006">
+    <mc:Choice xmlns:p14="http://schemas.microsoft.com/office/powerpoint/2010/main" Requires="p14">
+      <p:transition spd="slow" p14:dur="2000" advTm="30657"/>
+    </mc:Choice>
+    <mc:Fallback>
+      <p:transition spd="slow" advTm="30657"/>
+    </mc:Fallback>
+  </mc:AlternateContent>
 </p:sld>
 </file>
 
@@ -7897,6 +7937,14 @@
   <p:clrMapOvr>
     <a:overrideClrMapping bg1="lt1" tx1="dk1" bg2="lt2" tx2="dk2" accent1="accent1" accent2="accent2" accent3="accent3" accent4="accent4" accent5="accent5" accent6="accent6" hlink="hlink" folHlink="folHlink"/>
   </p:clrMapOvr>
+  <mc:AlternateContent xmlns:mc="http://schemas.openxmlformats.org/markup-compatibility/2006">
+    <mc:Choice xmlns:p14="http://schemas.microsoft.com/office/powerpoint/2010/main" Requires="p14">
+      <p:transition spd="slow" p14:dur="2000" advTm="81178"/>
+    </mc:Choice>
+    <mc:Fallback>
+      <p:transition spd="slow" advTm="81178"/>
+    </mc:Fallback>
+  </mc:AlternateContent>
 </p:sld>
 </file>
 
@@ -8067,6 +8115,14 @@
   <p:clrMapOvr>
     <a:masterClrMapping/>
   </p:clrMapOvr>
+  <mc:AlternateContent xmlns:mc="http://schemas.openxmlformats.org/markup-compatibility/2006">
+    <mc:Choice xmlns:p14="http://schemas.microsoft.com/office/powerpoint/2010/main" Requires="p14">
+      <p:transition spd="slow" p14:dur="2000" advTm="5056"/>
+    </mc:Choice>
+    <mc:Fallback>
+      <p:transition spd="slow" advTm="5056"/>
+    </mc:Fallback>
+  </mc:AlternateContent>
 </p:sld>
 </file>
 
@@ -8237,6 +8293,14 @@
   <p:clrMapOvr>
     <a:masterClrMapping/>
   </p:clrMapOvr>
+  <mc:AlternateContent xmlns:mc="http://schemas.openxmlformats.org/markup-compatibility/2006">
+    <mc:Choice xmlns:p14="http://schemas.microsoft.com/office/powerpoint/2010/main" Requires="p14">
+      <p:transition spd="slow" p14:dur="2000" advTm="283"/>
+    </mc:Choice>
+    <mc:Fallback>
+      <p:transition spd="slow" advTm="283"/>
+    </mc:Fallback>
+  </mc:AlternateContent>
 </p:sld>
 </file>
 
@@ -8347,6 +8411,14 @@
   <p:clrMapOvr>
     <a:masterClrMapping/>
   </p:clrMapOvr>
+  <mc:AlternateContent xmlns:mc="http://schemas.openxmlformats.org/markup-compatibility/2006">
+    <mc:Choice xmlns:p14="http://schemas.microsoft.com/office/powerpoint/2010/main" Requires="p14">
+      <p:transition spd="slow" p14:dur="2000" advTm="223"/>
+    </mc:Choice>
+    <mc:Fallback>
+      <p:transition spd="slow" advTm="223"/>
+    </mc:Fallback>
+  </mc:AlternateContent>
 </p:sld>
 </file>
 
@@ -8423,6 +8495,14 @@
   <p:clrMapOvr>
     <a:masterClrMapping/>
   </p:clrMapOvr>
+  <mc:AlternateContent xmlns:mc="http://schemas.openxmlformats.org/markup-compatibility/2006">
+    <mc:Choice xmlns:p14="http://schemas.microsoft.com/office/powerpoint/2010/main" Requires="p14">
+      <p:transition spd="slow" p14:dur="2000" advTm="68471"/>
+    </mc:Choice>
+    <mc:Fallback>
+      <p:transition spd="slow" advTm="68471"/>
+    </mc:Fallback>
+  </mc:AlternateContent>
 </p:sld>
 </file>
 

--- a/presentation/presentation.pptx
+++ b/presentation/presentation.pptx
@@ -6,15 +6,17 @@
   </p:sldMasterIdLst>
   <p:sldIdLst>
     <p:sldId id="256" r:id="rId2"/>
-    <p:sldId id="261" r:id="rId3"/>
-    <p:sldId id="260" r:id="rId4"/>
-    <p:sldId id="262" r:id="rId5"/>
+    <p:sldId id="272" r:id="rId3"/>
+    <p:sldId id="262" r:id="rId4"/>
+    <p:sldId id="261" r:id="rId5"/>
     <p:sldId id="257" r:id="rId6"/>
     <p:sldId id="263" r:id="rId7"/>
     <p:sldId id="268" r:id="rId8"/>
     <p:sldId id="269" r:id="rId9"/>
     <p:sldId id="264" r:id="rId10"/>
     <p:sldId id="265" r:id="rId11"/>
+    <p:sldId id="271" r:id="rId12"/>
+    <p:sldId id="270" r:id="rId13"/>
   </p:sldIdLst>
   <p:sldSz cx="12192000" cy="6858000"/>
   <p:notesSz cx="6858000" cy="9144000"/>
@@ -114,2972 +116,31 @@
     </a:lvl9pPr>
   </p:defaultTextStyle>
   <p:extLst>
+    <p:ext uri="{521415D9-36F7-43E2-AB2F-B90AF26B5E84}">
+      <p14:sectionLst xmlns:p14="http://schemas.microsoft.com/office/powerpoint/2010/main">
+        <p14:section name="Default Section" id="{7D45896C-ACD8-4F4A-92EF-B0162FBEDC50}">
+          <p14:sldIdLst>
+            <p14:sldId id="256"/>
+            <p14:sldId id="272"/>
+            <p14:sldId id="262"/>
+            <p14:sldId id="261"/>
+            <p14:sldId id="257"/>
+            <p14:sldId id="263"/>
+            <p14:sldId id="268"/>
+            <p14:sldId id="269"/>
+            <p14:sldId id="264"/>
+            <p14:sldId id="265"/>
+            <p14:sldId id="271"/>
+            <p14:sldId id="270"/>
+          </p14:sldIdLst>
+        </p14:section>
+      </p14:sectionLst>
+    </p:ext>
     <p:ext uri="{EFAFB233-063F-42B5-8137-9DF3F51BA10A}">
       <p15:sldGuideLst xmlns:p15="http://schemas.microsoft.com/office/powerpoint/2012/main"/>
     </p:ext>
   </p:extLst>
 </p:presentation>
-</file>
-
-<file path=ppt/diagrams/colors1.xml><?xml version="1.0" encoding="utf-8"?>
-<dgm:colorsDef xmlns:dgm="http://schemas.openxmlformats.org/drawingml/2006/diagram" xmlns:a="http://schemas.openxmlformats.org/drawingml/2006/main" uniqueId="urn:microsoft.com/office/officeart/2005/8/colors/accent0_2">
-  <dgm:title val=""/>
-  <dgm:desc val=""/>
-  <dgm:catLst>
-    <dgm:cat type="mainScheme" pri="10200"/>
-  </dgm:catLst>
-  <dgm:styleLbl name="node0">
-    <dgm:fillClrLst meth="repeat">
-      <a:schemeClr val="lt1"/>
-    </dgm:fillClrLst>
-    <dgm:linClrLst meth="repeat">
-      <a:schemeClr val="dk2">
-        <a:shade val="80000"/>
-      </a:schemeClr>
-    </dgm:linClrLst>
-    <dgm:effectClrLst/>
-    <dgm:txLinClrLst/>
-    <dgm:txFillClrLst meth="repeat">
-      <a:schemeClr val="dk2"/>
-    </dgm:txFillClrLst>
-    <dgm:txEffectClrLst/>
-  </dgm:styleLbl>
-  <dgm:styleLbl name="node1">
-    <dgm:fillClrLst meth="repeat">
-      <a:schemeClr val="lt1"/>
-    </dgm:fillClrLst>
-    <dgm:linClrLst meth="repeat">
-      <a:schemeClr val="dk2">
-        <a:shade val="80000"/>
-      </a:schemeClr>
-    </dgm:linClrLst>
-    <dgm:effectClrLst/>
-    <dgm:txLinClrLst/>
-    <dgm:txFillClrLst meth="repeat">
-      <a:schemeClr val="dk2"/>
-    </dgm:txFillClrLst>
-    <dgm:txEffectClrLst/>
-  </dgm:styleLbl>
-  <dgm:styleLbl name="alignNode1">
-    <dgm:fillClrLst meth="repeat">
-      <a:schemeClr val="lt1"/>
-    </dgm:fillClrLst>
-    <dgm:linClrLst meth="repeat">
-      <a:schemeClr val="dk2">
-        <a:shade val="80000"/>
-      </a:schemeClr>
-    </dgm:linClrLst>
-    <dgm:effectClrLst/>
-    <dgm:txLinClrLst/>
-    <dgm:txFillClrLst meth="repeat">
-      <a:schemeClr val="dk2"/>
-    </dgm:txFillClrLst>
-    <dgm:txEffectClrLst/>
-  </dgm:styleLbl>
-  <dgm:styleLbl name="lnNode1">
-    <dgm:fillClrLst meth="repeat">
-      <a:schemeClr val="lt1"/>
-    </dgm:fillClrLst>
-    <dgm:linClrLst meth="repeat">
-      <a:schemeClr val="dk2">
-        <a:shade val="80000"/>
-      </a:schemeClr>
-    </dgm:linClrLst>
-    <dgm:effectClrLst/>
-    <dgm:txLinClrLst/>
-    <dgm:txFillClrLst meth="repeat">
-      <a:schemeClr val="dk2"/>
-    </dgm:txFillClrLst>
-    <dgm:txEffectClrLst/>
-  </dgm:styleLbl>
-  <dgm:styleLbl name="vennNode1">
-    <dgm:fillClrLst meth="repeat">
-      <a:schemeClr val="lt1">
-        <a:alpha val="50000"/>
-      </a:schemeClr>
-    </dgm:fillClrLst>
-    <dgm:linClrLst meth="repeat">
-      <a:schemeClr val="dk2">
-        <a:shade val="80000"/>
-      </a:schemeClr>
-    </dgm:linClrLst>
-    <dgm:effectClrLst/>
-    <dgm:txLinClrLst/>
-    <dgm:txFillClrLst/>
-    <dgm:txEffectClrLst/>
-  </dgm:styleLbl>
-  <dgm:styleLbl name="node2">
-    <dgm:fillClrLst meth="repeat">
-      <a:schemeClr val="lt1"/>
-    </dgm:fillClrLst>
-    <dgm:linClrLst meth="repeat">
-      <a:schemeClr val="dk2">
-        <a:shade val="80000"/>
-      </a:schemeClr>
-    </dgm:linClrLst>
-    <dgm:effectClrLst/>
-    <dgm:txLinClrLst/>
-    <dgm:txFillClrLst meth="repeat">
-      <a:schemeClr val="dk2"/>
-    </dgm:txFillClrLst>
-    <dgm:txEffectClrLst/>
-  </dgm:styleLbl>
-  <dgm:styleLbl name="node3">
-    <dgm:fillClrLst meth="repeat">
-      <a:schemeClr val="lt1"/>
-    </dgm:fillClrLst>
-    <dgm:linClrLst meth="repeat">
-      <a:schemeClr val="dk2">
-        <a:shade val="80000"/>
-      </a:schemeClr>
-    </dgm:linClrLst>
-    <dgm:effectClrLst/>
-    <dgm:txLinClrLst/>
-    <dgm:txFillClrLst meth="repeat">
-      <a:schemeClr val="dk2"/>
-    </dgm:txFillClrLst>
-    <dgm:txEffectClrLst/>
-  </dgm:styleLbl>
-  <dgm:styleLbl name="node4">
-    <dgm:fillClrLst meth="repeat">
-      <a:schemeClr val="lt1"/>
-    </dgm:fillClrLst>
-    <dgm:linClrLst meth="repeat">
-      <a:schemeClr val="dk2">
-        <a:shade val="80000"/>
-      </a:schemeClr>
-    </dgm:linClrLst>
-    <dgm:effectClrLst/>
-    <dgm:txLinClrLst/>
-    <dgm:txFillClrLst meth="repeat">
-      <a:schemeClr val="dk2"/>
-    </dgm:txFillClrLst>
-    <dgm:txEffectClrLst/>
-  </dgm:styleLbl>
-  <dgm:styleLbl name="fgImgPlace1">
-    <dgm:fillClrLst meth="repeat">
-      <a:schemeClr val="dk2">
-        <a:tint val="40000"/>
-      </a:schemeClr>
-    </dgm:fillClrLst>
-    <dgm:linClrLst meth="repeat">
-      <a:schemeClr val="dk2">
-        <a:shade val="80000"/>
-      </a:schemeClr>
-    </dgm:linClrLst>
-    <dgm:effectClrLst/>
-    <dgm:txLinClrLst/>
-    <dgm:txFillClrLst meth="repeat">
-      <a:schemeClr val="lt1"/>
-    </dgm:txFillClrLst>
-    <dgm:txEffectClrLst/>
-  </dgm:styleLbl>
-  <dgm:styleLbl name="alignImgPlace1">
-    <dgm:fillClrLst meth="repeat">
-      <a:schemeClr val="dk2">
-        <a:tint val="40000"/>
-      </a:schemeClr>
-    </dgm:fillClrLst>
-    <dgm:linClrLst meth="repeat">
-      <a:schemeClr val="dk2">
-        <a:shade val="80000"/>
-      </a:schemeClr>
-    </dgm:linClrLst>
-    <dgm:effectClrLst/>
-    <dgm:txLinClrLst/>
-    <dgm:txFillClrLst meth="repeat">
-      <a:schemeClr val="lt1"/>
-    </dgm:txFillClrLst>
-    <dgm:txEffectClrLst/>
-  </dgm:styleLbl>
-  <dgm:styleLbl name="bgImgPlace1">
-    <dgm:fillClrLst meth="repeat">
-      <a:schemeClr val="dk2">
-        <a:tint val="40000"/>
-      </a:schemeClr>
-    </dgm:fillClrLst>
-    <dgm:linClrLst meth="repeat">
-      <a:schemeClr val="dk2">
-        <a:shade val="80000"/>
-      </a:schemeClr>
-    </dgm:linClrLst>
-    <dgm:effectClrLst/>
-    <dgm:txLinClrLst/>
-    <dgm:txFillClrLst meth="repeat">
-      <a:schemeClr val="lt1"/>
-    </dgm:txFillClrLst>
-    <dgm:txEffectClrLst/>
-  </dgm:styleLbl>
-  <dgm:styleLbl name="sibTrans2D1">
-    <dgm:fillClrLst meth="repeat">
-      <a:schemeClr val="dk2">
-        <a:tint val="60000"/>
-      </a:schemeClr>
-    </dgm:fillClrLst>
-    <dgm:linClrLst meth="repeat">
-      <a:schemeClr val="dk2">
-        <a:tint val="60000"/>
-      </a:schemeClr>
-    </dgm:linClrLst>
-    <dgm:effectClrLst/>
-    <dgm:txLinClrLst/>
-    <dgm:txFillClrLst meth="repeat">
-      <a:schemeClr val="dk2"/>
-    </dgm:txFillClrLst>
-    <dgm:txEffectClrLst/>
-  </dgm:styleLbl>
-  <dgm:styleLbl name="fgSibTrans2D1">
-    <dgm:fillClrLst meth="repeat">
-      <a:schemeClr val="dk2">
-        <a:tint val="60000"/>
-      </a:schemeClr>
-    </dgm:fillClrLst>
-    <dgm:linClrLst meth="repeat">
-      <a:schemeClr val="dk2">
-        <a:tint val="60000"/>
-      </a:schemeClr>
-    </dgm:linClrLst>
-    <dgm:effectClrLst/>
-    <dgm:txLinClrLst/>
-    <dgm:txFillClrLst meth="repeat">
-      <a:schemeClr val="dk2"/>
-    </dgm:txFillClrLst>
-    <dgm:txEffectClrLst/>
-  </dgm:styleLbl>
-  <dgm:styleLbl name="bgSibTrans2D1">
-    <dgm:fillClrLst meth="repeat">
-      <a:schemeClr val="dk2">
-        <a:tint val="60000"/>
-      </a:schemeClr>
-    </dgm:fillClrLst>
-    <dgm:linClrLst meth="repeat">
-      <a:schemeClr val="dk2">
-        <a:tint val="60000"/>
-      </a:schemeClr>
-    </dgm:linClrLst>
-    <dgm:effectClrLst/>
-    <dgm:txLinClrLst/>
-    <dgm:txFillClrLst meth="repeat">
-      <a:schemeClr val="dk2"/>
-    </dgm:txFillClrLst>
-    <dgm:txEffectClrLst/>
-  </dgm:styleLbl>
-  <dgm:styleLbl name="sibTrans1D1">
-    <dgm:fillClrLst meth="repeat">
-      <a:schemeClr val="dk2"/>
-    </dgm:fillClrLst>
-    <dgm:linClrLst meth="repeat">
-      <a:schemeClr val="dk2"/>
-    </dgm:linClrLst>
-    <dgm:effectClrLst/>
-    <dgm:txLinClrLst/>
-    <dgm:txFillClrLst meth="repeat">
-      <a:schemeClr val="tx1"/>
-    </dgm:txFillClrLst>
-    <dgm:txEffectClrLst/>
-  </dgm:styleLbl>
-  <dgm:styleLbl name="callout">
-    <dgm:fillClrLst meth="repeat">
-      <a:schemeClr val="dk2"/>
-    </dgm:fillClrLst>
-    <dgm:linClrLst meth="repeat">
-      <a:schemeClr val="dk2"/>
-    </dgm:linClrLst>
-    <dgm:effectClrLst/>
-    <dgm:txLinClrLst/>
-    <dgm:txFillClrLst meth="repeat">
-      <a:schemeClr val="tx1"/>
-    </dgm:txFillClrLst>
-    <dgm:txEffectClrLst/>
-  </dgm:styleLbl>
-  <dgm:styleLbl name="asst0">
-    <dgm:fillClrLst meth="repeat">
-      <a:schemeClr val="lt1"/>
-    </dgm:fillClrLst>
-    <dgm:linClrLst meth="repeat">
-      <a:schemeClr val="dk2">
-        <a:shade val="80000"/>
-      </a:schemeClr>
-    </dgm:linClrLst>
-    <dgm:effectClrLst/>
-    <dgm:txLinClrLst/>
-    <dgm:txFillClrLst meth="repeat">
-      <a:schemeClr val="dk2"/>
-    </dgm:txFillClrLst>
-    <dgm:txEffectClrLst/>
-  </dgm:styleLbl>
-  <dgm:styleLbl name="asst1">
-    <dgm:fillClrLst meth="repeat">
-      <a:schemeClr val="lt1"/>
-    </dgm:fillClrLst>
-    <dgm:linClrLst meth="repeat">
-      <a:schemeClr val="dk2">
-        <a:shade val="80000"/>
-      </a:schemeClr>
-    </dgm:linClrLst>
-    <dgm:effectClrLst/>
-    <dgm:txLinClrLst/>
-    <dgm:txFillClrLst meth="repeat">
-      <a:schemeClr val="dk2"/>
-    </dgm:txFillClrLst>
-    <dgm:txEffectClrLst/>
-  </dgm:styleLbl>
-  <dgm:styleLbl name="asst2">
-    <dgm:fillClrLst meth="repeat">
-      <a:schemeClr val="lt1"/>
-    </dgm:fillClrLst>
-    <dgm:linClrLst meth="repeat">
-      <a:schemeClr val="dk2">
-        <a:shade val="80000"/>
-      </a:schemeClr>
-    </dgm:linClrLst>
-    <dgm:effectClrLst/>
-    <dgm:txLinClrLst/>
-    <dgm:txFillClrLst meth="repeat">
-      <a:schemeClr val="dk2"/>
-    </dgm:txFillClrLst>
-    <dgm:txEffectClrLst/>
-  </dgm:styleLbl>
-  <dgm:styleLbl name="asst3">
-    <dgm:fillClrLst meth="repeat">
-      <a:schemeClr val="lt1"/>
-    </dgm:fillClrLst>
-    <dgm:linClrLst meth="repeat">
-      <a:schemeClr val="dk2">
-        <a:shade val="80000"/>
-      </a:schemeClr>
-    </dgm:linClrLst>
-    <dgm:effectClrLst/>
-    <dgm:txLinClrLst/>
-    <dgm:txFillClrLst meth="repeat">
-      <a:schemeClr val="dk2"/>
-    </dgm:txFillClrLst>
-    <dgm:txEffectClrLst/>
-  </dgm:styleLbl>
-  <dgm:styleLbl name="asst4">
-    <dgm:fillClrLst meth="repeat">
-      <a:schemeClr val="lt1"/>
-    </dgm:fillClrLst>
-    <dgm:linClrLst meth="repeat">
-      <a:schemeClr val="dk2">
-        <a:shade val="80000"/>
-      </a:schemeClr>
-    </dgm:linClrLst>
-    <dgm:effectClrLst/>
-    <dgm:txLinClrLst/>
-    <dgm:txFillClrLst meth="repeat">
-      <a:schemeClr val="dk2"/>
-    </dgm:txFillClrLst>
-    <dgm:txEffectClrLst/>
-  </dgm:styleLbl>
-  <dgm:styleLbl name="parChTrans2D1">
-    <dgm:fillClrLst meth="repeat">
-      <a:schemeClr val="dk2">
-        <a:tint val="60000"/>
-      </a:schemeClr>
-    </dgm:fillClrLst>
-    <dgm:linClrLst meth="repeat">
-      <a:schemeClr val="dk2">
-        <a:tint val="60000"/>
-      </a:schemeClr>
-    </dgm:linClrLst>
-    <dgm:effectClrLst/>
-    <dgm:txLinClrLst/>
-    <dgm:txFillClrLst/>
-    <dgm:txEffectClrLst/>
-  </dgm:styleLbl>
-  <dgm:styleLbl name="parChTrans2D2">
-    <dgm:fillClrLst meth="repeat">
-      <a:schemeClr val="dk2"/>
-    </dgm:fillClrLst>
-    <dgm:linClrLst meth="repeat">
-      <a:schemeClr val="dk2"/>
-    </dgm:linClrLst>
-    <dgm:effectClrLst/>
-    <dgm:txLinClrLst/>
-    <dgm:txFillClrLst/>
-    <dgm:txEffectClrLst/>
-  </dgm:styleLbl>
-  <dgm:styleLbl name="parChTrans2D3">
-    <dgm:fillClrLst meth="repeat">
-      <a:schemeClr val="dk2"/>
-    </dgm:fillClrLst>
-    <dgm:linClrLst meth="repeat">
-      <a:schemeClr val="dk2"/>
-    </dgm:linClrLst>
-    <dgm:effectClrLst/>
-    <dgm:txLinClrLst/>
-    <dgm:txFillClrLst/>
-    <dgm:txEffectClrLst/>
-  </dgm:styleLbl>
-  <dgm:styleLbl name="parChTrans2D4">
-    <dgm:fillClrLst meth="repeat">
-      <a:schemeClr val="dk2"/>
-    </dgm:fillClrLst>
-    <dgm:linClrLst meth="repeat">
-      <a:schemeClr val="dk2"/>
-    </dgm:linClrLst>
-    <dgm:effectClrLst/>
-    <dgm:txLinClrLst/>
-    <dgm:txFillClrLst meth="repeat">
-      <a:schemeClr val="lt1"/>
-    </dgm:txFillClrLst>
-    <dgm:txEffectClrLst/>
-  </dgm:styleLbl>
-  <dgm:styleLbl name="parChTrans1D1">
-    <dgm:fillClrLst meth="repeat">
-      <a:schemeClr val="dk2"/>
-    </dgm:fillClrLst>
-    <dgm:linClrLst meth="repeat">
-      <a:schemeClr val="dk2">
-        <a:shade val="60000"/>
-      </a:schemeClr>
-    </dgm:linClrLst>
-    <dgm:effectClrLst/>
-    <dgm:txLinClrLst/>
-    <dgm:txFillClrLst meth="repeat">
-      <a:schemeClr val="tx1"/>
-    </dgm:txFillClrLst>
-    <dgm:txEffectClrLst/>
-  </dgm:styleLbl>
-  <dgm:styleLbl name="parChTrans1D2">
-    <dgm:fillClrLst meth="repeat">
-      <a:schemeClr val="dk2"/>
-    </dgm:fillClrLst>
-    <dgm:linClrLst meth="repeat">
-      <a:schemeClr val="dk2">
-        <a:shade val="60000"/>
-      </a:schemeClr>
-    </dgm:linClrLst>
-    <dgm:effectClrLst/>
-    <dgm:txLinClrLst/>
-    <dgm:txFillClrLst meth="repeat">
-      <a:schemeClr val="tx1"/>
-    </dgm:txFillClrLst>
-    <dgm:txEffectClrLst/>
-  </dgm:styleLbl>
-  <dgm:styleLbl name="parChTrans1D3">
-    <dgm:fillClrLst meth="repeat">
-      <a:schemeClr val="dk2"/>
-    </dgm:fillClrLst>
-    <dgm:linClrLst meth="repeat">
-      <a:schemeClr val="dk2">
-        <a:shade val="80000"/>
-      </a:schemeClr>
-    </dgm:linClrLst>
-    <dgm:effectClrLst/>
-    <dgm:txLinClrLst/>
-    <dgm:txFillClrLst meth="repeat">
-      <a:schemeClr val="tx1"/>
-    </dgm:txFillClrLst>
-    <dgm:txEffectClrLst/>
-  </dgm:styleLbl>
-  <dgm:styleLbl name="parChTrans1D4">
-    <dgm:fillClrLst meth="repeat">
-      <a:schemeClr val="dk2"/>
-    </dgm:fillClrLst>
-    <dgm:linClrLst meth="repeat">
-      <a:schemeClr val="dk2">
-        <a:shade val="80000"/>
-      </a:schemeClr>
-    </dgm:linClrLst>
-    <dgm:effectClrLst/>
-    <dgm:txLinClrLst/>
-    <dgm:txFillClrLst meth="repeat">
-      <a:schemeClr val="tx1"/>
-    </dgm:txFillClrLst>
-    <dgm:txEffectClrLst/>
-  </dgm:styleLbl>
-  <dgm:styleLbl name="fgAcc1">
-    <dgm:fillClrLst meth="repeat">
-      <a:schemeClr val="dk2">
-        <a:alpha val="90000"/>
-        <a:tint val="40000"/>
-      </a:schemeClr>
-    </dgm:fillClrLst>
-    <dgm:linClrLst meth="repeat">
-      <a:schemeClr val="dk2"/>
-    </dgm:linClrLst>
-    <dgm:effectClrLst/>
-    <dgm:txLinClrLst/>
-    <dgm:txFillClrLst meth="repeat">
-      <a:schemeClr val="dk2"/>
-    </dgm:txFillClrLst>
-    <dgm:txEffectClrLst/>
-  </dgm:styleLbl>
-  <dgm:styleLbl name="conFgAcc1">
-    <dgm:fillClrLst meth="repeat">
-      <a:schemeClr val="dk2">
-        <a:alpha val="90000"/>
-        <a:tint val="40000"/>
-      </a:schemeClr>
-    </dgm:fillClrLst>
-    <dgm:linClrLst meth="repeat">
-      <a:schemeClr val="dk2"/>
-    </dgm:linClrLst>
-    <dgm:effectClrLst/>
-    <dgm:txLinClrLst/>
-    <dgm:txFillClrLst meth="repeat">
-      <a:schemeClr val="dk2"/>
-    </dgm:txFillClrLst>
-    <dgm:txEffectClrLst/>
-  </dgm:styleLbl>
-  <dgm:styleLbl name="alignAcc1">
-    <dgm:fillClrLst meth="repeat">
-      <a:schemeClr val="dk2">
-        <a:alpha val="90000"/>
-        <a:tint val="40000"/>
-      </a:schemeClr>
-    </dgm:fillClrLst>
-    <dgm:linClrLst meth="repeat">
-      <a:schemeClr val="dk2"/>
-    </dgm:linClrLst>
-    <dgm:effectClrLst/>
-    <dgm:txLinClrLst/>
-    <dgm:txFillClrLst meth="repeat">
-      <a:schemeClr val="dk2"/>
-    </dgm:txFillClrLst>
-    <dgm:txEffectClrLst/>
-  </dgm:styleLbl>
-  <dgm:styleLbl name="trAlignAcc1">
-    <dgm:fillClrLst meth="repeat">
-      <a:schemeClr val="dk2">
-        <a:alpha val="40000"/>
-        <a:tint val="40000"/>
-      </a:schemeClr>
-    </dgm:fillClrLst>
-    <dgm:linClrLst meth="repeat">
-      <a:schemeClr val="dk2"/>
-    </dgm:linClrLst>
-    <dgm:effectClrLst/>
-    <dgm:txLinClrLst/>
-    <dgm:txFillClrLst meth="repeat">
-      <a:schemeClr val="dk2"/>
-    </dgm:txFillClrLst>
-    <dgm:txEffectClrLst/>
-  </dgm:styleLbl>
-  <dgm:styleLbl name="bgAcc1">
-    <dgm:fillClrLst meth="repeat">
-      <a:schemeClr val="dk2">
-        <a:alpha val="90000"/>
-        <a:tint val="40000"/>
-      </a:schemeClr>
-    </dgm:fillClrLst>
-    <dgm:linClrLst meth="repeat">
-      <a:schemeClr val="dk2"/>
-    </dgm:linClrLst>
-    <dgm:effectClrLst/>
-    <dgm:txLinClrLst/>
-    <dgm:txFillClrLst meth="repeat">
-      <a:schemeClr val="dk2"/>
-    </dgm:txFillClrLst>
-    <dgm:txEffectClrLst/>
-  </dgm:styleLbl>
-  <dgm:styleLbl name="solidFgAcc1">
-    <dgm:fillClrLst meth="repeat">
-      <a:schemeClr val="lt1"/>
-    </dgm:fillClrLst>
-    <dgm:linClrLst meth="repeat">
-      <a:schemeClr val="dk2"/>
-    </dgm:linClrLst>
-    <dgm:effectClrLst/>
-    <dgm:txLinClrLst/>
-    <dgm:txFillClrLst meth="repeat">
-      <a:schemeClr val="dk2"/>
-    </dgm:txFillClrLst>
-    <dgm:txEffectClrLst/>
-  </dgm:styleLbl>
-  <dgm:styleLbl name="solidAlignAcc1">
-    <dgm:fillClrLst meth="repeat">
-      <a:schemeClr val="lt1"/>
-    </dgm:fillClrLst>
-    <dgm:linClrLst meth="repeat">
-      <a:schemeClr val="dk2"/>
-    </dgm:linClrLst>
-    <dgm:effectClrLst/>
-    <dgm:txLinClrLst/>
-    <dgm:txFillClrLst meth="repeat">
-      <a:schemeClr val="dk2"/>
-    </dgm:txFillClrLst>
-    <dgm:txEffectClrLst/>
-  </dgm:styleLbl>
-  <dgm:styleLbl name="solidBgAcc1">
-    <dgm:fillClrLst meth="repeat">
-      <a:schemeClr val="lt1"/>
-    </dgm:fillClrLst>
-    <dgm:linClrLst meth="repeat">
-      <a:schemeClr val="dk2"/>
-    </dgm:linClrLst>
-    <dgm:effectClrLst/>
-    <dgm:txLinClrLst/>
-    <dgm:txFillClrLst meth="repeat">
-      <a:schemeClr val="dk2"/>
-    </dgm:txFillClrLst>
-    <dgm:txEffectClrLst/>
-  </dgm:styleLbl>
-  <dgm:styleLbl name="fgAccFollowNode1">
-    <dgm:fillClrLst meth="repeat">
-      <a:schemeClr val="lt1">
-        <a:alpha val="90000"/>
-        <a:tint val="40000"/>
-      </a:schemeClr>
-    </dgm:fillClrLst>
-    <dgm:linClrLst meth="repeat">
-      <a:schemeClr val="dk2">
-        <a:alpha val="90000"/>
-      </a:schemeClr>
-    </dgm:linClrLst>
-    <dgm:effectClrLst/>
-    <dgm:txLinClrLst/>
-    <dgm:txFillClrLst meth="repeat">
-      <a:schemeClr val="dk2"/>
-    </dgm:txFillClrLst>
-    <dgm:txEffectClrLst/>
-  </dgm:styleLbl>
-  <dgm:styleLbl name="alignAccFollowNode1">
-    <dgm:fillClrLst meth="repeat">
-      <a:schemeClr val="lt1">
-        <a:alpha val="90000"/>
-        <a:tint val="40000"/>
-      </a:schemeClr>
-    </dgm:fillClrLst>
-    <dgm:linClrLst meth="repeat">
-      <a:schemeClr val="dk2">
-        <a:alpha val="90000"/>
-      </a:schemeClr>
-    </dgm:linClrLst>
-    <dgm:effectClrLst/>
-    <dgm:txLinClrLst/>
-    <dgm:txFillClrLst meth="repeat">
-      <a:schemeClr val="dk2"/>
-    </dgm:txFillClrLst>
-    <dgm:txEffectClrLst/>
-  </dgm:styleLbl>
-  <dgm:styleLbl name="bgAccFollowNode1">
-    <dgm:fillClrLst meth="repeat">
-      <a:schemeClr val="lt1">
-        <a:alpha val="90000"/>
-        <a:tint val="40000"/>
-      </a:schemeClr>
-    </dgm:fillClrLst>
-    <dgm:linClrLst meth="repeat">
-      <a:schemeClr val="dk2">
-        <a:alpha val="90000"/>
-      </a:schemeClr>
-    </dgm:linClrLst>
-    <dgm:effectClrLst/>
-    <dgm:txLinClrLst/>
-    <dgm:txFillClrLst meth="repeat">
-      <a:schemeClr val="dk2"/>
-    </dgm:txFillClrLst>
-    <dgm:txEffectClrLst/>
-  </dgm:styleLbl>
-  <dgm:styleLbl name="fgAcc0">
-    <dgm:fillClrLst meth="repeat">
-      <a:schemeClr val="dk2">
-        <a:alpha val="90000"/>
-        <a:tint val="40000"/>
-      </a:schemeClr>
-    </dgm:fillClrLst>
-    <dgm:linClrLst meth="repeat">
-      <a:schemeClr val="dk2"/>
-    </dgm:linClrLst>
-    <dgm:effectClrLst/>
-    <dgm:txLinClrLst/>
-    <dgm:txFillClrLst meth="repeat">
-      <a:schemeClr val="dk2"/>
-    </dgm:txFillClrLst>
-    <dgm:txEffectClrLst/>
-  </dgm:styleLbl>
-  <dgm:styleLbl name="fgAcc2">
-    <dgm:fillClrLst meth="repeat">
-      <a:schemeClr val="dk2">
-        <a:alpha val="90000"/>
-        <a:tint val="40000"/>
-      </a:schemeClr>
-    </dgm:fillClrLst>
-    <dgm:linClrLst meth="repeat">
-      <a:schemeClr val="dk2"/>
-    </dgm:linClrLst>
-    <dgm:effectClrLst/>
-    <dgm:txLinClrLst/>
-    <dgm:txFillClrLst meth="repeat">
-      <a:schemeClr val="dk2"/>
-    </dgm:txFillClrLst>
-    <dgm:txEffectClrLst/>
-  </dgm:styleLbl>
-  <dgm:styleLbl name="fgAcc3">
-    <dgm:fillClrLst meth="repeat">
-      <a:schemeClr val="dk2">
-        <a:alpha val="90000"/>
-        <a:tint val="40000"/>
-      </a:schemeClr>
-    </dgm:fillClrLst>
-    <dgm:linClrLst meth="repeat">
-      <a:schemeClr val="dk2"/>
-    </dgm:linClrLst>
-    <dgm:effectClrLst/>
-    <dgm:txLinClrLst/>
-    <dgm:txFillClrLst meth="repeat">
-      <a:schemeClr val="dk2"/>
-    </dgm:txFillClrLst>
-    <dgm:txEffectClrLst/>
-  </dgm:styleLbl>
-  <dgm:styleLbl name="fgAcc4">
-    <dgm:fillClrLst meth="repeat">
-      <a:schemeClr val="dk2">
-        <a:alpha val="90000"/>
-        <a:tint val="40000"/>
-      </a:schemeClr>
-    </dgm:fillClrLst>
-    <dgm:linClrLst meth="repeat">
-      <a:schemeClr val="dk2"/>
-    </dgm:linClrLst>
-    <dgm:effectClrLst/>
-    <dgm:txLinClrLst/>
-    <dgm:txFillClrLst meth="repeat">
-      <a:schemeClr val="dk2"/>
-    </dgm:txFillClrLst>
-    <dgm:txEffectClrLst/>
-  </dgm:styleLbl>
-  <dgm:styleLbl name="bgShp">
-    <dgm:fillClrLst meth="repeat">
-      <a:schemeClr val="dk2">
-        <a:tint val="40000"/>
-      </a:schemeClr>
-    </dgm:fillClrLst>
-    <dgm:linClrLst meth="repeat">
-      <a:schemeClr val="dk2"/>
-    </dgm:linClrLst>
-    <dgm:effectClrLst/>
-    <dgm:txLinClrLst/>
-    <dgm:txFillClrLst meth="repeat">
-      <a:schemeClr val="dk1"/>
-    </dgm:txFillClrLst>
-    <dgm:txEffectClrLst/>
-  </dgm:styleLbl>
-  <dgm:styleLbl name="dkBgShp">
-    <dgm:fillClrLst meth="repeat">
-      <a:schemeClr val="dk2">
-        <a:shade val="80000"/>
-      </a:schemeClr>
-    </dgm:fillClrLst>
-    <dgm:linClrLst meth="repeat">
-      <a:schemeClr val="dk2"/>
-    </dgm:linClrLst>
-    <dgm:effectClrLst/>
-    <dgm:txLinClrLst/>
-    <dgm:txFillClrLst meth="repeat">
-      <a:schemeClr val="lt2"/>
-    </dgm:txFillClrLst>
-    <dgm:txEffectClrLst/>
-  </dgm:styleLbl>
-  <dgm:styleLbl name="trBgShp">
-    <dgm:fillClrLst meth="repeat">
-      <a:schemeClr val="dk2">
-        <a:tint val="50000"/>
-        <a:alpha val="40000"/>
-      </a:schemeClr>
-    </dgm:fillClrLst>
-    <dgm:linClrLst meth="repeat">
-      <a:schemeClr val="dk2"/>
-    </dgm:linClrLst>
-    <dgm:effectClrLst/>
-    <dgm:txLinClrLst/>
-    <dgm:txFillClrLst meth="repeat">
-      <a:schemeClr val="lt2"/>
-    </dgm:txFillClrLst>
-    <dgm:txEffectClrLst/>
-  </dgm:styleLbl>
-  <dgm:styleLbl name="fgShp">
-    <dgm:fillClrLst meth="repeat">
-      <a:schemeClr val="dk2">
-        <a:tint val="60000"/>
-      </a:schemeClr>
-    </dgm:fillClrLst>
-    <dgm:linClrLst meth="repeat">
-      <a:schemeClr val="lt1"/>
-    </dgm:linClrLst>
-    <dgm:effectClrLst/>
-    <dgm:txLinClrLst/>
-    <dgm:txFillClrLst meth="repeat">
-      <a:schemeClr val="dk2"/>
-    </dgm:txFillClrLst>
-    <dgm:txEffectClrLst/>
-  </dgm:styleLbl>
-  <dgm:styleLbl name="revTx">
-    <dgm:fillClrLst meth="repeat">
-      <a:schemeClr val="lt1">
-        <a:alpha val="0"/>
-      </a:schemeClr>
-    </dgm:fillClrLst>
-    <dgm:linClrLst meth="repeat">
-      <a:schemeClr val="dk2">
-        <a:alpha val="0"/>
-      </a:schemeClr>
-    </dgm:linClrLst>
-    <dgm:effectClrLst/>
-    <dgm:txLinClrLst/>
-    <dgm:txFillClrLst meth="repeat">
-      <a:schemeClr val="tx1"/>
-    </dgm:txFillClrLst>
-    <dgm:txEffectClrLst/>
-  </dgm:styleLbl>
-</dgm:colorsDef>
-</file>
-
-<file path=ppt/diagrams/data1.xml><?xml version="1.0" encoding="utf-8"?>
-<dgm:dataModel xmlns:dgm="http://schemas.openxmlformats.org/drawingml/2006/diagram" xmlns:a="http://schemas.openxmlformats.org/drawingml/2006/main">
-  <dgm:ptLst>
-    <dgm:pt modelId="{04B8BE75-06E6-46C1-9237-0B17B1DA8F24}" type="doc">
-      <dgm:prSet loTypeId="urn:microsoft.com/office/officeart/2005/8/layout/process4" loCatId="process" qsTypeId="urn:microsoft.com/office/officeart/2005/8/quickstyle/3d3" qsCatId="3D" csTypeId="urn:microsoft.com/office/officeart/2005/8/colors/accent0_2" csCatId="mainScheme" phldr="1"/>
-      <dgm:spPr/>
-      <dgm:t>
-        <a:bodyPr/>
-        <a:lstStyle/>
-        <a:p>
-          <a:endParaRPr lang="en-US"/>
-        </a:p>
-      </dgm:t>
-    </dgm:pt>
-    <dgm:pt modelId="{A2D20A96-1431-4D92-87F9-71EC97A359A4}">
-      <dgm:prSet/>
-      <dgm:spPr/>
-      <dgm:t>
-        <a:bodyPr/>
-        <a:lstStyle/>
-        <a:p>
-          <a:r>
-            <a:rPr lang="en-US" dirty="0"/>
-            <a:t>What </a:t>
-          </a:r>
-          <a:r>
-            <a:rPr lang="en-US" dirty="0">
-              <a:solidFill>
-                <a:schemeClr val="tx1"/>
-              </a:solidFill>
-            </a:rPr>
-            <a:t>genres</a:t>
-          </a:r>
-          <a:r>
-            <a:rPr lang="en-US" dirty="0"/>
-            <a:t> have the strongest correlation with ROI?</a:t>
-          </a:r>
-        </a:p>
-      </dgm:t>
-    </dgm:pt>
-    <dgm:pt modelId="{AC96FB75-120B-4437-97B4-AE89CF3023D3}" type="parTrans" cxnId="{C15E0C95-028F-4C5B-9EF7-F7217F5604E8}">
-      <dgm:prSet/>
-      <dgm:spPr/>
-      <dgm:t>
-        <a:bodyPr/>
-        <a:lstStyle/>
-        <a:p>
-          <a:endParaRPr lang="en-US"/>
-        </a:p>
-      </dgm:t>
-    </dgm:pt>
-    <dgm:pt modelId="{B964965F-099A-4E44-ACFC-30388FC6E177}" type="sibTrans" cxnId="{C15E0C95-028F-4C5B-9EF7-F7217F5604E8}">
-      <dgm:prSet/>
-      <dgm:spPr/>
-      <dgm:t>
-        <a:bodyPr/>
-        <a:lstStyle/>
-        <a:p>
-          <a:endParaRPr lang="en-US"/>
-        </a:p>
-      </dgm:t>
-    </dgm:pt>
-    <dgm:pt modelId="{620956CF-58BF-4748-AD24-5B5F07ABDF62}">
-      <dgm:prSet/>
-      <dgm:spPr/>
-      <dgm:t>
-        <a:bodyPr/>
-        <a:lstStyle/>
-        <a:p>
-          <a:r>
-            <a:rPr lang="en-US" dirty="0"/>
-            <a:t>How does budget affect these correlations?</a:t>
-          </a:r>
-        </a:p>
-      </dgm:t>
-    </dgm:pt>
-    <dgm:pt modelId="{F34D9458-486F-4A74-879A-8D9C171478FE}" type="parTrans" cxnId="{B8BA6EF5-BBBF-4F14-8405-C6D78BDC37D4}">
-      <dgm:prSet/>
-      <dgm:spPr/>
-      <dgm:t>
-        <a:bodyPr/>
-        <a:lstStyle/>
-        <a:p>
-          <a:endParaRPr lang="en-US"/>
-        </a:p>
-      </dgm:t>
-    </dgm:pt>
-    <dgm:pt modelId="{00F14550-F4CF-446F-B491-C92D2D65B94C}" type="sibTrans" cxnId="{B8BA6EF5-BBBF-4F14-8405-C6D78BDC37D4}">
-      <dgm:prSet/>
-      <dgm:spPr/>
-      <dgm:t>
-        <a:bodyPr/>
-        <a:lstStyle/>
-        <a:p>
-          <a:endParaRPr lang="en-US"/>
-        </a:p>
-      </dgm:t>
-    </dgm:pt>
-    <dgm:pt modelId="{A905BB1F-32BA-4317-B1D7-55F01CB3DC42}">
-      <dgm:prSet/>
-      <dgm:spPr/>
-      <dgm:t>
-        <a:bodyPr/>
-        <a:lstStyle/>
-        <a:p>
-          <a:r>
-            <a:rPr lang="en-US" dirty="0"/>
-            <a:t>Are high or low-budget films more profitable?</a:t>
-          </a:r>
-        </a:p>
-      </dgm:t>
-    </dgm:pt>
-    <dgm:pt modelId="{98DA5284-6B72-4F8C-A4A7-AC9C8311CFF8}" type="parTrans" cxnId="{B4BFB33A-DE5C-4829-AD63-90492B3C5459}">
-      <dgm:prSet/>
-      <dgm:spPr/>
-      <dgm:t>
-        <a:bodyPr/>
-        <a:lstStyle/>
-        <a:p>
-          <a:endParaRPr lang="en-US"/>
-        </a:p>
-      </dgm:t>
-    </dgm:pt>
-    <dgm:pt modelId="{C90D76EB-7CA6-47C2-B7D5-1494F9C7E3F7}" type="sibTrans" cxnId="{B4BFB33A-DE5C-4829-AD63-90492B3C5459}">
-      <dgm:prSet/>
-      <dgm:spPr/>
-      <dgm:t>
-        <a:bodyPr/>
-        <a:lstStyle/>
-        <a:p>
-          <a:endParaRPr lang="en-US"/>
-        </a:p>
-      </dgm:t>
-    </dgm:pt>
-    <dgm:pt modelId="{6222796C-289A-43BE-90FA-15C2A0DE6642}" type="pres">
-      <dgm:prSet presAssocID="{04B8BE75-06E6-46C1-9237-0B17B1DA8F24}" presName="Name0" presStyleCnt="0">
-        <dgm:presLayoutVars>
-          <dgm:dir/>
-          <dgm:animLvl val="lvl"/>
-          <dgm:resizeHandles val="exact"/>
-        </dgm:presLayoutVars>
-      </dgm:prSet>
-      <dgm:spPr/>
-    </dgm:pt>
-    <dgm:pt modelId="{B4F34417-8930-4675-B1CA-26C25EB7C749}" type="pres">
-      <dgm:prSet presAssocID="{A905BB1F-32BA-4317-B1D7-55F01CB3DC42}" presName="boxAndChildren" presStyleCnt="0"/>
-      <dgm:spPr/>
-    </dgm:pt>
-    <dgm:pt modelId="{B4589FA7-CEFE-4C11-9645-295636E960AE}" type="pres">
-      <dgm:prSet presAssocID="{A905BB1F-32BA-4317-B1D7-55F01CB3DC42}" presName="parentTextBox" presStyleLbl="node1" presStyleIdx="0" presStyleCnt="3"/>
-      <dgm:spPr/>
-    </dgm:pt>
-    <dgm:pt modelId="{E67597A1-847D-4FCC-8557-74D076C0F53D}" type="pres">
-      <dgm:prSet presAssocID="{00F14550-F4CF-446F-B491-C92D2D65B94C}" presName="sp" presStyleCnt="0"/>
-      <dgm:spPr/>
-    </dgm:pt>
-    <dgm:pt modelId="{B8A78F02-CDD0-46A7-B5BC-30F85B69D6A0}" type="pres">
-      <dgm:prSet presAssocID="{620956CF-58BF-4748-AD24-5B5F07ABDF62}" presName="arrowAndChildren" presStyleCnt="0"/>
-      <dgm:spPr/>
-    </dgm:pt>
-    <dgm:pt modelId="{BD3BF11E-91AB-4E55-8C8D-2404F082D640}" type="pres">
-      <dgm:prSet presAssocID="{620956CF-58BF-4748-AD24-5B5F07ABDF62}" presName="parentTextArrow" presStyleLbl="node1" presStyleIdx="1" presStyleCnt="3"/>
-      <dgm:spPr/>
-    </dgm:pt>
-    <dgm:pt modelId="{37A31726-9335-4EE3-9B05-4311F94ACB68}" type="pres">
-      <dgm:prSet presAssocID="{B964965F-099A-4E44-ACFC-30388FC6E177}" presName="sp" presStyleCnt="0"/>
-      <dgm:spPr/>
-    </dgm:pt>
-    <dgm:pt modelId="{E702D958-A736-404B-90BF-F9C693E806B9}" type="pres">
-      <dgm:prSet presAssocID="{A2D20A96-1431-4D92-87F9-71EC97A359A4}" presName="arrowAndChildren" presStyleCnt="0"/>
-      <dgm:spPr/>
-    </dgm:pt>
-    <dgm:pt modelId="{A96FACCE-DB4E-43D9-AFD7-41A280BFD08C}" type="pres">
-      <dgm:prSet presAssocID="{A2D20A96-1431-4D92-87F9-71EC97A359A4}" presName="parentTextArrow" presStyleLbl="node1" presStyleIdx="2" presStyleCnt="3"/>
-      <dgm:spPr/>
-    </dgm:pt>
-  </dgm:ptLst>
-  <dgm:cxnLst>
-    <dgm:cxn modelId="{B4BFB33A-DE5C-4829-AD63-90492B3C5459}" srcId="{04B8BE75-06E6-46C1-9237-0B17B1DA8F24}" destId="{A905BB1F-32BA-4317-B1D7-55F01CB3DC42}" srcOrd="2" destOrd="0" parTransId="{98DA5284-6B72-4F8C-A4A7-AC9C8311CFF8}" sibTransId="{C90D76EB-7CA6-47C2-B7D5-1494F9C7E3F7}"/>
-    <dgm:cxn modelId="{A2B95F49-A154-467F-9240-0011CF88B113}" type="presOf" srcId="{A905BB1F-32BA-4317-B1D7-55F01CB3DC42}" destId="{B4589FA7-CEFE-4C11-9645-295636E960AE}" srcOrd="0" destOrd="0" presId="urn:microsoft.com/office/officeart/2005/8/layout/process4"/>
-    <dgm:cxn modelId="{E21EAA89-FA9D-4BF5-8BBA-85DBF97E69F9}" type="presOf" srcId="{04B8BE75-06E6-46C1-9237-0B17B1DA8F24}" destId="{6222796C-289A-43BE-90FA-15C2A0DE6642}" srcOrd="0" destOrd="0" presId="urn:microsoft.com/office/officeart/2005/8/layout/process4"/>
-    <dgm:cxn modelId="{C15E0C95-028F-4C5B-9EF7-F7217F5604E8}" srcId="{04B8BE75-06E6-46C1-9237-0B17B1DA8F24}" destId="{A2D20A96-1431-4D92-87F9-71EC97A359A4}" srcOrd="0" destOrd="0" parTransId="{AC96FB75-120B-4437-97B4-AE89CF3023D3}" sibTransId="{B964965F-099A-4E44-ACFC-30388FC6E177}"/>
-    <dgm:cxn modelId="{362EB6A9-B486-48BE-93E2-B8E6E721920A}" type="presOf" srcId="{A2D20A96-1431-4D92-87F9-71EC97A359A4}" destId="{A96FACCE-DB4E-43D9-AFD7-41A280BFD08C}" srcOrd="0" destOrd="0" presId="urn:microsoft.com/office/officeart/2005/8/layout/process4"/>
-    <dgm:cxn modelId="{CDA070E6-6706-496B-952F-6632A05FCFFE}" type="presOf" srcId="{620956CF-58BF-4748-AD24-5B5F07ABDF62}" destId="{BD3BF11E-91AB-4E55-8C8D-2404F082D640}" srcOrd="0" destOrd="0" presId="urn:microsoft.com/office/officeart/2005/8/layout/process4"/>
-    <dgm:cxn modelId="{B8BA6EF5-BBBF-4F14-8405-C6D78BDC37D4}" srcId="{04B8BE75-06E6-46C1-9237-0B17B1DA8F24}" destId="{620956CF-58BF-4748-AD24-5B5F07ABDF62}" srcOrd="1" destOrd="0" parTransId="{F34D9458-486F-4A74-879A-8D9C171478FE}" sibTransId="{00F14550-F4CF-446F-B491-C92D2D65B94C}"/>
-    <dgm:cxn modelId="{3CD5D7D9-474E-4739-A381-D154BE8F4DA6}" type="presParOf" srcId="{6222796C-289A-43BE-90FA-15C2A0DE6642}" destId="{B4F34417-8930-4675-B1CA-26C25EB7C749}" srcOrd="0" destOrd="0" presId="urn:microsoft.com/office/officeart/2005/8/layout/process4"/>
-    <dgm:cxn modelId="{DF50DF3B-D74E-46C4-A93F-86087A347524}" type="presParOf" srcId="{B4F34417-8930-4675-B1CA-26C25EB7C749}" destId="{B4589FA7-CEFE-4C11-9645-295636E960AE}" srcOrd="0" destOrd="0" presId="urn:microsoft.com/office/officeart/2005/8/layout/process4"/>
-    <dgm:cxn modelId="{B459E0A7-7B65-444D-ABD2-CFD1460356F1}" type="presParOf" srcId="{6222796C-289A-43BE-90FA-15C2A0DE6642}" destId="{E67597A1-847D-4FCC-8557-74D076C0F53D}" srcOrd="1" destOrd="0" presId="urn:microsoft.com/office/officeart/2005/8/layout/process4"/>
-    <dgm:cxn modelId="{51E9C1CA-9BF8-4FBF-9C23-25E2A71796D6}" type="presParOf" srcId="{6222796C-289A-43BE-90FA-15C2A0DE6642}" destId="{B8A78F02-CDD0-46A7-B5BC-30F85B69D6A0}" srcOrd="2" destOrd="0" presId="urn:microsoft.com/office/officeart/2005/8/layout/process4"/>
-    <dgm:cxn modelId="{588E2A13-6087-4BA4-86E2-A3AE00B0D4B7}" type="presParOf" srcId="{B8A78F02-CDD0-46A7-B5BC-30F85B69D6A0}" destId="{BD3BF11E-91AB-4E55-8C8D-2404F082D640}" srcOrd="0" destOrd="0" presId="urn:microsoft.com/office/officeart/2005/8/layout/process4"/>
-    <dgm:cxn modelId="{9FFBEC9A-BD7D-47BF-AA0A-265E0522F7B4}" type="presParOf" srcId="{6222796C-289A-43BE-90FA-15C2A0DE6642}" destId="{37A31726-9335-4EE3-9B05-4311F94ACB68}" srcOrd="3" destOrd="0" presId="urn:microsoft.com/office/officeart/2005/8/layout/process4"/>
-    <dgm:cxn modelId="{2EC77BFE-3F01-4BAE-8F10-BCDF5C4DE67F}" type="presParOf" srcId="{6222796C-289A-43BE-90FA-15C2A0DE6642}" destId="{E702D958-A736-404B-90BF-F9C693E806B9}" srcOrd="4" destOrd="0" presId="urn:microsoft.com/office/officeart/2005/8/layout/process4"/>
-    <dgm:cxn modelId="{1DDA21DE-422F-4864-9937-3D82D9AE732A}" type="presParOf" srcId="{E702D958-A736-404B-90BF-F9C693E806B9}" destId="{A96FACCE-DB4E-43D9-AFD7-41A280BFD08C}" srcOrd="0" destOrd="0" presId="urn:microsoft.com/office/officeart/2005/8/layout/process4"/>
-  </dgm:cxnLst>
-  <dgm:bg/>
-  <dgm:whole/>
-  <dgm:extLst>
-    <a:ext uri="http://schemas.microsoft.com/office/drawing/2008/diagram">
-      <dsp:dataModelExt xmlns:dsp="http://schemas.microsoft.com/office/drawing/2008/diagram" relId="rId6" minVer="http://schemas.openxmlformats.org/drawingml/2006/diagram"/>
-    </a:ext>
-  </dgm:extLst>
-</dgm:dataModel>
-</file>
-
-<file path=ppt/diagrams/drawing1.xml><?xml version="1.0" encoding="utf-8"?>
-<dsp:drawing xmlns:dgm="http://schemas.openxmlformats.org/drawingml/2006/diagram" xmlns:dsp="http://schemas.microsoft.com/office/drawing/2008/diagram" xmlns:a="http://schemas.openxmlformats.org/drawingml/2006/main">
-  <dsp:spTree>
-    <dsp:nvGrpSpPr>
-      <dsp:cNvPr id="0" name=""/>
-      <dsp:cNvGrpSpPr/>
-    </dsp:nvGrpSpPr>
-    <dsp:grpSpPr/>
-    <dsp:sp modelId="{B4589FA7-CEFE-4C11-9645-295636E960AE}">
-      <dsp:nvSpPr>
-        <dsp:cNvPr id="0" name=""/>
-        <dsp:cNvSpPr/>
-      </dsp:nvSpPr>
-      <dsp:spPr>
-        <a:xfrm>
-          <a:off x="0" y="2203528"/>
-          <a:ext cx="8129508" cy="723247"/>
-        </a:xfrm>
-        <a:prstGeom prst="rect">
-          <a:avLst/>
-        </a:prstGeom>
-        <a:solidFill>
-          <a:schemeClr val="lt1">
-            <a:hueOff val="0"/>
-            <a:satOff val="0"/>
-            <a:lumOff val="0"/>
-            <a:alphaOff val="0"/>
-          </a:schemeClr>
-        </a:solidFill>
-        <a:ln>
-          <a:noFill/>
-        </a:ln>
-        <a:effectLst/>
-        <a:scene3d>
-          <a:camera prst="orthographicFront">
-            <a:rot lat="0" lon="0" rev="0"/>
-          </a:camera>
-          <a:lightRig rig="contrasting" dir="t">
-            <a:rot lat="0" lon="0" rev="1200000"/>
-          </a:lightRig>
-        </a:scene3d>
-        <a:sp3d contourW="19050" prstMaterial="metal">
-          <a:bevelT w="88900" h="203200"/>
-          <a:bevelB w="165100" h="254000"/>
-        </a:sp3d>
-      </dsp:spPr>
-      <dsp:style>
-        <a:lnRef idx="0">
-          <a:scrgbClr r="0" g="0" b="0"/>
-        </a:lnRef>
-        <a:fillRef idx="1">
-          <a:scrgbClr r="0" g="0" b="0"/>
-        </a:fillRef>
-        <a:effectRef idx="2">
-          <a:scrgbClr r="0" g="0" b="0"/>
-        </a:effectRef>
-        <a:fontRef idx="minor">
-          <a:schemeClr val="lt1"/>
-        </a:fontRef>
-      </dsp:style>
-      <dsp:txBody>
-        <a:bodyPr spcFirstLastPara="0" vert="horz" wrap="square" lIns="184912" tIns="184912" rIns="184912" bIns="184912" numCol="1" spcCol="1270" anchor="ctr" anchorCtr="0">
-          <a:noAutofit/>
-        </a:bodyPr>
-        <a:lstStyle/>
-        <a:p>
-          <a:pPr marL="0" lvl="0" indent="0" algn="ctr" defTabSz="1155700">
-            <a:lnSpc>
-              <a:spcPct val="90000"/>
-            </a:lnSpc>
-            <a:spcBef>
-              <a:spcPct val="0"/>
-            </a:spcBef>
-            <a:spcAft>
-              <a:spcPct val="35000"/>
-            </a:spcAft>
-            <a:buNone/>
-          </a:pPr>
-          <a:r>
-            <a:rPr lang="en-US" sz="2600" kern="1200" dirty="0"/>
-            <a:t>Are high or low-budget films more profitable?</a:t>
-          </a:r>
-        </a:p>
-      </dsp:txBody>
-      <dsp:txXfrm>
-        <a:off x="0" y="2203528"/>
-        <a:ext cx="8129508" cy="723247"/>
-      </dsp:txXfrm>
-    </dsp:sp>
-    <dsp:sp modelId="{BD3BF11E-91AB-4E55-8C8D-2404F082D640}">
-      <dsp:nvSpPr>
-        <dsp:cNvPr id="0" name=""/>
-        <dsp:cNvSpPr/>
-      </dsp:nvSpPr>
-      <dsp:spPr>
-        <a:xfrm rot="10800000">
-          <a:off x="0" y="1102022"/>
-          <a:ext cx="8129508" cy="1112354"/>
-        </a:xfrm>
-        <a:prstGeom prst="upArrowCallout">
-          <a:avLst/>
-        </a:prstGeom>
-        <a:solidFill>
-          <a:schemeClr val="lt1">
-            <a:hueOff val="0"/>
-            <a:satOff val="0"/>
-            <a:lumOff val="0"/>
-            <a:alphaOff val="0"/>
-          </a:schemeClr>
-        </a:solidFill>
-        <a:ln>
-          <a:noFill/>
-        </a:ln>
-        <a:effectLst/>
-        <a:scene3d>
-          <a:camera prst="orthographicFront">
-            <a:rot lat="0" lon="0" rev="0"/>
-          </a:camera>
-          <a:lightRig rig="contrasting" dir="t">
-            <a:rot lat="0" lon="0" rev="1200000"/>
-          </a:lightRig>
-        </a:scene3d>
-        <a:sp3d contourW="19050" prstMaterial="metal">
-          <a:bevelT w="88900" h="203200"/>
-          <a:bevelB w="165100" h="254000"/>
-        </a:sp3d>
-      </dsp:spPr>
-      <dsp:style>
-        <a:lnRef idx="0">
-          <a:scrgbClr r="0" g="0" b="0"/>
-        </a:lnRef>
-        <a:fillRef idx="1">
-          <a:scrgbClr r="0" g="0" b="0"/>
-        </a:fillRef>
-        <a:effectRef idx="2">
-          <a:scrgbClr r="0" g="0" b="0"/>
-        </a:effectRef>
-        <a:fontRef idx="minor">
-          <a:schemeClr val="lt1"/>
-        </a:fontRef>
-      </dsp:style>
-      <dsp:txBody>
-        <a:bodyPr spcFirstLastPara="0" vert="horz" wrap="square" lIns="184912" tIns="184912" rIns="184912" bIns="184912" numCol="1" spcCol="1270" anchor="ctr" anchorCtr="0">
-          <a:noAutofit/>
-        </a:bodyPr>
-        <a:lstStyle/>
-        <a:p>
-          <a:pPr marL="0" lvl="0" indent="0" algn="ctr" defTabSz="1155700">
-            <a:lnSpc>
-              <a:spcPct val="90000"/>
-            </a:lnSpc>
-            <a:spcBef>
-              <a:spcPct val="0"/>
-            </a:spcBef>
-            <a:spcAft>
-              <a:spcPct val="35000"/>
-            </a:spcAft>
-            <a:buNone/>
-          </a:pPr>
-          <a:r>
-            <a:rPr lang="en-US" sz="2600" kern="1200" dirty="0"/>
-            <a:t>How does budget affect these correlations?</a:t>
-          </a:r>
-        </a:p>
-      </dsp:txBody>
-      <dsp:txXfrm rot="10800000">
-        <a:off x="0" y="1102022"/>
-        <a:ext cx="8129508" cy="722774"/>
-      </dsp:txXfrm>
-    </dsp:sp>
-    <dsp:sp modelId="{A96FACCE-DB4E-43D9-AFD7-41A280BFD08C}">
-      <dsp:nvSpPr>
-        <dsp:cNvPr id="0" name=""/>
-        <dsp:cNvSpPr/>
-      </dsp:nvSpPr>
-      <dsp:spPr>
-        <a:xfrm rot="10800000">
-          <a:off x="0" y="517"/>
-          <a:ext cx="8129508" cy="1112354"/>
-        </a:xfrm>
-        <a:prstGeom prst="upArrowCallout">
-          <a:avLst/>
-        </a:prstGeom>
-        <a:solidFill>
-          <a:schemeClr val="lt1">
-            <a:hueOff val="0"/>
-            <a:satOff val="0"/>
-            <a:lumOff val="0"/>
-            <a:alphaOff val="0"/>
-          </a:schemeClr>
-        </a:solidFill>
-        <a:ln>
-          <a:noFill/>
-        </a:ln>
-        <a:effectLst/>
-        <a:scene3d>
-          <a:camera prst="orthographicFront">
-            <a:rot lat="0" lon="0" rev="0"/>
-          </a:camera>
-          <a:lightRig rig="contrasting" dir="t">
-            <a:rot lat="0" lon="0" rev="1200000"/>
-          </a:lightRig>
-        </a:scene3d>
-        <a:sp3d contourW="19050" prstMaterial="metal">
-          <a:bevelT w="88900" h="203200"/>
-          <a:bevelB w="165100" h="254000"/>
-        </a:sp3d>
-      </dsp:spPr>
-      <dsp:style>
-        <a:lnRef idx="0">
-          <a:scrgbClr r="0" g="0" b="0"/>
-        </a:lnRef>
-        <a:fillRef idx="1">
-          <a:scrgbClr r="0" g="0" b="0"/>
-        </a:fillRef>
-        <a:effectRef idx="2">
-          <a:scrgbClr r="0" g="0" b="0"/>
-        </a:effectRef>
-        <a:fontRef idx="minor">
-          <a:schemeClr val="lt1"/>
-        </a:fontRef>
-      </dsp:style>
-      <dsp:txBody>
-        <a:bodyPr spcFirstLastPara="0" vert="horz" wrap="square" lIns="184912" tIns="184912" rIns="184912" bIns="184912" numCol="1" spcCol="1270" anchor="ctr" anchorCtr="0">
-          <a:noAutofit/>
-        </a:bodyPr>
-        <a:lstStyle/>
-        <a:p>
-          <a:pPr marL="0" lvl="0" indent="0" algn="ctr" defTabSz="1155700">
-            <a:lnSpc>
-              <a:spcPct val="90000"/>
-            </a:lnSpc>
-            <a:spcBef>
-              <a:spcPct val="0"/>
-            </a:spcBef>
-            <a:spcAft>
-              <a:spcPct val="35000"/>
-            </a:spcAft>
-            <a:buNone/>
-          </a:pPr>
-          <a:r>
-            <a:rPr lang="en-US" sz="2600" kern="1200" dirty="0"/>
-            <a:t>What </a:t>
-          </a:r>
-          <a:r>
-            <a:rPr lang="en-US" sz="2600" kern="1200" dirty="0">
-              <a:solidFill>
-                <a:schemeClr val="tx1"/>
-              </a:solidFill>
-            </a:rPr>
-            <a:t>genres</a:t>
-          </a:r>
-          <a:r>
-            <a:rPr lang="en-US" sz="2600" kern="1200" dirty="0"/>
-            <a:t> have the strongest correlation with ROI?</a:t>
-          </a:r>
-        </a:p>
-      </dsp:txBody>
-      <dsp:txXfrm rot="10800000">
-        <a:off x="0" y="517"/>
-        <a:ext cx="8129508" cy="722774"/>
-      </dsp:txXfrm>
-    </dsp:sp>
-  </dsp:spTree>
-</dsp:drawing>
-</file>
-
-<file path=ppt/diagrams/layout1.xml><?xml version="1.0" encoding="utf-8"?>
-<dgm:layoutDef xmlns:dgm="http://schemas.openxmlformats.org/drawingml/2006/diagram" xmlns:a="http://schemas.openxmlformats.org/drawingml/2006/main" uniqueId="urn:microsoft.com/office/officeart/2005/8/layout/process4">
-  <dgm:title val=""/>
-  <dgm:desc val=""/>
-  <dgm:catLst>
-    <dgm:cat type="process" pri="16000"/>
-    <dgm:cat type="list" pri="20000"/>
-  </dgm:catLst>
-  <dgm:sampData>
-    <dgm:dataModel>
-      <dgm:ptLst>
-        <dgm:pt modelId="0" type="doc"/>
-        <dgm:pt modelId="1">
-          <dgm:prSet phldr="1"/>
-        </dgm:pt>
-        <dgm:pt modelId="11">
-          <dgm:prSet phldr="1"/>
-        </dgm:pt>
-        <dgm:pt modelId="12">
-          <dgm:prSet phldr="1"/>
-        </dgm:pt>
-        <dgm:pt modelId="2">
-          <dgm:prSet phldr="1"/>
-        </dgm:pt>
-        <dgm:pt modelId="21">
-          <dgm:prSet phldr="1"/>
-        </dgm:pt>
-        <dgm:pt modelId="22">
-          <dgm:prSet phldr="1"/>
-        </dgm:pt>
-        <dgm:pt modelId="3">
-          <dgm:prSet phldr="1"/>
-        </dgm:pt>
-        <dgm:pt modelId="31">
-          <dgm:prSet phldr="1"/>
-        </dgm:pt>
-        <dgm:pt modelId="32">
-          <dgm:prSet phldr="1"/>
-        </dgm:pt>
-      </dgm:ptLst>
-      <dgm:cxnLst>
-        <dgm:cxn modelId="4" srcId="0" destId="1" srcOrd="0" destOrd="0"/>
-        <dgm:cxn modelId="5" srcId="0" destId="2" srcOrd="1" destOrd="0"/>
-        <dgm:cxn modelId="6" srcId="0" destId="3" srcOrd="2" destOrd="0"/>
-        <dgm:cxn modelId="13" srcId="1" destId="11" srcOrd="0" destOrd="0"/>
-        <dgm:cxn modelId="14" srcId="1" destId="12" srcOrd="1" destOrd="0"/>
-        <dgm:cxn modelId="23" srcId="2" destId="21" srcOrd="0" destOrd="0"/>
-        <dgm:cxn modelId="24" srcId="2" destId="22" srcOrd="1" destOrd="0"/>
-        <dgm:cxn modelId="33" srcId="3" destId="31" srcOrd="0" destOrd="0"/>
-        <dgm:cxn modelId="34" srcId="3" destId="32" srcOrd="1" destOrd="0"/>
-      </dgm:cxnLst>
-      <dgm:bg/>
-      <dgm:whole/>
-    </dgm:dataModel>
-  </dgm:sampData>
-  <dgm:styleData>
-    <dgm:dataModel>
-      <dgm:ptLst>
-        <dgm:pt modelId="0" type="doc"/>
-        <dgm:pt modelId="1"/>
-        <dgm:pt modelId="11"/>
-        <dgm:pt modelId="2"/>
-        <dgm:pt modelId="21"/>
-      </dgm:ptLst>
-      <dgm:cxnLst>
-        <dgm:cxn modelId="4" srcId="0" destId="1" srcOrd="0" destOrd="0"/>
-        <dgm:cxn modelId="5" srcId="0" destId="2" srcOrd="1" destOrd="0"/>
-        <dgm:cxn modelId="13" srcId="1" destId="11" srcOrd="0" destOrd="0"/>
-        <dgm:cxn modelId="23" srcId="2" destId="21" srcOrd="0" destOrd="0"/>
-      </dgm:cxnLst>
-      <dgm:bg/>
-      <dgm:whole/>
-    </dgm:dataModel>
-  </dgm:styleData>
-  <dgm:clrData>
-    <dgm:dataModel>
-      <dgm:ptLst>
-        <dgm:pt modelId="0" type="doc"/>
-        <dgm:pt modelId="1"/>
-        <dgm:pt modelId="11"/>
-        <dgm:pt modelId="2"/>
-        <dgm:pt modelId="21"/>
-        <dgm:pt modelId="3"/>
-        <dgm:pt modelId="31"/>
-        <dgm:pt modelId="4"/>
-        <dgm:pt modelId="41"/>
-      </dgm:ptLst>
-      <dgm:cxnLst>
-        <dgm:cxn modelId="5" srcId="0" destId="1" srcOrd="0" destOrd="0"/>
-        <dgm:cxn modelId="6" srcId="0" destId="2" srcOrd="1" destOrd="0"/>
-        <dgm:cxn modelId="7" srcId="0" destId="3" srcOrd="2" destOrd="0"/>
-        <dgm:cxn modelId="8" srcId="0" destId="4" srcOrd="3" destOrd="0"/>
-        <dgm:cxn modelId="13" srcId="1" destId="11" srcOrd="0" destOrd="0"/>
-        <dgm:cxn modelId="23" srcId="2" destId="21" srcOrd="0" destOrd="0"/>
-        <dgm:cxn modelId="33" srcId="3" destId="31" srcOrd="0" destOrd="0"/>
-        <dgm:cxn modelId="43" srcId="4" destId="41" srcOrd="0" destOrd="0"/>
-      </dgm:cxnLst>
-      <dgm:bg/>
-      <dgm:whole/>
-    </dgm:dataModel>
-  </dgm:clrData>
-  <dgm:layoutNode name="Name0">
-    <dgm:varLst>
-      <dgm:dir/>
-      <dgm:animLvl val="lvl"/>
-      <dgm:resizeHandles val="exact"/>
-    </dgm:varLst>
-    <dgm:alg type="lin">
-      <dgm:param type="linDir" val="fromB"/>
-    </dgm:alg>
-    <dgm:shape xmlns:r="http://schemas.openxmlformats.org/officeDocument/2006/relationships" r:blip="">
-      <dgm:adjLst/>
-    </dgm:shape>
-    <dgm:presOf/>
-    <dgm:constrLst>
-      <dgm:constr type="h" for="ch" forName="boxAndChildren" refType="h"/>
-      <dgm:constr type="h" for="ch" forName="arrowAndChildren" refType="h" refFor="ch" refForName="boxAndChildren" op="equ" fact="1.538"/>
-      <dgm:constr type="w" for="ch" forName="arrowAndChildren" refType="w"/>
-      <dgm:constr type="w" for="ch" forName="boxAndChildren" refType="w"/>
-      <dgm:constr type="h" for="ch" forName="sp" refType="h" fact="-0.015"/>
-      <dgm:constr type="primFontSz" for="des" forName="parentTextBox" val="65"/>
-      <dgm:constr type="primFontSz" for="des" forName="parentTextArrow" refType="primFontSz" refFor="des" refForName="parentTextBox" op="equ"/>
-      <dgm:constr type="primFontSz" for="des" forName="childTextArrow" val="65"/>
-      <dgm:constr type="primFontSz" for="des" forName="childTextBox" refType="primFontSz" refFor="des" refForName="childTextArrow" op="equ"/>
-    </dgm:constrLst>
-    <dgm:ruleLst/>
-    <dgm:forEach name="Name1" axis="ch" ptType="node" st="-1" step="-1">
-      <dgm:choose name="Name2">
-        <dgm:if name="Name3" axis="self" ptType="node" func="revPos" op="equ" val="1">
-          <dgm:layoutNode name="boxAndChildren">
-            <dgm:alg type="composite"/>
-            <dgm:shape xmlns:r="http://schemas.openxmlformats.org/officeDocument/2006/relationships" r:blip="">
-              <dgm:adjLst/>
-            </dgm:shape>
-            <dgm:presOf/>
-            <dgm:choose name="Name4">
-              <dgm:if name="Name5" axis="ch" ptType="node" func="cnt" op="gte" val="1">
-                <dgm:constrLst>
-                  <dgm:constr type="w" for="ch" forName="parentTextBox" refType="w"/>
-                  <dgm:constr type="h" for="ch" forName="parentTextBox" refType="h" fact="0.54"/>
-                  <dgm:constr type="t" for="ch" forName="parentTextBox"/>
-                  <dgm:constr type="w" for="ch" forName="entireBox" refType="w"/>
-                  <dgm:constr type="h" for="ch" forName="entireBox" refType="h"/>
-                  <dgm:constr type="w" for="ch" forName="descendantBox" refType="w"/>
-                  <dgm:constr type="b" for="ch" forName="descendantBox" refType="h" fact="0.98"/>
-                  <dgm:constr type="h" for="ch" forName="descendantBox" refType="h" fact="0.46"/>
-                </dgm:constrLst>
-              </dgm:if>
-              <dgm:else name="Name6">
-                <dgm:constrLst>
-                  <dgm:constr type="w" for="ch" forName="parentTextBox" refType="w"/>
-                  <dgm:constr type="h" for="ch" forName="parentTextBox" refType="h"/>
-                </dgm:constrLst>
-              </dgm:else>
-            </dgm:choose>
-            <dgm:ruleLst/>
-            <dgm:layoutNode name="parentTextBox">
-              <dgm:alg type="tx"/>
-              <dgm:choose name="Name7">
-                <dgm:if name="Name8" axis="ch" ptType="node" func="cnt" op="gte" val="1">
-                  <dgm:shape xmlns:r="http://schemas.openxmlformats.org/officeDocument/2006/relationships" type="rect" r:blip="" zOrderOff="1" hideGeom="1">
-                    <dgm:adjLst/>
-                  </dgm:shape>
-                </dgm:if>
-                <dgm:else name="Name9">
-                  <dgm:shape xmlns:r="http://schemas.openxmlformats.org/officeDocument/2006/relationships" type="rect" r:blip="">
-                    <dgm:adjLst/>
-                  </dgm:shape>
-                </dgm:else>
-              </dgm:choose>
-              <dgm:presOf axis="self"/>
-              <dgm:constrLst/>
-              <dgm:ruleLst>
-                <dgm:rule type="primFontSz" val="5" fact="NaN" max="NaN"/>
-              </dgm:ruleLst>
-            </dgm:layoutNode>
-            <dgm:choose name="Name10">
-              <dgm:if name="Name11" axis="ch" ptType="node" func="cnt" op="gte" val="1">
-                <dgm:layoutNode name="entireBox">
-                  <dgm:alg type="sp"/>
-                  <dgm:shape xmlns:r="http://schemas.openxmlformats.org/officeDocument/2006/relationships" type="rect" r:blip="">
-                    <dgm:adjLst/>
-                  </dgm:shape>
-                  <dgm:presOf axis="self"/>
-                  <dgm:constrLst/>
-                  <dgm:ruleLst/>
-                </dgm:layoutNode>
-                <dgm:layoutNode name="descendantBox" styleLbl="fgAccFollowNode1">
-                  <dgm:choose name="Name12">
-                    <dgm:if name="Name13" func="var" arg="dir" op="equ" val="norm">
-                      <dgm:alg type="lin"/>
-                    </dgm:if>
-                    <dgm:else name="Name14">
-                      <dgm:alg type="lin">
-                        <dgm:param type="linDir" val="fromR"/>
-                      </dgm:alg>
-                    </dgm:else>
-                  </dgm:choose>
-                  <dgm:shape xmlns:r="http://schemas.openxmlformats.org/officeDocument/2006/relationships" r:blip="">
-                    <dgm:adjLst/>
-                  </dgm:shape>
-                  <dgm:presOf/>
-                  <dgm:constrLst>
-                    <dgm:constr type="w" for="ch" forName="childTextBox" refType="w"/>
-                    <dgm:constr type="h" for="ch" forName="childTextBox" refType="h"/>
-                  </dgm:constrLst>
-                  <dgm:ruleLst/>
-                  <dgm:forEach name="Name15" axis="ch" ptType="node">
-                    <dgm:layoutNode name="childTextBox" styleLbl="fgAccFollowNode1">
-                      <dgm:varLst>
-                        <dgm:bulletEnabled val="1"/>
-                      </dgm:varLst>
-                      <dgm:alg type="tx"/>
-                      <dgm:shape xmlns:r="http://schemas.openxmlformats.org/officeDocument/2006/relationships" type="rect" r:blip="">
-                        <dgm:adjLst/>
-                      </dgm:shape>
-                      <dgm:presOf axis="desOrSelf" ptType="node"/>
-                      <dgm:constrLst>
-                        <dgm:constr type="tMarg" refType="primFontSz" fact="0.1"/>
-                        <dgm:constr type="bMarg" refType="primFontSz" fact="0.1"/>
-                      </dgm:constrLst>
-                      <dgm:ruleLst>
-                        <dgm:rule type="primFontSz" val="5" fact="NaN" max="NaN"/>
-                      </dgm:ruleLst>
-                    </dgm:layoutNode>
-                  </dgm:forEach>
-                </dgm:layoutNode>
-              </dgm:if>
-              <dgm:else name="Name16"/>
-            </dgm:choose>
-          </dgm:layoutNode>
-        </dgm:if>
-        <dgm:else name="Name17">
-          <dgm:layoutNode name="arrowAndChildren">
-            <dgm:alg type="composite"/>
-            <dgm:shape xmlns:r="http://schemas.openxmlformats.org/officeDocument/2006/relationships" r:blip="">
-              <dgm:adjLst/>
-            </dgm:shape>
-            <dgm:presOf/>
-            <dgm:choose name="Name18">
-              <dgm:if name="Name19" axis="ch" ptType="node" func="cnt" op="gte" val="1">
-                <dgm:constrLst>
-                  <dgm:constr type="w" for="ch" forName="parentTextArrow" refType="w"/>
-                  <dgm:constr type="t" for="ch" forName="parentTextArrow"/>
-                  <dgm:constr type="h" for="ch" forName="parentTextArrow" refType="h" fact="0.351"/>
-                  <dgm:constr type="w" for="ch" forName="arrow" refType="w"/>
-                  <dgm:constr type="h" for="ch" forName="arrow" refType="h"/>
-                  <dgm:constr type="w" for="ch" forName="descendantArrow" refType="w"/>
-                  <dgm:constr type="b" for="ch" forName="descendantArrow" refType="h" fact="0.65"/>
-                  <dgm:constr type="h" for="ch" forName="descendantArrow" refType="h" fact="0.299"/>
-                </dgm:constrLst>
-              </dgm:if>
-              <dgm:else name="Name20">
-                <dgm:constrLst>
-                  <dgm:constr type="w" for="ch" forName="parentTextArrow" refType="w"/>
-                  <dgm:constr type="h" for="ch" forName="parentTextArrow" refType="h"/>
-                </dgm:constrLst>
-              </dgm:else>
-            </dgm:choose>
-            <dgm:ruleLst/>
-            <dgm:layoutNode name="parentTextArrow">
-              <dgm:alg type="tx"/>
-              <dgm:choose name="Name21">
-                <dgm:if name="Name22" axis="ch" ptType="node" func="cnt" op="gte" val="1">
-                  <dgm:shape xmlns:r="http://schemas.openxmlformats.org/officeDocument/2006/relationships" type="rect" r:blip="" zOrderOff="1" hideGeom="1">
-                    <dgm:adjLst/>
-                  </dgm:shape>
-                </dgm:if>
-                <dgm:else name="Name23">
-                  <dgm:shape xmlns:r="http://schemas.openxmlformats.org/officeDocument/2006/relationships" rot="180" type="upArrowCallout" r:blip="">
-                    <dgm:adjLst/>
-                  </dgm:shape>
-                </dgm:else>
-              </dgm:choose>
-              <dgm:presOf axis="self"/>
-              <dgm:constrLst/>
-              <dgm:ruleLst>
-                <dgm:rule type="primFontSz" val="5" fact="NaN" max="NaN"/>
-              </dgm:ruleLst>
-            </dgm:layoutNode>
-            <dgm:choose name="Name24">
-              <dgm:if name="Name25" axis="ch" ptType="node" func="cnt" op="gte" val="1">
-                <dgm:layoutNode name="arrow">
-                  <dgm:alg type="sp"/>
-                  <dgm:shape xmlns:r="http://schemas.openxmlformats.org/officeDocument/2006/relationships" rot="180" type="upArrowCallout" r:blip="">
-                    <dgm:adjLst/>
-                  </dgm:shape>
-                  <dgm:presOf axis="self"/>
-                  <dgm:constrLst/>
-                  <dgm:ruleLst/>
-                </dgm:layoutNode>
-                <dgm:layoutNode name="descendantArrow">
-                  <dgm:choose name="Name26">
-                    <dgm:if name="Name27" func="var" arg="dir" op="equ" val="norm">
-                      <dgm:alg type="lin"/>
-                    </dgm:if>
-                    <dgm:else name="Name28">
-                      <dgm:alg type="lin">
-                        <dgm:param type="linDir" val="fromR"/>
-                      </dgm:alg>
-                    </dgm:else>
-                  </dgm:choose>
-                  <dgm:shape xmlns:r="http://schemas.openxmlformats.org/officeDocument/2006/relationships" r:blip="">
-                    <dgm:adjLst/>
-                  </dgm:shape>
-                  <dgm:presOf/>
-                  <dgm:constrLst>
-                    <dgm:constr type="w" for="ch" forName="childTextArrow" refType="w"/>
-                    <dgm:constr type="h" for="ch" forName="childTextArrow" refType="h"/>
-                  </dgm:constrLst>
-                  <dgm:ruleLst/>
-                  <dgm:forEach name="Name29" axis="ch" ptType="node">
-                    <dgm:layoutNode name="childTextArrow" styleLbl="fgAccFollowNode1">
-                      <dgm:varLst>
-                        <dgm:bulletEnabled val="1"/>
-                      </dgm:varLst>
-                      <dgm:alg type="tx"/>
-                      <dgm:shape xmlns:r="http://schemas.openxmlformats.org/officeDocument/2006/relationships" type="rect" r:blip="">
-                        <dgm:adjLst/>
-                      </dgm:shape>
-                      <dgm:presOf axis="desOrSelf" ptType="node"/>
-                      <dgm:constrLst>
-                        <dgm:constr type="tMarg" refType="primFontSz" fact="0.1"/>
-                        <dgm:constr type="bMarg" refType="primFontSz" fact="0.1"/>
-                      </dgm:constrLst>
-                      <dgm:ruleLst>
-                        <dgm:rule type="primFontSz" val="5" fact="NaN" max="NaN"/>
-                      </dgm:ruleLst>
-                    </dgm:layoutNode>
-                  </dgm:forEach>
-                </dgm:layoutNode>
-              </dgm:if>
-              <dgm:else name="Name30"/>
-            </dgm:choose>
-          </dgm:layoutNode>
-        </dgm:else>
-      </dgm:choose>
-      <dgm:forEach name="Name31" axis="precedSib" ptType="sibTrans" st="-1" cnt="1">
-        <dgm:layoutNode name="sp">
-          <dgm:alg type="sp"/>
-          <dgm:shape xmlns:r="http://schemas.openxmlformats.org/officeDocument/2006/relationships" r:blip="">
-            <dgm:adjLst/>
-          </dgm:shape>
-          <dgm:presOf axis="self"/>
-          <dgm:constrLst/>
-          <dgm:ruleLst/>
-        </dgm:layoutNode>
-      </dgm:forEach>
-    </dgm:forEach>
-  </dgm:layoutNode>
-</dgm:layoutDef>
-</file>
-
-<file path=ppt/diagrams/quickStyle1.xml><?xml version="1.0" encoding="utf-8"?>
-<dgm:styleDef xmlns:dgm="http://schemas.openxmlformats.org/drawingml/2006/diagram" xmlns:a="http://schemas.openxmlformats.org/drawingml/2006/main" uniqueId="urn:microsoft.com/office/officeart/2005/8/quickstyle/3d3">
-  <dgm:title val=""/>
-  <dgm:desc val=""/>
-  <dgm:catLst>
-    <dgm:cat type="3D" pri="11300"/>
-  </dgm:catLst>
-  <dgm:scene3d>
-    <a:camera prst="orthographicFront"/>
-    <a:lightRig rig="threePt" dir="t"/>
-  </dgm:scene3d>
-  <dgm:styleLbl name="node0">
-    <dgm:scene3d>
-      <a:camera prst="orthographicFront">
-        <a:rot lat="0" lon="0" rev="0"/>
-      </a:camera>
-      <a:lightRig rig="contrasting" dir="t">
-        <a:rot lat="0" lon="0" rev="1200000"/>
-      </a:lightRig>
-    </dgm:scene3d>
-    <dgm:sp3d contourW="19050" prstMaterial="metal">
-      <a:bevelT w="88900" h="203200"/>
-      <a:bevelB w="165100" h="254000"/>
-    </dgm:sp3d>
-    <dgm:txPr/>
-    <dgm:style>
-      <a:lnRef idx="0">
-        <a:scrgbClr r="0" g="0" b="0"/>
-      </a:lnRef>
-      <a:fillRef idx="1">
-        <a:scrgbClr r="0" g="0" b="0"/>
-      </a:fillRef>
-      <a:effectRef idx="1">
-        <a:scrgbClr r="0" g="0" b="0"/>
-      </a:effectRef>
-      <a:fontRef idx="minor">
-        <a:schemeClr val="lt1"/>
-      </a:fontRef>
-    </dgm:style>
-  </dgm:styleLbl>
-  <dgm:styleLbl name="lnNode1">
-    <dgm:scene3d>
-      <a:camera prst="orthographicFront">
-        <a:rot lat="0" lon="0" rev="0"/>
-      </a:camera>
-      <a:lightRig rig="contrasting" dir="t">
-        <a:rot lat="0" lon="0" rev="1200000"/>
-      </a:lightRig>
-    </dgm:scene3d>
-    <dgm:sp3d contourW="19050" prstMaterial="metal">
-      <a:bevelT w="88900" h="203200"/>
-      <a:bevelB w="165100" h="254000"/>
-    </dgm:sp3d>
-    <dgm:txPr/>
-    <dgm:style>
-      <a:lnRef idx="0">
-        <a:scrgbClr r="0" g="0" b="0"/>
-      </a:lnRef>
-      <a:fillRef idx="1">
-        <a:scrgbClr r="0" g="0" b="0"/>
-      </a:fillRef>
-      <a:effectRef idx="1">
-        <a:scrgbClr r="0" g="0" b="0"/>
-      </a:effectRef>
-      <a:fontRef idx="minor">
-        <a:schemeClr val="lt1"/>
-      </a:fontRef>
-    </dgm:style>
-  </dgm:styleLbl>
-  <dgm:styleLbl name="vennNode1">
-    <dgm:scene3d>
-      <a:camera prst="orthographicFront">
-        <a:rot lat="0" lon="0" rev="0"/>
-      </a:camera>
-      <a:lightRig rig="contrasting" dir="t">
-        <a:rot lat="0" lon="0" rev="1200000"/>
-      </a:lightRig>
-    </dgm:scene3d>
-    <dgm:sp3d contourW="12700" prstMaterial="clear">
-      <a:bevelT w="177800" h="254000"/>
-      <a:bevelB w="152400"/>
-    </dgm:sp3d>
-    <dgm:txPr/>
-    <dgm:style>
-      <a:lnRef idx="0">
-        <a:scrgbClr r="0" g="0" b="0"/>
-      </a:lnRef>
-      <a:fillRef idx="1">
-        <a:scrgbClr r="0" g="0" b="0"/>
-      </a:fillRef>
-      <a:effectRef idx="0">
-        <a:scrgbClr r="0" g="0" b="0"/>
-      </a:effectRef>
-      <a:fontRef idx="minor">
-        <a:schemeClr val="tx1"/>
-      </a:fontRef>
-    </dgm:style>
-  </dgm:styleLbl>
-  <dgm:styleLbl name="alignNode1">
-    <dgm:scene3d>
-      <a:camera prst="orthographicFront">
-        <a:rot lat="0" lon="0" rev="0"/>
-      </a:camera>
-      <a:lightRig rig="contrasting" dir="t">
-        <a:rot lat="0" lon="0" rev="1200000"/>
-      </a:lightRig>
-    </dgm:scene3d>
-    <dgm:sp3d contourW="19050" prstMaterial="metal">
-      <a:bevelT w="88900" h="203200"/>
-      <a:bevelB w="165100" h="254000"/>
-    </dgm:sp3d>
-    <dgm:txPr/>
-    <dgm:style>
-      <a:lnRef idx="0">
-        <a:scrgbClr r="0" g="0" b="0"/>
-      </a:lnRef>
-      <a:fillRef idx="1">
-        <a:scrgbClr r="0" g="0" b="0"/>
-      </a:fillRef>
-      <a:effectRef idx="2">
-        <a:scrgbClr r="0" g="0" b="0"/>
-      </a:effectRef>
-      <a:fontRef idx="minor">
-        <a:schemeClr val="lt1"/>
-      </a:fontRef>
-    </dgm:style>
-  </dgm:styleLbl>
-  <dgm:styleLbl name="node1">
-    <dgm:scene3d>
-      <a:camera prst="orthographicFront">
-        <a:rot lat="0" lon="0" rev="0"/>
-      </a:camera>
-      <a:lightRig rig="contrasting" dir="t">
-        <a:rot lat="0" lon="0" rev="1200000"/>
-      </a:lightRig>
-    </dgm:scene3d>
-    <dgm:sp3d contourW="19050" prstMaterial="metal">
-      <a:bevelT w="88900" h="203200"/>
-      <a:bevelB w="165100" h="254000"/>
-    </dgm:sp3d>
-    <dgm:txPr/>
-    <dgm:style>
-      <a:lnRef idx="0">
-        <a:scrgbClr r="0" g="0" b="0"/>
-      </a:lnRef>
-      <a:fillRef idx="1">
-        <a:scrgbClr r="0" g="0" b="0"/>
-      </a:fillRef>
-      <a:effectRef idx="2">
-        <a:scrgbClr r="0" g="0" b="0"/>
-      </a:effectRef>
-      <a:fontRef idx="minor">
-        <a:schemeClr val="lt1"/>
-      </a:fontRef>
-    </dgm:style>
-  </dgm:styleLbl>
-  <dgm:styleLbl name="node2">
-    <dgm:scene3d>
-      <a:camera prst="orthographicFront">
-        <a:rot lat="0" lon="0" rev="0"/>
-      </a:camera>
-      <a:lightRig rig="contrasting" dir="t">
-        <a:rot lat="0" lon="0" rev="1200000"/>
-      </a:lightRig>
-    </dgm:scene3d>
-    <dgm:sp3d contourW="19050" prstMaterial="metal">
-      <a:bevelT w="88900" h="203200"/>
-      <a:bevelB w="165100" h="254000"/>
-    </dgm:sp3d>
-    <dgm:txPr/>
-    <dgm:style>
-      <a:lnRef idx="0">
-        <a:scrgbClr r="0" g="0" b="0"/>
-      </a:lnRef>
-      <a:fillRef idx="1">
-        <a:scrgbClr r="0" g="0" b="0"/>
-      </a:fillRef>
-      <a:effectRef idx="1">
-        <a:scrgbClr r="0" g="0" b="0"/>
-      </a:effectRef>
-      <a:fontRef idx="minor">
-        <a:schemeClr val="lt1"/>
-      </a:fontRef>
-    </dgm:style>
-  </dgm:styleLbl>
-  <dgm:styleLbl name="node3">
-    <dgm:scene3d>
-      <a:camera prst="orthographicFront">
-        <a:rot lat="0" lon="0" rev="0"/>
-      </a:camera>
-      <a:lightRig rig="contrasting" dir="t">
-        <a:rot lat="0" lon="0" rev="1200000"/>
-      </a:lightRig>
-    </dgm:scene3d>
-    <dgm:sp3d contourW="19050" prstMaterial="metal">
-      <a:bevelT w="88900" h="203200"/>
-      <a:bevelB w="165100" h="254000"/>
-    </dgm:sp3d>
-    <dgm:txPr/>
-    <dgm:style>
-      <a:lnRef idx="0">
-        <a:scrgbClr r="0" g="0" b="0"/>
-      </a:lnRef>
-      <a:fillRef idx="1">
-        <a:scrgbClr r="0" g="0" b="0"/>
-      </a:fillRef>
-      <a:effectRef idx="1">
-        <a:scrgbClr r="0" g="0" b="0"/>
-      </a:effectRef>
-      <a:fontRef idx="minor">
-        <a:schemeClr val="lt1"/>
-      </a:fontRef>
-    </dgm:style>
-  </dgm:styleLbl>
-  <dgm:styleLbl name="node4">
-    <dgm:scene3d>
-      <a:camera prst="orthographicFront">
-        <a:rot lat="0" lon="0" rev="0"/>
-      </a:camera>
-      <a:lightRig rig="contrasting" dir="t">
-        <a:rot lat="0" lon="0" rev="1200000"/>
-      </a:lightRig>
-    </dgm:scene3d>
-    <dgm:sp3d contourW="19050" prstMaterial="metal">
-      <a:bevelT w="88900" h="203200"/>
-      <a:bevelB w="165100" h="254000"/>
-    </dgm:sp3d>
-    <dgm:txPr/>
-    <dgm:style>
-      <a:lnRef idx="0">
-        <a:scrgbClr r="0" g="0" b="0"/>
-      </a:lnRef>
-      <a:fillRef idx="1">
-        <a:scrgbClr r="0" g="0" b="0"/>
-      </a:fillRef>
-      <a:effectRef idx="1">
-        <a:scrgbClr r="0" g="0" b="0"/>
-      </a:effectRef>
-      <a:fontRef idx="minor">
-        <a:schemeClr val="lt1"/>
-      </a:fontRef>
-    </dgm:style>
-  </dgm:styleLbl>
-  <dgm:styleLbl name="fgImgPlace1">
-    <dgm:scene3d>
-      <a:camera prst="orthographicFront">
-        <a:rot lat="0" lon="0" rev="0"/>
-      </a:camera>
-      <a:lightRig rig="contrasting" dir="t">
-        <a:rot lat="0" lon="0" rev="1200000"/>
-      </a:lightRig>
-    </dgm:scene3d>
-    <dgm:sp3d z="300000" contourW="19050" prstMaterial="metal">
-      <a:bevelT w="88900" h="203200"/>
-      <a:bevelB w="165100" h="254000"/>
-    </dgm:sp3d>
-    <dgm:txPr/>
-    <dgm:style>
-      <a:lnRef idx="0">
-        <a:scrgbClr r="0" g="0" b="0"/>
-      </a:lnRef>
-      <a:fillRef idx="1">
-        <a:scrgbClr r="0" g="0" b="0"/>
-      </a:fillRef>
-      <a:effectRef idx="1">
-        <a:scrgbClr r="0" g="0" b="0"/>
-      </a:effectRef>
-      <a:fontRef idx="minor"/>
-    </dgm:style>
-  </dgm:styleLbl>
-  <dgm:styleLbl name="alignImgPlace1">
-    <dgm:scene3d>
-      <a:camera prst="orthographicFront">
-        <a:rot lat="0" lon="0" rev="0"/>
-      </a:camera>
-      <a:lightRig rig="contrasting" dir="t">
-        <a:rot lat="0" lon="0" rev="1200000"/>
-      </a:lightRig>
-    </dgm:scene3d>
-    <dgm:sp3d contourW="12700" prstMaterial="flat">
-      <a:bevelT w="177800" h="254000"/>
-      <a:bevelB w="152400"/>
-    </dgm:sp3d>
-    <dgm:txPr/>
-    <dgm:style>
-      <a:lnRef idx="0">
-        <a:scrgbClr r="0" g="0" b="0"/>
-      </a:lnRef>
-      <a:fillRef idx="1">
-        <a:scrgbClr r="0" g="0" b="0"/>
-      </a:fillRef>
-      <a:effectRef idx="1">
-        <a:scrgbClr r="0" g="0" b="0"/>
-      </a:effectRef>
-      <a:fontRef idx="minor"/>
-    </dgm:style>
-  </dgm:styleLbl>
-  <dgm:styleLbl name="bgImgPlace1">
-    <dgm:scene3d>
-      <a:camera prst="orthographicFront">
-        <a:rot lat="0" lon="0" rev="0"/>
-      </a:camera>
-      <a:lightRig rig="contrasting" dir="t">
-        <a:rot lat="0" lon="0" rev="1200000"/>
-      </a:lightRig>
-    </dgm:scene3d>
-    <dgm:sp3d z="-300000" contourW="19050" prstMaterial="metal">
-      <a:bevelT w="88900" h="203200"/>
-      <a:bevelB w="165100" h="254000"/>
-    </dgm:sp3d>
-    <dgm:txPr/>
-    <dgm:style>
-      <a:lnRef idx="0">
-        <a:scrgbClr r="0" g="0" b="0"/>
-      </a:lnRef>
-      <a:fillRef idx="1">
-        <a:scrgbClr r="0" g="0" b="0"/>
-      </a:fillRef>
-      <a:effectRef idx="1">
-        <a:scrgbClr r="0" g="0" b="0"/>
-      </a:effectRef>
-      <a:fontRef idx="minor"/>
-    </dgm:style>
-  </dgm:styleLbl>
-  <dgm:styleLbl name="sibTrans2D1">
-    <dgm:scene3d>
-      <a:camera prst="orthographicFront">
-        <a:rot lat="0" lon="0" rev="0"/>
-      </a:camera>
-      <a:lightRig rig="contrasting" dir="t">
-        <a:rot lat="0" lon="0" rev="1200000"/>
-      </a:lightRig>
-    </dgm:scene3d>
-    <dgm:sp3d z="-182000" contourW="19050" prstMaterial="metal">
-      <a:bevelT w="88900" h="203200"/>
-      <a:bevelB w="165100" h="254000"/>
-    </dgm:sp3d>
-    <dgm:txPr/>
-    <dgm:style>
-      <a:lnRef idx="0">
-        <a:scrgbClr r="0" g="0" b="0"/>
-      </a:lnRef>
-      <a:fillRef idx="1">
-        <a:scrgbClr r="0" g="0" b="0"/>
-      </a:fillRef>
-      <a:effectRef idx="0">
-        <a:scrgbClr r="0" g="0" b="0"/>
-      </a:effectRef>
-      <a:fontRef idx="minor">
-        <a:schemeClr val="lt1"/>
-      </a:fontRef>
-    </dgm:style>
-  </dgm:styleLbl>
-  <dgm:styleLbl name="fgSibTrans2D1">
-    <dgm:scene3d>
-      <a:camera prst="orthographicFront">
-        <a:rot lat="0" lon="0" rev="0"/>
-      </a:camera>
-      <a:lightRig rig="contrasting" dir="t">
-        <a:rot lat="0" lon="0" rev="1200000"/>
-      </a:lightRig>
-    </dgm:scene3d>
-    <dgm:sp3d z="300000" contourW="19050" prstMaterial="metal">
-      <a:bevelT w="88900" h="203200"/>
-      <a:bevelB w="165100" h="254000"/>
-    </dgm:sp3d>
-    <dgm:txPr/>
-    <dgm:style>
-      <a:lnRef idx="0">
-        <a:scrgbClr r="0" g="0" b="0"/>
-      </a:lnRef>
-      <a:fillRef idx="1">
-        <a:scrgbClr r="0" g="0" b="0"/>
-      </a:fillRef>
-      <a:effectRef idx="0">
-        <a:scrgbClr r="0" g="0" b="0"/>
-      </a:effectRef>
-      <a:fontRef idx="minor"/>
-    </dgm:style>
-  </dgm:styleLbl>
-  <dgm:styleLbl name="bgSibTrans2D1">
-    <dgm:scene3d>
-      <a:camera prst="orthographicFront">
-        <a:rot lat="0" lon="0" rev="0"/>
-      </a:camera>
-      <a:lightRig rig="contrasting" dir="t">
-        <a:rot lat="0" lon="0" rev="1200000"/>
-      </a:lightRig>
-    </dgm:scene3d>
-    <dgm:sp3d z="-300000" contourW="19050" prstMaterial="metal">
-      <a:bevelT w="88900" h="203200"/>
-      <a:bevelB w="165100" h="254000"/>
-    </dgm:sp3d>
-    <dgm:txPr/>
-    <dgm:style>
-      <a:lnRef idx="0">
-        <a:scrgbClr r="0" g="0" b="0"/>
-      </a:lnRef>
-      <a:fillRef idx="1">
-        <a:scrgbClr r="0" g="0" b="0"/>
-      </a:fillRef>
-      <a:effectRef idx="0">
-        <a:scrgbClr r="0" g="0" b="0"/>
-      </a:effectRef>
-      <a:fontRef idx="minor"/>
-    </dgm:style>
-  </dgm:styleLbl>
-  <dgm:styleLbl name="sibTrans1D1">
-    <dgm:scene3d>
-      <a:camera prst="orthographicFront">
-        <a:rot lat="0" lon="0" rev="0"/>
-      </a:camera>
-      <a:lightRig rig="contrasting" dir="t">
-        <a:rot lat="0" lon="0" rev="1200000"/>
-      </a:lightRig>
-    </dgm:scene3d>
-    <dgm:sp3d z="-110000"/>
-    <dgm:txPr/>
-    <dgm:style>
-      <a:lnRef idx="1">
-        <a:scrgbClr r="0" g="0" b="0"/>
-      </a:lnRef>
-      <a:fillRef idx="0">
-        <a:scrgbClr r="0" g="0" b="0"/>
-      </a:fillRef>
-      <a:effectRef idx="0">
-        <a:scrgbClr r="0" g="0" b="0"/>
-      </a:effectRef>
-      <a:fontRef idx="minor"/>
-    </dgm:style>
-  </dgm:styleLbl>
-  <dgm:styleLbl name="callout">
-    <dgm:scene3d>
-      <a:camera prst="orthographicFront">
-        <a:rot lat="0" lon="0" rev="0"/>
-      </a:camera>
-      <a:lightRig rig="contrasting" dir="t">
-        <a:rot lat="0" lon="0" rev="1200000"/>
-      </a:lightRig>
-    </dgm:scene3d>
-    <dgm:sp3d z="10000"/>
-    <dgm:txPr/>
-    <dgm:style>
-      <a:lnRef idx="2">
-        <a:scrgbClr r="0" g="0" b="0"/>
-      </a:lnRef>
-      <a:fillRef idx="1">
-        <a:scrgbClr r="0" g="0" b="0"/>
-      </a:fillRef>
-      <a:effectRef idx="0">
-        <a:scrgbClr r="0" g="0" b="0"/>
-      </a:effectRef>
-      <a:fontRef idx="minor"/>
-    </dgm:style>
-  </dgm:styleLbl>
-  <dgm:styleLbl name="asst0">
-    <dgm:scene3d>
-      <a:camera prst="orthographicFront">
-        <a:rot lat="0" lon="0" rev="0"/>
-      </a:camera>
-      <a:lightRig rig="contrasting" dir="t">
-        <a:rot lat="0" lon="0" rev="1200000"/>
-      </a:lightRig>
-    </dgm:scene3d>
-    <dgm:sp3d contourW="19050" prstMaterial="metal">
-      <a:bevelT w="88900" h="203200"/>
-      <a:bevelB w="165100" h="254000"/>
-    </dgm:sp3d>
-    <dgm:txPr/>
-    <dgm:style>
-      <a:lnRef idx="0">
-        <a:scrgbClr r="0" g="0" b="0"/>
-      </a:lnRef>
-      <a:fillRef idx="1">
-        <a:scrgbClr r="0" g="0" b="0"/>
-      </a:fillRef>
-      <a:effectRef idx="1">
-        <a:scrgbClr r="0" g="0" b="0"/>
-      </a:effectRef>
-      <a:fontRef idx="minor">
-        <a:schemeClr val="lt1"/>
-      </a:fontRef>
-    </dgm:style>
-  </dgm:styleLbl>
-  <dgm:styleLbl name="asst1">
-    <dgm:scene3d>
-      <a:camera prst="orthographicFront">
-        <a:rot lat="0" lon="0" rev="0"/>
-      </a:camera>
-      <a:lightRig rig="contrasting" dir="t">
-        <a:rot lat="0" lon="0" rev="1200000"/>
-      </a:lightRig>
-    </dgm:scene3d>
-    <dgm:sp3d contourW="19050" prstMaterial="metal">
-      <a:bevelT w="88900" h="203200"/>
-      <a:bevelB w="165100" h="254000"/>
-    </dgm:sp3d>
-    <dgm:txPr/>
-    <dgm:style>
-      <a:lnRef idx="0">
-        <a:scrgbClr r="0" g="0" b="0"/>
-      </a:lnRef>
-      <a:fillRef idx="1">
-        <a:scrgbClr r="0" g="0" b="0"/>
-      </a:fillRef>
-      <a:effectRef idx="1">
-        <a:scrgbClr r="0" g="0" b="0"/>
-      </a:effectRef>
-      <a:fontRef idx="minor">
-        <a:schemeClr val="lt1"/>
-      </a:fontRef>
-    </dgm:style>
-  </dgm:styleLbl>
-  <dgm:styleLbl name="asst2">
-    <dgm:scene3d>
-      <a:camera prst="orthographicFront">
-        <a:rot lat="0" lon="0" rev="0"/>
-      </a:camera>
-      <a:lightRig rig="contrasting" dir="t">
-        <a:rot lat="0" lon="0" rev="1200000"/>
-      </a:lightRig>
-    </dgm:scene3d>
-    <dgm:sp3d contourW="19050" prstMaterial="metal">
-      <a:bevelT w="88900" h="203200"/>
-      <a:bevelB w="165100" h="254000"/>
-    </dgm:sp3d>
-    <dgm:txPr/>
-    <dgm:style>
-      <a:lnRef idx="0">
-        <a:scrgbClr r="0" g="0" b="0"/>
-      </a:lnRef>
-      <a:fillRef idx="1">
-        <a:scrgbClr r="0" g="0" b="0"/>
-      </a:fillRef>
-      <a:effectRef idx="1">
-        <a:scrgbClr r="0" g="0" b="0"/>
-      </a:effectRef>
-      <a:fontRef idx="minor">
-        <a:schemeClr val="lt1"/>
-      </a:fontRef>
-    </dgm:style>
-  </dgm:styleLbl>
-  <dgm:styleLbl name="asst3">
-    <dgm:scene3d>
-      <a:camera prst="orthographicFront">
-        <a:rot lat="0" lon="0" rev="0"/>
-      </a:camera>
-      <a:lightRig rig="contrasting" dir="t">
-        <a:rot lat="0" lon="0" rev="1200000"/>
-      </a:lightRig>
-    </dgm:scene3d>
-    <dgm:sp3d contourW="19050" prstMaterial="metal">
-      <a:bevelT w="88900" h="203200"/>
-      <a:bevelB w="165100" h="254000"/>
-    </dgm:sp3d>
-    <dgm:txPr/>
-    <dgm:style>
-      <a:lnRef idx="0">
-        <a:scrgbClr r="0" g="0" b="0"/>
-      </a:lnRef>
-      <a:fillRef idx="1">
-        <a:scrgbClr r="0" g="0" b="0"/>
-      </a:fillRef>
-      <a:effectRef idx="1">
-        <a:scrgbClr r="0" g="0" b="0"/>
-      </a:effectRef>
-      <a:fontRef idx="minor">
-        <a:schemeClr val="lt1"/>
-      </a:fontRef>
-    </dgm:style>
-  </dgm:styleLbl>
-  <dgm:styleLbl name="asst4">
-    <dgm:scene3d>
-      <a:camera prst="orthographicFront"/>
-      <a:lightRig rig="threePt" dir="t"/>
-    </dgm:scene3d>
-    <dgm:sp3d contourW="19050" prstMaterial="metal">
-      <a:bevelT w="88900" h="203200"/>
-      <a:bevelB w="165100" h="254000"/>
-    </dgm:sp3d>
-    <dgm:txPr/>
-    <dgm:style>
-      <a:lnRef idx="0">
-        <a:scrgbClr r="0" g="0" b="0"/>
-      </a:lnRef>
-      <a:fillRef idx="1">
-        <a:scrgbClr r="0" g="0" b="0"/>
-      </a:fillRef>
-      <a:effectRef idx="1">
-        <a:scrgbClr r="0" g="0" b="0"/>
-      </a:effectRef>
-      <a:fontRef idx="minor">
-        <a:schemeClr val="lt1"/>
-      </a:fontRef>
-    </dgm:style>
-  </dgm:styleLbl>
-  <dgm:styleLbl name="parChTrans2D1">
-    <dgm:scene3d>
-      <a:camera prst="orthographicFront">
-        <a:rot lat="0" lon="0" rev="0"/>
-      </a:camera>
-      <a:lightRig rig="contrasting" dir="t">
-        <a:rot lat="0" lon="0" rev="1200000"/>
-      </a:lightRig>
-    </dgm:scene3d>
-    <dgm:sp3d contourW="19050" prstMaterial="metal">
-      <a:bevelT w="88900" h="203200"/>
-      <a:bevelB w="165100" h="254000"/>
-    </dgm:sp3d>
-    <dgm:txPr/>
-    <dgm:style>
-      <a:lnRef idx="0">
-        <a:scrgbClr r="0" g="0" b="0"/>
-      </a:lnRef>
-      <a:fillRef idx="1">
-        <a:scrgbClr r="0" g="0" b="0"/>
-      </a:fillRef>
-      <a:effectRef idx="0">
-        <a:scrgbClr r="0" g="0" b="0"/>
-      </a:effectRef>
-      <a:fontRef idx="minor"/>
-    </dgm:style>
-  </dgm:styleLbl>
-  <dgm:styleLbl name="parChTrans2D2">
-    <dgm:scene3d>
-      <a:camera prst="orthographicFront">
-        <a:rot lat="0" lon="0" rev="0"/>
-      </a:camera>
-      <a:lightRig rig="contrasting" dir="t">
-        <a:rot lat="0" lon="0" rev="1200000"/>
-      </a:lightRig>
-    </dgm:scene3d>
-    <dgm:sp3d contourW="19050" prstMaterial="metal">
-      <a:bevelT w="88900" h="203200"/>
-      <a:bevelB w="165100" h="254000"/>
-    </dgm:sp3d>
-    <dgm:txPr/>
-    <dgm:style>
-      <a:lnRef idx="0">
-        <a:scrgbClr r="0" g="0" b="0"/>
-      </a:lnRef>
-      <a:fillRef idx="1">
-        <a:scrgbClr r="0" g="0" b="0"/>
-      </a:fillRef>
-      <a:effectRef idx="0">
-        <a:scrgbClr r="0" g="0" b="0"/>
-      </a:effectRef>
-      <a:fontRef idx="minor"/>
-    </dgm:style>
-  </dgm:styleLbl>
-  <dgm:styleLbl name="parChTrans2D3">
-    <dgm:scene3d>
-      <a:camera prst="orthographicFront">
-        <a:rot lat="0" lon="0" rev="0"/>
-      </a:camera>
-      <a:lightRig rig="contrasting" dir="t">
-        <a:rot lat="0" lon="0" rev="1200000"/>
-      </a:lightRig>
-    </dgm:scene3d>
-    <dgm:sp3d contourW="19050" prstMaterial="metal">
-      <a:bevelT w="88900" h="203200"/>
-      <a:bevelB w="165100" h="254000"/>
-    </dgm:sp3d>
-    <dgm:txPr/>
-    <dgm:style>
-      <a:lnRef idx="0">
-        <a:scrgbClr r="0" g="0" b="0"/>
-      </a:lnRef>
-      <a:fillRef idx="1">
-        <a:scrgbClr r="0" g="0" b="0"/>
-      </a:fillRef>
-      <a:effectRef idx="0">
-        <a:scrgbClr r="0" g="0" b="0"/>
-      </a:effectRef>
-      <a:fontRef idx="minor"/>
-    </dgm:style>
-  </dgm:styleLbl>
-  <dgm:styleLbl name="parChTrans2D4">
-    <dgm:scene3d>
-      <a:camera prst="orthographicFront">
-        <a:rot lat="0" lon="0" rev="0"/>
-      </a:camera>
-      <a:lightRig rig="contrasting" dir="t">
-        <a:rot lat="0" lon="0" rev="1200000"/>
-      </a:lightRig>
-    </dgm:scene3d>
-    <dgm:sp3d contourW="19050" prstMaterial="metal">
-      <a:bevelT w="88900" h="203200"/>
-      <a:bevelB w="165100" h="254000"/>
-    </dgm:sp3d>
-    <dgm:txPr/>
-    <dgm:style>
-      <a:lnRef idx="0">
-        <a:scrgbClr r="0" g="0" b="0"/>
-      </a:lnRef>
-      <a:fillRef idx="1">
-        <a:scrgbClr r="0" g="0" b="0"/>
-      </a:fillRef>
-      <a:effectRef idx="0">
-        <a:scrgbClr r="0" g="0" b="0"/>
-      </a:effectRef>
-      <a:fontRef idx="minor"/>
-    </dgm:style>
-  </dgm:styleLbl>
-  <dgm:styleLbl name="parChTrans1D1">
-    <dgm:scene3d>
-      <a:camera prst="orthographicFront">
-        <a:rot lat="0" lon="0" rev="0"/>
-      </a:camera>
-      <a:lightRig rig="contrasting" dir="t">
-        <a:rot lat="0" lon="0" rev="1200000"/>
-      </a:lightRig>
-    </dgm:scene3d>
-    <dgm:sp3d z="-110000"/>
-    <dgm:txPr/>
-    <dgm:style>
-      <a:lnRef idx="2">
-        <a:scrgbClr r="0" g="0" b="0"/>
-      </a:lnRef>
-      <a:fillRef idx="0">
-        <a:scrgbClr r="0" g="0" b="0"/>
-      </a:fillRef>
-      <a:effectRef idx="0">
-        <a:scrgbClr r="0" g="0" b="0"/>
-      </a:effectRef>
-      <a:fontRef idx="minor"/>
-    </dgm:style>
-  </dgm:styleLbl>
-  <dgm:styleLbl name="parChTrans1D2">
-    <dgm:scene3d>
-      <a:camera prst="orthographicFront">
-        <a:rot lat="0" lon="0" rev="0"/>
-      </a:camera>
-      <a:lightRig rig="contrasting" dir="t">
-        <a:rot lat="0" lon="0" rev="1200000"/>
-      </a:lightRig>
-    </dgm:scene3d>
-    <dgm:sp3d z="-110000"/>
-    <dgm:txPr/>
-    <dgm:style>
-      <a:lnRef idx="2">
-        <a:scrgbClr r="0" g="0" b="0"/>
-      </a:lnRef>
-      <a:fillRef idx="0">
-        <a:scrgbClr r="0" g="0" b="0"/>
-      </a:fillRef>
-      <a:effectRef idx="0">
-        <a:scrgbClr r="0" g="0" b="0"/>
-      </a:effectRef>
-      <a:fontRef idx="minor"/>
-    </dgm:style>
-  </dgm:styleLbl>
-  <dgm:styleLbl name="parChTrans1D3">
-    <dgm:scene3d>
-      <a:camera prst="orthographicFront">
-        <a:rot lat="0" lon="0" rev="0"/>
-      </a:camera>
-      <a:lightRig rig="contrasting" dir="t">
-        <a:rot lat="0" lon="0" rev="1200000"/>
-      </a:lightRig>
-    </dgm:scene3d>
-    <dgm:sp3d z="-110000"/>
-    <dgm:txPr/>
-    <dgm:style>
-      <a:lnRef idx="2">
-        <a:scrgbClr r="0" g="0" b="0"/>
-      </a:lnRef>
-      <a:fillRef idx="0">
-        <a:scrgbClr r="0" g="0" b="0"/>
-      </a:fillRef>
-      <a:effectRef idx="0">
-        <a:scrgbClr r="0" g="0" b="0"/>
-      </a:effectRef>
-      <a:fontRef idx="minor"/>
-    </dgm:style>
-  </dgm:styleLbl>
-  <dgm:styleLbl name="parChTrans1D4">
-    <dgm:scene3d>
-      <a:camera prst="orthographicFront">
-        <a:rot lat="0" lon="0" rev="0"/>
-      </a:camera>
-      <a:lightRig rig="contrasting" dir="t">
-        <a:rot lat="0" lon="0" rev="1200000"/>
-      </a:lightRig>
-    </dgm:scene3d>
-    <dgm:sp3d z="-110000"/>
-    <dgm:txPr/>
-    <dgm:style>
-      <a:lnRef idx="2">
-        <a:scrgbClr r="0" g="0" b="0"/>
-      </a:lnRef>
-      <a:fillRef idx="0">
-        <a:scrgbClr r="0" g="0" b="0"/>
-      </a:fillRef>
-      <a:effectRef idx="0">
-        <a:scrgbClr r="0" g="0" b="0"/>
-      </a:effectRef>
-      <a:fontRef idx="minor"/>
-    </dgm:style>
-  </dgm:styleLbl>
-  <dgm:styleLbl name="fgAcc1">
-    <dgm:scene3d>
-      <a:camera prst="orthographicFront">
-        <a:rot lat="0" lon="0" rev="0"/>
-      </a:camera>
-      <a:lightRig rig="contrasting" dir="t">
-        <a:rot lat="0" lon="0" rev="1200000"/>
-      </a:lightRig>
-    </dgm:scene3d>
-    <dgm:sp3d z="300000" contourW="19050" prstMaterial="metal">
-      <a:bevelT w="88900" h="203200"/>
-      <a:bevelB w="165100" h="254000"/>
-    </dgm:sp3d>
-    <dgm:txPr/>
-    <dgm:style>
-      <a:lnRef idx="0">
-        <a:scrgbClr r="0" g="0" b="0"/>
-      </a:lnRef>
-      <a:fillRef idx="1">
-        <a:scrgbClr r="0" g="0" b="0"/>
-      </a:fillRef>
-      <a:effectRef idx="0">
-        <a:scrgbClr r="0" g="0" b="0"/>
-      </a:effectRef>
-      <a:fontRef idx="minor"/>
-    </dgm:style>
-  </dgm:styleLbl>
-  <dgm:styleLbl name="conFgAcc1">
-    <dgm:scene3d>
-      <a:camera prst="orthographicFront">
-        <a:rot lat="0" lon="0" rev="0"/>
-      </a:camera>
-      <a:lightRig rig="contrasting" dir="t">
-        <a:rot lat="0" lon="0" rev="1200000"/>
-      </a:lightRig>
-    </dgm:scene3d>
-    <dgm:sp3d z="300000" contourW="19050" prstMaterial="metal">
-      <a:bevelT w="88900" h="203200"/>
-      <a:bevelB w="165100" h="254000"/>
-    </dgm:sp3d>
-    <dgm:txPr/>
-    <dgm:style>
-      <a:lnRef idx="0">
-        <a:scrgbClr r="0" g="0" b="0"/>
-      </a:lnRef>
-      <a:fillRef idx="1">
-        <a:scrgbClr r="0" g="0" b="0"/>
-      </a:fillRef>
-      <a:effectRef idx="0">
-        <a:scrgbClr r="0" g="0" b="0"/>
-      </a:effectRef>
-      <a:fontRef idx="minor"/>
-    </dgm:style>
-  </dgm:styleLbl>
-  <dgm:styleLbl name="alignAcc1">
-    <dgm:scene3d>
-      <a:camera prst="orthographicFront">
-        <a:rot lat="0" lon="0" rev="0"/>
-      </a:camera>
-      <a:lightRig rig="contrasting" dir="t">
-        <a:rot lat="0" lon="0" rev="1200000"/>
-      </a:lightRig>
-    </dgm:scene3d>
-    <dgm:sp3d contourW="19050" prstMaterial="metal">
-      <a:bevelT w="88900" h="203200"/>
-      <a:bevelB w="165100" h="254000"/>
-    </dgm:sp3d>
-    <dgm:txPr/>
-    <dgm:style>
-      <a:lnRef idx="0">
-        <a:scrgbClr r="0" g="0" b="0"/>
-      </a:lnRef>
-      <a:fillRef idx="1">
-        <a:scrgbClr r="0" g="0" b="0"/>
-      </a:fillRef>
-      <a:effectRef idx="0">
-        <a:scrgbClr r="0" g="0" b="0"/>
-      </a:effectRef>
-      <a:fontRef idx="minor"/>
-    </dgm:style>
-  </dgm:styleLbl>
-  <dgm:styleLbl name="trAlignAcc1">
-    <dgm:scene3d>
-      <a:camera prst="orthographicFront">
-        <a:rot lat="0" lon="0" rev="0"/>
-      </a:camera>
-      <a:lightRig rig="contrasting" dir="t">
-        <a:rot lat="0" lon="0" rev="1200000"/>
-      </a:lightRig>
-    </dgm:scene3d>
-    <dgm:sp3d contourW="19050" prstMaterial="metal">
-      <a:bevelT w="88900" h="203200"/>
-      <a:bevelB w="165100" h="254000"/>
-    </dgm:sp3d>
-    <dgm:txPr/>
-    <dgm:style>
-      <a:lnRef idx="0">
-        <a:scrgbClr r="0" g="0" b="0"/>
-      </a:lnRef>
-      <a:fillRef idx="1">
-        <a:scrgbClr r="0" g="0" b="0"/>
-      </a:fillRef>
-      <a:effectRef idx="1">
-        <a:scrgbClr r="0" g="0" b="0"/>
-      </a:effectRef>
-      <a:fontRef idx="minor"/>
-    </dgm:style>
-  </dgm:styleLbl>
-  <dgm:styleLbl name="bgAcc1">
-    <dgm:scene3d>
-      <a:camera prst="orthographicFront">
-        <a:rot lat="0" lon="0" rev="0"/>
-      </a:camera>
-      <a:lightRig rig="contrasting" dir="t">
-        <a:rot lat="0" lon="0" rev="1200000"/>
-      </a:lightRig>
-    </dgm:scene3d>
-    <dgm:sp3d z="-300000" contourW="19050" prstMaterial="metal">
-      <a:bevelT w="88900" h="203200"/>
-      <a:bevelB w="165100" h="254000"/>
-    </dgm:sp3d>
-    <dgm:txPr/>
-    <dgm:style>
-      <a:lnRef idx="0">
-        <a:scrgbClr r="0" g="0" b="0"/>
-      </a:lnRef>
-      <a:fillRef idx="1">
-        <a:scrgbClr r="0" g="0" b="0"/>
-      </a:fillRef>
-      <a:effectRef idx="0">
-        <a:scrgbClr r="0" g="0" b="0"/>
-      </a:effectRef>
-      <a:fontRef idx="minor"/>
-    </dgm:style>
-  </dgm:styleLbl>
-  <dgm:styleLbl name="solidFgAcc1">
-    <dgm:scene3d>
-      <a:camera prst="orthographicFront">
-        <a:rot lat="0" lon="0" rev="0"/>
-      </a:camera>
-      <a:lightRig rig="contrasting" dir="t">
-        <a:rot lat="0" lon="0" rev="1200000"/>
-      </a:lightRig>
-    </dgm:scene3d>
-    <dgm:sp3d z="300000" contourW="12700" prstMaterial="flat">
-      <a:bevelT w="177800" h="254000"/>
-      <a:bevelB w="152400"/>
-    </dgm:sp3d>
-    <dgm:txPr/>
-    <dgm:style>
-      <a:lnRef idx="0">
-        <a:scrgbClr r="0" g="0" b="0"/>
-      </a:lnRef>
-      <a:fillRef idx="1">
-        <a:scrgbClr r="0" g="0" b="0"/>
-      </a:fillRef>
-      <a:effectRef idx="0">
-        <a:scrgbClr r="0" g="0" b="0"/>
-      </a:effectRef>
-      <a:fontRef idx="minor"/>
-    </dgm:style>
-  </dgm:styleLbl>
-  <dgm:styleLbl name="solidAlignAcc1">
-    <dgm:scene3d>
-      <a:camera prst="orthographicFront">
-        <a:rot lat="0" lon="0" rev="0"/>
-      </a:camera>
-      <a:lightRig rig="contrasting" dir="t">
-        <a:rot lat="0" lon="0" rev="1200000"/>
-      </a:lightRig>
-    </dgm:scene3d>
-    <dgm:sp3d contourW="19050" prstMaterial="metal">
-      <a:bevelT w="88900" h="203200"/>
-      <a:bevelB w="165100" h="254000"/>
-    </dgm:sp3d>
-    <dgm:txPr/>
-    <dgm:style>
-      <a:lnRef idx="0">
-        <a:scrgbClr r="0" g="0" b="0"/>
-      </a:lnRef>
-      <a:fillRef idx="1">
-        <a:scrgbClr r="0" g="0" b="0"/>
-      </a:fillRef>
-      <a:effectRef idx="0">
-        <a:scrgbClr r="0" g="0" b="0"/>
-      </a:effectRef>
-      <a:fontRef idx="minor"/>
-    </dgm:style>
-  </dgm:styleLbl>
-  <dgm:styleLbl name="solidBgAcc1">
-    <dgm:scene3d>
-      <a:camera prst="orthographicFront">
-        <a:rot lat="0" lon="0" rev="0"/>
-      </a:camera>
-      <a:lightRig rig="contrasting" dir="t">
-        <a:rot lat="0" lon="0" rev="1200000"/>
-      </a:lightRig>
-    </dgm:scene3d>
-    <dgm:sp3d z="-300000" contourW="19050" prstMaterial="metal">
-      <a:bevelT w="88900" h="203200"/>
-      <a:bevelB w="165100" h="254000"/>
-    </dgm:sp3d>
-    <dgm:txPr/>
-    <dgm:style>
-      <a:lnRef idx="0">
-        <a:scrgbClr r="0" g="0" b="0"/>
-      </a:lnRef>
-      <a:fillRef idx="1">
-        <a:scrgbClr r="0" g="0" b="0"/>
-      </a:fillRef>
-      <a:effectRef idx="0">
-        <a:scrgbClr r="0" g="0" b="0"/>
-      </a:effectRef>
-      <a:fontRef idx="minor"/>
-    </dgm:style>
-  </dgm:styleLbl>
-  <dgm:styleLbl name="fgAccFollowNode1">
-    <dgm:scene3d>
-      <a:camera prst="orthographicFront">
-        <a:rot lat="0" lon="0" rev="0"/>
-      </a:camera>
-      <a:lightRig rig="contrasting" dir="t">
-        <a:rot lat="0" lon="0" rev="1200000"/>
-      </a:lightRig>
-    </dgm:scene3d>
-    <dgm:sp3d z="300000" contourW="19050" prstMaterial="metal">
-      <a:bevelT w="88900" h="203200"/>
-      <a:bevelB w="165100" h="254000"/>
-    </dgm:sp3d>
-    <dgm:txPr/>
-    <dgm:style>
-      <a:lnRef idx="0">
-        <a:scrgbClr r="0" g="0" b="0"/>
-      </a:lnRef>
-      <a:fillRef idx="1">
-        <a:scrgbClr r="0" g="0" b="0"/>
-      </a:fillRef>
-      <a:effectRef idx="0">
-        <a:scrgbClr r="0" g="0" b="0"/>
-      </a:effectRef>
-      <a:fontRef idx="minor"/>
-    </dgm:style>
-  </dgm:styleLbl>
-  <dgm:styleLbl name="alignAccFollowNode1">
-    <dgm:scene3d>
-      <a:camera prst="orthographicFront">
-        <a:rot lat="0" lon="0" rev="0"/>
-      </a:camera>
-      <a:lightRig rig="contrasting" dir="t">
-        <a:rot lat="0" lon="0" rev="1200000"/>
-      </a:lightRig>
-    </dgm:scene3d>
-    <dgm:sp3d contourW="19050" prstMaterial="metal">
-      <a:bevelT w="88900" h="203200"/>
-      <a:bevelB w="165100" h="254000"/>
-    </dgm:sp3d>
-    <dgm:txPr/>
-    <dgm:style>
-      <a:lnRef idx="0">
-        <a:scrgbClr r="0" g="0" b="0"/>
-      </a:lnRef>
-      <a:fillRef idx="1">
-        <a:scrgbClr r="0" g="0" b="0"/>
-      </a:fillRef>
-      <a:effectRef idx="0">
-        <a:scrgbClr r="0" g="0" b="0"/>
-      </a:effectRef>
-      <a:fontRef idx="minor"/>
-    </dgm:style>
-  </dgm:styleLbl>
-  <dgm:styleLbl name="bgAccFollowNode1">
-    <dgm:scene3d>
-      <a:camera prst="orthographicFront">
-        <a:rot lat="0" lon="0" rev="0"/>
-      </a:camera>
-      <a:lightRig rig="contrasting" dir="t">
-        <a:rot lat="0" lon="0" rev="1200000"/>
-      </a:lightRig>
-    </dgm:scene3d>
-    <dgm:sp3d z="-300000" contourW="19050" prstMaterial="metal">
-      <a:bevelT w="88900" h="203200"/>
-      <a:bevelB w="165100" h="254000"/>
-    </dgm:sp3d>
-    <dgm:txPr/>
-    <dgm:style>
-      <a:lnRef idx="0">
-        <a:scrgbClr r="0" g="0" b="0"/>
-      </a:lnRef>
-      <a:fillRef idx="1">
-        <a:scrgbClr r="0" g="0" b="0"/>
-      </a:fillRef>
-      <a:effectRef idx="0">
-        <a:scrgbClr r="0" g="0" b="0"/>
-      </a:effectRef>
-      <a:fontRef idx="minor"/>
-    </dgm:style>
-  </dgm:styleLbl>
-  <dgm:styleLbl name="fgAcc0">
-    <dgm:scene3d>
-      <a:camera prst="orthographicFront">
-        <a:rot lat="0" lon="0" rev="0"/>
-      </a:camera>
-      <a:lightRig rig="contrasting" dir="t">
-        <a:rot lat="0" lon="0" rev="1200000"/>
-      </a:lightRig>
-    </dgm:scene3d>
-    <dgm:sp3d z="300000" contourW="19050" prstMaterial="metal">
-      <a:bevelT w="88900" h="203200"/>
-      <a:bevelB w="165100" h="254000"/>
-    </dgm:sp3d>
-    <dgm:txPr/>
-    <dgm:style>
-      <a:lnRef idx="0">
-        <a:scrgbClr r="0" g="0" b="0"/>
-      </a:lnRef>
-      <a:fillRef idx="1">
-        <a:scrgbClr r="0" g="0" b="0"/>
-      </a:fillRef>
-      <a:effectRef idx="0">
-        <a:scrgbClr r="0" g="0" b="0"/>
-      </a:effectRef>
-      <a:fontRef idx="minor"/>
-    </dgm:style>
-  </dgm:styleLbl>
-  <dgm:styleLbl name="fgAcc2">
-    <dgm:scene3d>
-      <a:camera prst="orthographicFront">
-        <a:rot lat="0" lon="0" rev="0"/>
-      </a:camera>
-      <a:lightRig rig="contrasting" dir="t">
-        <a:rot lat="0" lon="0" rev="1200000"/>
-      </a:lightRig>
-    </dgm:scene3d>
-    <dgm:sp3d z="300000" contourW="19050" prstMaterial="metal">
-      <a:bevelT w="88900" h="203200"/>
-      <a:bevelB w="165100" h="254000"/>
-    </dgm:sp3d>
-    <dgm:txPr/>
-    <dgm:style>
-      <a:lnRef idx="0">
-        <a:scrgbClr r="0" g="0" b="0"/>
-      </a:lnRef>
-      <a:fillRef idx="1">
-        <a:scrgbClr r="0" g="0" b="0"/>
-      </a:fillRef>
-      <a:effectRef idx="0">
-        <a:scrgbClr r="0" g="0" b="0"/>
-      </a:effectRef>
-      <a:fontRef idx="minor"/>
-    </dgm:style>
-  </dgm:styleLbl>
-  <dgm:styleLbl name="fgAcc3">
-    <dgm:scene3d>
-      <a:camera prst="orthographicFront">
-        <a:rot lat="0" lon="0" rev="0"/>
-      </a:camera>
-      <a:lightRig rig="contrasting" dir="t">
-        <a:rot lat="0" lon="0" rev="1200000"/>
-      </a:lightRig>
-    </dgm:scene3d>
-    <dgm:sp3d z="300000" contourW="19050" prstMaterial="metal">
-      <a:bevelT w="88900" h="203200"/>
-      <a:bevelB w="165100" h="254000"/>
-    </dgm:sp3d>
-    <dgm:txPr/>
-    <dgm:style>
-      <a:lnRef idx="0">
-        <a:scrgbClr r="0" g="0" b="0"/>
-      </a:lnRef>
-      <a:fillRef idx="1">
-        <a:scrgbClr r="0" g="0" b="0"/>
-      </a:fillRef>
-      <a:effectRef idx="0">
-        <a:scrgbClr r="0" g="0" b="0"/>
-      </a:effectRef>
-      <a:fontRef idx="minor"/>
-    </dgm:style>
-  </dgm:styleLbl>
-  <dgm:styleLbl name="fgAcc4">
-    <dgm:scene3d>
-      <a:camera prst="orthographicFront">
-        <a:rot lat="0" lon="0" rev="0"/>
-      </a:camera>
-      <a:lightRig rig="contrasting" dir="t">
-        <a:rot lat="0" lon="0" rev="1200000"/>
-      </a:lightRig>
-    </dgm:scene3d>
-    <dgm:sp3d z="300000" contourW="19050" prstMaterial="metal">
-      <a:bevelT w="88900" h="203200"/>
-      <a:bevelB w="165100" h="254000"/>
-    </dgm:sp3d>
-    <dgm:txPr/>
-    <dgm:style>
-      <a:lnRef idx="0">
-        <a:scrgbClr r="0" g="0" b="0"/>
-      </a:lnRef>
-      <a:fillRef idx="1">
-        <a:scrgbClr r="0" g="0" b="0"/>
-      </a:fillRef>
-      <a:effectRef idx="0">
-        <a:scrgbClr r="0" g="0" b="0"/>
-      </a:effectRef>
-      <a:fontRef idx="minor"/>
-    </dgm:style>
-  </dgm:styleLbl>
-  <dgm:styleLbl name="bgShp">
-    <dgm:scene3d>
-      <a:camera prst="orthographicFront">
-        <a:rot lat="0" lon="0" rev="0"/>
-      </a:camera>
-      <a:lightRig rig="contrasting" dir="t">
-        <a:rot lat="0" lon="0" rev="1200000"/>
-      </a:lightRig>
-    </dgm:scene3d>
-    <dgm:sp3d z="-300000" prstMaterial="plastic"/>
-    <dgm:txPr/>
-    <dgm:style>
-      <a:lnRef idx="1">
-        <a:scrgbClr r="0" g="0" b="0"/>
-      </a:lnRef>
-      <a:fillRef idx="1">
-        <a:scrgbClr r="0" g="0" b="0"/>
-      </a:fillRef>
-      <a:effectRef idx="0">
-        <a:scrgbClr r="0" g="0" b="0"/>
-      </a:effectRef>
-      <a:fontRef idx="minor"/>
-    </dgm:style>
-  </dgm:styleLbl>
-  <dgm:styleLbl name="dkBgShp">
-    <dgm:scene3d>
-      <a:camera prst="orthographicFront">
-        <a:rot lat="0" lon="0" rev="0"/>
-      </a:camera>
-      <a:lightRig rig="contrasting" dir="t">
-        <a:rot lat="0" lon="0" rev="1200000"/>
-      </a:lightRig>
-    </dgm:scene3d>
-    <dgm:sp3d contourW="12700" prstMaterial="flat">
-      <a:bevelT w="100800" h="154000"/>
-      <a:bevelB w="152400"/>
-    </dgm:sp3d>
-    <dgm:txPr/>
-    <dgm:style>
-      <a:lnRef idx="0">
-        <a:scrgbClr r="0" g="0" b="0"/>
-      </a:lnRef>
-      <a:fillRef idx="1">
-        <a:scrgbClr r="0" g="0" b="0"/>
-      </a:fillRef>
-      <a:effectRef idx="0">
-        <a:scrgbClr r="0" g="0" b="0"/>
-      </a:effectRef>
-      <a:fontRef idx="minor"/>
-    </dgm:style>
-  </dgm:styleLbl>
-  <dgm:styleLbl name="trBgShp">
-    <dgm:scene3d>
-      <a:camera prst="orthographicFront">
-        <a:rot lat="0" lon="0" rev="0"/>
-      </a:camera>
-      <a:lightRig rig="contrasting" dir="t">
-        <a:rot lat="0" lon="0" rev="1200000"/>
-      </a:lightRig>
-    </dgm:scene3d>
-    <dgm:sp3d z="-152400" prstMaterial="matte"/>
-    <dgm:txPr/>
-    <dgm:style>
-      <a:lnRef idx="1">
-        <a:scrgbClr r="0" g="0" b="0"/>
-      </a:lnRef>
-      <a:fillRef idx="1">
-        <a:scrgbClr r="0" g="0" b="0"/>
-      </a:fillRef>
-      <a:effectRef idx="0">
-        <a:scrgbClr r="0" g="0" b="0"/>
-      </a:effectRef>
-      <a:fontRef idx="minor"/>
-    </dgm:style>
-  </dgm:styleLbl>
-  <dgm:styleLbl name="fgShp">
-    <dgm:scene3d>
-      <a:camera prst="orthographicFront">
-        <a:rot lat="0" lon="0" rev="0"/>
-      </a:camera>
-      <a:lightRig rig="contrasting" dir="t">
-        <a:rot lat="0" lon="0" rev="1200000"/>
-      </a:lightRig>
-    </dgm:scene3d>
-    <dgm:sp3d z="300000" contourW="19050" prstMaterial="metal">
-      <a:bevelT w="88900" h="203200"/>
-      <a:bevelB w="165100" h="254000"/>
-    </dgm:sp3d>
-    <dgm:txPr/>
-    <dgm:style>
-      <a:lnRef idx="0">
-        <a:scrgbClr r="0" g="0" b="0"/>
-      </a:lnRef>
-      <a:fillRef idx="1">
-        <a:scrgbClr r="0" g="0" b="0"/>
-      </a:fillRef>
-      <a:effectRef idx="0">
-        <a:scrgbClr r="0" g="0" b="0"/>
-      </a:effectRef>
-      <a:fontRef idx="minor"/>
-    </dgm:style>
-  </dgm:styleLbl>
-  <dgm:styleLbl name="revTx">
-    <dgm:scene3d>
-      <a:camera prst="orthographicFront"/>
-      <a:lightRig rig="threePt" dir="t"/>
-    </dgm:scene3d>
-    <dgm:sp3d/>
-    <dgm:txPr/>
-    <dgm:style>
-      <a:lnRef idx="1">
-        <a:scrgbClr r="0" g="0" b="0"/>
-      </a:lnRef>
-      <a:fillRef idx="0">
-        <a:scrgbClr r="0" g="0" b="0"/>
-      </a:fillRef>
-      <a:effectRef idx="0">
-        <a:scrgbClr r="0" g="0" b="0"/>
-      </a:effectRef>
-      <a:fontRef idx="minor"/>
-    </dgm:style>
-  </dgm:styleLbl>
-</dgm:styleDef>
 </file>
 
 <file path=ppt/slideLayouts/slideLayout1.xml><?xml version="1.0" encoding="utf-8"?>
@@ -3252,7 +313,7 @@
             <a:fld id="{87DE6118-2437-4B30-8E3C-4D2BE6020583}" type="datetimeFigureOut">
               <a:rPr lang="en-US" dirty="0"/>
               <a:pPr/>
-              <a:t>3/25/2021</a:t>
+              <a:t>4/2/2021</a:t>
             </a:fld>
             <a:endParaRPr lang="en-US" dirty="0"/>
           </a:p>
@@ -3578,7 +639,7 @@
           <a:p>
             <a:fld id="{87DE6118-2437-4B30-8E3C-4D2BE6020583}" type="datetimeFigureOut">
               <a:rPr lang="en-US" dirty="0"/>
-              <a:t>3/25/2021</a:t>
+              <a:t>4/2/2021</a:t>
             </a:fld>
             <a:endParaRPr lang="en-US" dirty="0"/>
           </a:p>
@@ -3753,7 +814,7 @@
           <a:p>
             <a:fld id="{87DE6118-2437-4B30-8E3C-4D2BE6020583}" type="datetimeFigureOut">
               <a:rPr lang="en-US" dirty="0"/>
-              <a:t>3/25/2021</a:t>
+              <a:t>4/2/2021</a:t>
             </a:fld>
             <a:endParaRPr lang="en-US" dirty="0"/>
           </a:p>
@@ -3918,7 +979,7 @@
           <a:p>
             <a:fld id="{87DE6118-2437-4B30-8E3C-4D2BE6020583}" type="datetimeFigureOut">
               <a:rPr lang="en-US" dirty="0"/>
-              <a:t>3/25/2021</a:t>
+              <a:t>4/2/2021</a:t>
             </a:fld>
             <a:endParaRPr lang="en-US" dirty="0"/>
           </a:p>
@@ -4191,7 +1252,7 @@
             <a:fld id="{87DE6118-2437-4B30-8E3C-4D2BE6020583}" type="datetimeFigureOut">
               <a:rPr lang="en-US" dirty="0"/>
               <a:pPr/>
-              <a:t>3/25/2021</a:t>
+              <a:t>4/2/2021</a:t>
             </a:fld>
             <a:endParaRPr lang="en-US" dirty="0"/>
           </a:p>
@@ -4581,7 +1642,7 @@
           <a:p>
             <a:fld id="{87DE6118-2437-4B30-8E3C-4D2BE6020583}" type="datetimeFigureOut">
               <a:rPr lang="en-US" dirty="0"/>
-              <a:t>3/25/2021</a:t>
+              <a:t>4/2/2021</a:t>
             </a:fld>
             <a:endParaRPr lang="en-US" dirty="0"/>
           </a:p>
@@ -5053,7 +2114,7 @@
           <a:p>
             <a:fld id="{87DE6118-2437-4B30-8E3C-4D2BE6020583}" type="datetimeFigureOut">
               <a:rPr lang="en-US" dirty="0"/>
-              <a:t>3/25/2021</a:t>
+              <a:t>4/2/2021</a:t>
             </a:fld>
             <a:endParaRPr lang="en-US" dirty="0"/>
           </a:p>
@@ -5166,7 +2227,7 @@
           <a:p>
             <a:fld id="{87DE6118-2437-4B30-8E3C-4D2BE6020583}" type="datetimeFigureOut">
               <a:rPr lang="en-US" dirty="0"/>
-              <a:t>3/25/2021</a:t>
+              <a:t>4/2/2021</a:t>
             </a:fld>
             <a:endParaRPr lang="en-US" dirty="0"/>
           </a:p>
@@ -5256,7 +2317,7 @@
           <a:p>
             <a:fld id="{87DE6118-2437-4B30-8E3C-4D2BE6020583}" type="datetimeFigureOut">
               <a:rPr lang="en-US" dirty="0"/>
-              <a:t>3/25/2021</a:t>
+              <a:t>4/2/2021</a:t>
             </a:fld>
             <a:endParaRPr lang="en-US" dirty="0"/>
           </a:p>
@@ -5598,7 +2659,7 @@
             <a:fld id="{87DE6118-2437-4B30-8E3C-4D2BE6020583}" type="datetimeFigureOut">
               <a:rPr lang="en-US" dirty="0"/>
               <a:pPr/>
-              <a:t>3/25/2021</a:t>
+              <a:t>4/2/2021</a:t>
             </a:fld>
             <a:endParaRPr lang="en-US" dirty="0"/>
           </a:p>
@@ -5983,7 +3044,7 @@
             <a:fld id="{87DE6118-2437-4B30-8E3C-4D2BE6020583}" type="datetimeFigureOut">
               <a:rPr lang="en-US" dirty="0"/>
               <a:pPr/>
-              <a:t>3/25/2021</a:t>
+              <a:t>4/2/2021</a:t>
             </a:fld>
             <a:endParaRPr lang="en-US" dirty="0"/>
           </a:p>
@@ -6258,7 +3319,7 @@
             <a:fld id="{87DE6118-2437-4B30-8E3C-4D2BE6020583}" type="datetimeFigureOut">
               <a:rPr lang="en-US" dirty="0"/>
               <a:pPr/>
-              <a:t>3/25/2021</a:t>
+              <a:t>4/2/2021</a:t>
             </a:fld>
             <a:endParaRPr lang="en-US" dirty="0"/>
           </a:p>
@@ -6841,11 +3902,11 @@
   <p:clrMapOvr>
     <a:masterClrMapping/>
   </p:clrMapOvr>
-  <mc:AlternateContent xmlns:mc="http://schemas.openxmlformats.org/markup-compatibility/2006">
-    <mc:Choice xmlns:p14="http://schemas.microsoft.com/office/powerpoint/2010/main" Requires="p14">
+  <mc:AlternateContent xmlns:mc="http://schemas.openxmlformats.org/markup-compatibility/2006" xmlns:p14="http://schemas.microsoft.com/office/powerpoint/2010/main">
+    <mc:Choice Requires="p14">
       <p:transition spd="slow" p14:dur="2000" advTm="10899"/>
     </mc:Choice>
-    <mc:Fallback>
+    <mc:Fallback xmlns="">
       <p:transition spd="slow" advTm="10899"/>
     </mc:Fallback>
   </mc:AlternateContent>
@@ -6933,6 +3994,33 @@
               <a:buAutoNum type="arabicPeriod"/>
             </a:pPr>
             <a:r>
+              <a:rPr lang="en-US" sz="2400" dirty="0">
+                <a:solidFill>
+                  <a:schemeClr val="tx1"/>
+                </a:solidFill>
+                <a:latin typeface="-apple-system"/>
+              </a:rPr>
+              <a:t>For </a:t>
+            </a:r>
+            <a:r>
+              <a:rPr lang="en-US" sz="2400" b="1" dirty="0">
+                <a:solidFill>
+                  <a:schemeClr val="tx1"/>
+                </a:solidFill>
+                <a:latin typeface="-apple-system"/>
+              </a:rPr>
+              <a:t>high revenue and high ROI</a:t>
+            </a:r>
+            <a:r>
+              <a:rPr lang="en-US" sz="2400" dirty="0">
+                <a:solidFill>
+                  <a:schemeClr val="tx1"/>
+                </a:solidFill>
+                <a:latin typeface="-apple-system"/>
+              </a:rPr>
+              <a:t>, </a:t>
+            </a:r>
+            <a:r>
               <a:rPr lang="en-US" sz="2400" b="0" i="0" dirty="0">
                 <a:solidFill>
                   <a:schemeClr val="tx1"/>
@@ -6940,7 +4028,7 @@
                 <a:effectLst/>
                 <a:latin typeface="-apple-system"/>
               </a:rPr>
-              <a:t>For high-budget productions, go with animation.</a:t>
+              <a:t>go with Animation.</a:t>
             </a:r>
           </a:p>
           <a:p>
@@ -6956,8 +4044,77 @@
                 <a:effectLst/>
                 <a:latin typeface="-apple-system"/>
               </a:rPr>
-              <a:t>For low-budget productions, go with horror.</a:t>
-            </a:r>
+              <a:t>For </a:t>
+            </a:r>
+            <a:r>
+              <a:rPr lang="en-US" sz="2400" b="1" i="0" dirty="0">
+                <a:solidFill>
+                  <a:schemeClr val="tx1"/>
+                </a:solidFill>
+                <a:effectLst/>
+                <a:latin typeface="-apple-system"/>
+              </a:rPr>
+              <a:t>maximum ROI</a:t>
+            </a:r>
+            <a:r>
+              <a:rPr lang="en-US" sz="2400" b="0" i="0" dirty="0">
+                <a:solidFill>
+                  <a:schemeClr val="tx1"/>
+                </a:solidFill>
+                <a:effectLst/>
+                <a:latin typeface="-apple-system"/>
+              </a:rPr>
+              <a:t>, go with Horror</a:t>
+            </a:r>
+            <a:r>
+              <a:rPr lang="en-US" sz="2400" dirty="0">
+                <a:solidFill>
+                  <a:schemeClr val="tx1"/>
+                </a:solidFill>
+                <a:latin typeface="-apple-system"/>
+              </a:rPr>
+              <a:t> and Mystery.</a:t>
+            </a:r>
+          </a:p>
+          <a:p>
+            <a:pPr marL="457200" indent="-457200">
+              <a:buFont typeface="+mj-lt"/>
+              <a:buAutoNum type="arabicPeriod"/>
+            </a:pPr>
+            <a:r>
+              <a:rPr lang="en-US" sz="2400" dirty="0">
+                <a:solidFill>
+                  <a:schemeClr val="tx1"/>
+                </a:solidFill>
+                <a:latin typeface="-apple-system"/>
+              </a:rPr>
+              <a:t>For </a:t>
+            </a:r>
+            <a:r>
+              <a:rPr lang="en-US" sz="2400" b="1" dirty="0">
+                <a:solidFill>
+                  <a:schemeClr val="tx1"/>
+                </a:solidFill>
+                <a:latin typeface="-apple-system"/>
+              </a:rPr>
+              <a:t>maximum revenue</a:t>
+            </a:r>
+            <a:r>
+              <a:rPr lang="en-US" sz="2400" dirty="0">
+                <a:solidFill>
+                  <a:schemeClr val="tx1"/>
+                </a:solidFill>
+                <a:latin typeface="-apple-system"/>
+              </a:rPr>
+              <a:t>, go with Adventure.</a:t>
+            </a:r>
+            <a:endParaRPr lang="en-US" sz="2400" b="0" i="0" dirty="0">
+              <a:solidFill>
+                <a:schemeClr val="tx1"/>
+              </a:solidFill>
+              <a:effectLst/>
+              <a:latin typeface="-apple-system"/>
+            </a:endParaRPr>
           </a:p>
           <a:p>
             <a:pPr marL="457200" indent="-457200" algn="l">
@@ -6972,7 +4129,26 @@
                 <a:effectLst/>
                 <a:latin typeface="-apple-system"/>
               </a:rPr>
-              <a:t>Stay away from drama, action, and crime.</a:t>
+              <a:t>Stay away from Drama, </a:t>
+            </a:r>
+            <a:r>
+              <a:rPr lang="en-US" sz="2400" dirty="0">
+                <a:solidFill>
+                  <a:schemeClr val="tx1"/>
+                </a:solidFill>
+                <a:latin typeface="-apple-system"/>
+              </a:rPr>
+              <a:t>A</a:t>
+            </a:r>
+            <a:r>
+              <a:rPr lang="en-US" sz="2400" b="0" i="0" dirty="0">
+                <a:solidFill>
+                  <a:schemeClr val="tx1"/>
+                </a:solidFill>
+                <a:effectLst/>
+                <a:latin typeface="-apple-system"/>
+              </a:rPr>
+              <a:t>ction, and Crime.</a:t>
             </a:r>
           </a:p>
           <a:p>
@@ -6997,6 +4173,332 @@
     <p:extLst>
       <p:ext uri="{BB962C8B-B14F-4D97-AF65-F5344CB8AC3E}">
         <p14:creationId xmlns:p14="http://schemas.microsoft.com/office/powerpoint/2010/main" val="406045541"/>
+      </p:ext>
+    </p:extLst>
+  </p:cSld>
+  <p:clrMapOvr>
+    <a:masterClrMapping/>
+  </p:clrMapOvr>
+  <mc:AlternateContent xmlns:mc="http://schemas.openxmlformats.org/markup-compatibility/2006" xmlns:p14="http://schemas.microsoft.com/office/powerpoint/2010/main">
+    <mc:Choice Requires="p14">
+      <p:transition spd="slow" p14:dur="2000" advTm="32378"/>
+    </mc:Choice>
+    <mc:Fallback xmlns="">
+      <p:transition spd="slow" advTm="32378"/>
+    </mc:Fallback>
+  </mc:AlternateContent>
+</p:sld>
+</file>
+
+<file path=ppt/slides/slide11.xml><?xml version="1.0" encoding="utf-8"?>
+<p:sld xmlns:a="http://schemas.openxmlformats.org/drawingml/2006/main" xmlns:r="http://schemas.openxmlformats.org/officeDocument/2006/relationships" xmlns:p="http://schemas.openxmlformats.org/presentationml/2006/main">
+  <p:cSld>
+    <p:bg>
+      <p:bgPr>
+        <a:solidFill>
+          <a:schemeClr val="bg1"/>
+        </a:solidFill>
+        <a:effectLst/>
+      </p:bgPr>
+    </p:bg>
+    <p:spTree>
+      <p:nvGrpSpPr>
+        <p:cNvPr id="1" name=""/>
+        <p:cNvGrpSpPr/>
+        <p:nvPr/>
+      </p:nvGrpSpPr>
+      <p:grpSpPr>
+        <a:xfrm>
+          <a:off x="0" y="0"/>
+          <a:ext cx="0" cy="0"/>
+          <a:chOff x="0" y="0"/>
+          <a:chExt cx="0" cy="0"/>
+        </a:xfrm>
+      </p:grpSpPr>
+      <p:sp useBgFill="1">
+        <p:nvSpPr>
+          <p:cNvPr id="7" name="Rectangle 9">
+            <a:extLst>
+              <a:ext uri="{FF2B5EF4-FFF2-40B4-BE49-F238E27FC236}">
+                <a16:creationId xmlns:a16="http://schemas.microsoft.com/office/drawing/2014/main" id="{1D868099-6145-4BC0-A5EA-74BEF1776BA9}"/>
+              </a:ext>
+              <a:ext uri="{C183D7F6-B498-43B3-948B-1728B52AA6E4}">
+                <adec:decorative xmlns:adec="http://schemas.microsoft.com/office/drawing/2017/decorative" val="1"/>
+              </a:ext>
+            </a:extLst>
+          </p:cNvPr>
+          <p:cNvSpPr>
+            <a:spLocks noGrp="1" noRot="1" noChangeAspect="1" noMove="1" noResize="1" noEditPoints="1" noAdjustHandles="1" noChangeArrowheads="1" noChangeShapeType="1" noTextEdit="1"/>
+          </p:cNvSpPr>
+          <p:nvPr>
+            <p:extLst>
+              <p:ext uri="{386F3935-93C4-4BCD-93E2-E3B085C9AB24}">
+                <p16:designElem xmlns:p16="http://schemas.microsoft.com/office/powerpoint/2015/main" val="1"/>
+              </p:ext>
+            </p:extLst>
+          </p:nvPr>
+        </p:nvSpPr>
+        <p:spPr>
+          <a:xfrm>
+            <a:off x="0" y="0"/>
+            <a:ext cx="12192000" cy="6858000"/>
+          </a:xfrm>
+          <a:prstGeom prst="rect">
+            <a:avLst/>
+          </a:prstGeom>
+          <a:ln>
+            <a:noFill/>
+          </a:ln>
+        </p:spPr>
+        <p:style>
+          <a:lnRef idx="2">
+            <a:schemeClr val="accent1">
+              <a:shade val="50000"/>
+            </a:schemeClr>
+          </a:lnRef>
+          <a:fillRef idx="1">
+            <a:schemeClr val="accent1"/>
+          </a:fillRef>
+          <a:effectRef idx="0">
+            <a:schemeClr val="accent1"/>
+          </a:effectRef>
+          <a:fontRef idx="minor">
+            <a:schemeClr val="lt1"/>
+          </a:fontRef>
+        </p:style>
+        <p:txBody>
+          <a:bodyPr rtlCol="0" anchor="ctr"/>
+          <a:lstStyle/>
+          <a:p>
+            <a:pPr algn="ctr"/>
+            <a:endParaRPr lang="en-US"/>
+          </a:p>
+        </p:txBody>
+      </p:sp>
+      <p:sp>
+        <p:nvSpPr>
+          <p:cNvPr id="2" name="Title 1">
+            <a:extLst>
+              <a:ext uri="{FF2B5EF4-FFF2-40B4-BE49-F238E27FC236}">
+                <a16:creationId xmlns:a16="http://schemas.microsoft.com/office/drawing/2014/main" id="{5F635CBD-33FA-45AA-8966-95248889CCBD}"/>
+              </a:ext>
+            </a:extLst>
+          </p:cNvPr>
+          <p:cNvSpPr>
+            <a:spLocks noGrp="1"/>
+          </p:cNvSpPr>
+          <p:nvPr>
+            <p:ph type="title"/>
+          </p:nvPr>
+        </p:nvSpPr>
+        <p:spPr>
+          <a:xfrm>
+            <a:off x="8471424" y="1110883"/>
+            <a:ext cx="3053039" cy="535038"/>
+          </a:xfrm>
+        </p:spPr>
+        <p:txBody>
+          <a:bodyPr anchor="b">
+            <a:normAutofit/>
+          </a:bodyPr>
+          <a:lstStyle/>
+          <a:p>
+            <a:r>
+              <a:rPr lang="en-US" sz="2800" dirty="0"/>
+              <a:t>Next Steps</a:t>
+            </a:r>
+          </a:p>
+        </p:txBody>
+      </p:sp>
+      <p:pic>
+        <p:nvPicPr>
+          <p:cNvPr id="5" name="Picture 4" descr="Text&#10;&#10;Description automatically generated">
+            <a:extLst>
+              <a:ext uri="{FF2B5EF4-FFF2-40B4-BE49-F238E27FC236}">
+                <a16:creationId xmlns:a16="http://schemas.microsoft.com/office/drawing/2014/main" id="{05A5A514-1278-41AD-B92F-843036758831}"/>
+              </a:ext>
+            </a:extLst>
+          </p:cNvPr>
+          <p:cNvPicPr>
+            <a:picLocks noChangeAspect="1"/>
+          </p:cNvPicPr>
+          <p:nvPr/>
+        </p:nvPicPr>
+        <p:blipFill>
+          <a:blip r:embed="rId2"/>
+          <a:stretch>
+            <a:fillRect/>
+          </a:stretch>
+        </p:blipFill>
+        <p:spPr>
+          <a:xfrm>
+            <a:off x="634275" y="772354"/>
+            <a:ext cx="6900380" cy="5313292"/>
+          </a:xfrm>
+          <a:prstGeom prst="rect">
+            <a:avLst/>
+          </a:prstGeom>
+        </p:spPr>
+      </p:pic>
+      <p:sp>
+        <p:nvSpPr>
+          <p:cNvPr id="3" name="Content Placeholder 2">
+            <a:extLst>
+              <a:ext uri="{FF2B5EF4-FFF2-40B4-BE49-F238E27FC236}">
+                <a16:creationId xmlns:a16="http://schemas.microsoft.com/office/drawing/2014/main" id="{0F9A5350-2FC7-462D-86A8-481A71EB5190}"/>
+              </a:ext>
+            </a:extLst>
+          </p:cNvPr>
+          <p:cNvSpPr>
+            <a:spLocks noGrp="1"/>
+          </p:cNvSpPr>
+          <p:nvPr>
+            <p:ph idx="1"/>
+          </p:nvPr>
+        </p:nvSpPr>
+        <p:spPr>
+          <a:xfrm>
+            <a:off x="8471423" y="1815197"/>
+            <a:ext cx="3053039" cy="3931920"/>
+          </a:xfrm>
+        </p:spPr>
+        <p:txBody>
+          <a:bodyPr>
+            <a:normAutofit/>
+          </a:bodyPr>
+          <a:lstStyle/>
+          <a:p>
+            <a:r>
+              <a:rPr lang="en-US" sz="1600" dirty="0">
+                <a:latin typeface="-apple-system"/>
+              </a:rPr>
+              <a:t>Reproduce analysis with The Movie Database genre data</a:t>
+            </a:r>
+          </a:p>
+          <a:p>
+            <a:r>
+              <a:rPr lang="en-US" sz="1600" b="0" i="0" dirty="0">
+                <a:effectLst/>
+                <a:latin typeface="-apple-system"/>
+              </a:rPr>
+              <a:t>Join tables using fuzzy</a:t>
+            </a:r>
+            <a:r>
+              <a:rPr lang="en-US" sz="1600" dirty="0">
+                <a:latin typeface="-apple-system"/>
+              </a:rPr>
+              <a:t> string matching</a:t>
+            </a:r>
+          </a:p>
+          <a:p>
+            <a:r>
+              <a:rPr lang="en-US" sz="1600" b="0" i="0" dirty="0">
+                <a:effectLst/>
+                <a:latin typeface="-apple-system"/>
+              </a:rPr>
+              <a:t>Consider other factors</a:t>
+            </a:r>
+          </a:p>
+          <a:p>
+            <a:pPr lvl="1"/>
+            <a:r>
+              <a:rPr lang="en-US" sz="1600" i="0" dirty="0">
+                <a:latin typeface="-apple-system"/>
+              </a:rPr>
+              <a:t>Cast and crew</a:t>
+            </a:r>
+          </a:p>
+          <a:p>
+            <a:pPr lvl="1"/>
+            <a:r>
+              <a:rPr lang="en-US" sz="1600" b="0" i="0" dirty="0">
+                <a:effectLst/>
+                <a:latin typeface="-apple-system"/>
+              </a:rPr>
+              <a:t>Time of year</a:t>
+            </a:r>
+          </a:p>
+        </p:txBody>
+      </p:sp>
+      <p:sp>
+        <p:nvSpPr>
+          <p:cNvPr id="12" name="Freeform 6">
+            <a:extLst>
+              <a:ext uri="{FF2B5EF4-FFF2-40B4-BE49-F238E27FC236}">
+                <a16:creationId xmlns:a16="http://schemas.microsoft.com/office/drawing/2014/main" id="{CC1026F7-DECB-49B4-A565-518BBA445471}"/>
+              </a:ext>
+              <a:ext uri="{C183D7F6-B498-43B3-948B-1728B52AA6E4}">
+                <adec:decorative xmlns:adec="http://schemas.microsoft.com/office/drawing/2017/decorative" val="1"/>
+              </a:ext>
+            </a:extLst>
+          </p:cNvPr>
+          <p:cNvSpPr>
+            <a:spLocks noGrp="1" noRot="1" noChangeAspect="1" noMove="1" noResize="1" noEditPoints="1" noAdjustHandles="1" noChangeArrowheads="1" noChangeShapeType="1" noTextEdit="1"/>
+          </p:cNvSpPr>
+          <p:nvPr>
+            <p:extLst>
+              <p:ext uri="{386F3935-93C4-4BCD-93E2-E3B085C9AB24}">
+                <p16:designElem xmlns:p16="http://schemas.microsoft.com/office/powerpoint/2015/main" val="1"/>
+              </p:ext>
+            </p:extLst>
+          </p:nvPr>
+        </p:nvSpPr>
+        <p:spPr bwMode="auto">
+          <a:xfrm flipH="1" flipV="1">
+            <a:off x="7983434" y="640080"/>
+            <a:ext cx="2296028" cy="3674981"/>
+          </a:xfrm>
+          <a:custGeom>
+            <a:avLst/>
+            <a:gdLst/>
+            <a:ahLst/>
+            <a:cxnLst/>
+            <a:rect l="l" t="t" r="r" b="b"/>
+            <a:pathLst>
+              <a:path w="10002" h="10000">
+                <a:moveTo>
+                  <a:pt x="8763" y="0"/>
+                </a:moveTo>
+                <a:lnTo>
+                  <a:pt x="10002" y="0"/>
+                </a:lnTo>
+                <a:lnTo>
+                  <a:pt x="10002" y="10000"/>
+                </a:lnTo>
+                <a:lnTo>
+                  <a:pt x="2" y="10000"/>
+                </a:lnTo>
+                <a:cubicBezTo>
+                  <a:pt x="-2" y="9698"/>
+                  <a:pt x="4" y="9427"/>
+                  <a:pt x="0" y="9125"/>
+                </a:cubicBezTo>
+                <a:lnTo>
+                  <a:pt x="8763" y="9128"/>
+                </a:lnTo>
+                <a:lnTo>
+                  <a:pt x="8763" y="0"/>
+                </a:lnTo>
+                <a:close/>
+              </a:path>
+            </a:pathLst>
+          </a:custGeom>
+          <a:solidFill>
+            <a:schemeClr val="tx2"/>
+          </a:solidFill>
+          <a:ln w="0">
+            <a:noFill/>
+            <a:prstDash val="solid"/>
+            <a:round/>
+            <a:headEnd/>
+            <a:tailEnd/>
+          </a:ln>
+        </p:spPr>
+      </p:sp>
+    </p:spTree>
+    <p:extLst>
+      <p:ext uri="{BB962C8B-B14F-4D97-AF65-F5344CB8AC3E}">
+        <p14:creationId xmlns:p14="http://schemas.microsoft.com/office/powerpoint/2010/main" val="4068872942"/>
       </p:ext>
     </p:extLst>
   </p:cSld>
@@ -7014,7 +4516,782 @@
 </p:sld>
 </file>
 
+<file path=ppt/slides/slide12.xml><?xml version="1.0" encoding="utf-8"?>
+<p:sld xmlns:a="http://schemas.openxmlformats.org/drawingml/2006/main" xmlns:r="http://schemas.openxmlformats.org/officeDocument/2006/relationships" xmlns:p="http://schemas.openxmlformats.org/presentationml/2006/main">
+  <p:cSld>
+    <p:bg>
+      <p:bgPr>
+        <a:solidFill>
+          <a:schemeClr val="bg1"/>
+        </a:solidFill>
+        <a:effectLst/>
+      </p:bgPr>
+    </p:bg>
+    <p:spTree>
+      <p:nvGrpSpPr>
+        <p:cNvPr id="1" name=""/>
+        <p:cNvGrpSpPr/>
+        <p:nvPr/>
+      </p:nvGrpSpPr>
+      <p:grpSpPr>
+        <a:xfrm>
+          <a:off x="0" y="0"/>
+          <a:ext cx="0" cy="0"/>
+          <a:chOff x="0" y="0"/>
+          <a:chExt cx="0" cy="0"/>
+        </a:xfrm>
+      </p:grpSpPr>
+      <p:sp useBgFill="1">
+        <p:nvSpPr>
+          <p:cNvPr id="26" name="Rectangle 22">
+            <a:extLst>
+              <a:ext uri="{FF2B5EF4-FFF2-40B4-BE49-F238E27FC236}">
+                <a16:creationId xmlns:a16="http://schemas.microsoft.com/office/drawing/2014/main" id="{1E954AF0-B5CC-4A16-ACDA-675B5694F2C8}"/>
+              </a:ext>
+              <a:ext uri="{C183D7F6-B498-43B3-948B-1728B52AA6E4}">
+                <adec:decorative xmlns:adec="http://schemas.microsoft.com/office/drawing/2017/decorative" val="1"/>
+              </a:ext>
+            </a:extLst>
+          </p:cNvPr>
+          <p:cNvSpPr>
+            <a:spLocks noGrp="1" noRot="1" noChangeAspect="1" noMove="1" noResize="1" noEditPoints="1" noAdjustHandles="1" noChangeArrowheads="1" noChangeShapeType="1" noTextEdit="1"/>
+          </p:cNvSpPr>
+          <p:nvPr>
+            <p:extLst>
+              <p:ext uri="{386F3935-93C4-4BCD-93E2-E3B085C9AB24}">
+                <p16:designElem xmlns:p16="http://schemas.microsoft.com/office/powerpoint/2015/main" val="1"/>
+              </p:ext>
+            </p:extLst>
+          </p:nvPr>
+        </p:nvSpPr>
+        <p:spPr bwMode="grayWhite">
+          <a:xfrm>
+            <a:off x="0" y="0"/>
+            <a:ext cx="12192000" cy="6858000"/>
+          </a:xfrm>
+          <a:prstGeom prst="rect">
+            <a:avLst/>
+          </a:prstGeom>
+          <a:ln>
+            <a:noFill/>
+          </a:ln>
+        </p:spPr>
+        <p:style>
+          <a:lnRef idx="2">
+            <a:schemeClr val="accent1">
+              <a:shade val="50000"/>
+            </a:schemeClr>
+          </a:lnRef>
+          <a:fillRef idx="1">
+            <a:schemeClr val="accent1"/>
+          </a:fillRef>
+          <a:effectRef idx="0">
+            <a:schemeClr val="accent1"/>
+          </a:effectRef>
+          <a:fontRef idx="minor">
+            <a:schemeClr val="lt1"/>
+          </a:fontRef>
+        </p:style>
+        <p:txBody>
+          <a:bodyPr rtlCol="0" anchor="ctr"/>
+          <a:lstStyle/>
+          <a:p>
+            <a:pPr algn="ctr"/>
+            <a:endParaRPr lang="en-US"/>
+          </a:p>
+        </p:txBody>
+      </p:sp>
+      <p:pic>
+        <p:nvPicPr>
+          <p:cNvPr id="18" name="Picture 17" descr="A picture containing person, standing, black, white&#10;&#10;Description automatically generated">
+            <a:extLst>
+              <a:ext uri="{FF2B5EF4-FFF2-40B4-BE49-F238E27FC236}">
+                <a16:creationId xmlns:a16="http://schemas.microsoft.com/office/drawing/2014/main" id="{45C4D73E-AFED-48FB-B696-E73F3F73FF1F}"/>
+              </a:ext>
+            </a:extLst>
+          </p:cNvPr>
+          <p:cNvPicPr>
+            <a:picLocks noChangeAspect="1"/>
+          </p:cNvPicPr>
+          <p:nvPr/>
+        </p:nvPicPr>
+        <p:blipFill>
+          <a:blip r:embed="rId2"/>
+          <a:stretch>
+            <a:fillRect/>
+          </a:stretch>
+        </p:blipFill>
+        <p:spPr>
+          <a:xfrm>
+            <a:off x="634275" y="798230"/>
+            <a:ext cx="6900380" cy="5261539"/>
+          </a:xfrm>
+          <a:prstGeom prst="rect">
+            <a:avLst/>
+          </a:prstGeom>
+        </p:spPr>
+      </p:pic>
+      <p:sp>
+        <p:nvSpPr>
+          <p:cNvPr id="25" name="Freeform 6">
+            <a:extLst>
+              <a:ext uri="{FF2B5EF4-FFF2-40B4-BE49-F238E27FC236}">
+                <a16:creationId xmlns:a16="http://schemas.microsoft.com/office/drawing/2014/main" id="{325322DD-3792-4947-A96A-1B6D9D786960}"/>
+              </a:ext>
+              <a:ext uri="{C183D7F6-B498-43B3-948B-1728B52AA6E4}">
+                <adec:decorative xmlns:adec="http://schemas.microsoft.com/office/drawing/2017/decorative" val="1"/>
+              </a:ext>
+            </a:extLst>
+          </p:cNvPr>
+          <p:cNvSpPr>
+            <a:spLocks noGrp="1" noRot="1" noChangeAspect="1" noMove="1" noResize="1" noEditPoints="1" noAdjustHandles="1" noChangeArrowheads="1" noChangeShapeType="1" noTextEdit="1"/>
+          </p:cNvSpPr>
+          <p:nvPr>
+            <p:extLst>
+              <p:ext uri="{386F3935-93C4-4BCD-93E2-E3B085C9AB24}">
+                <p16:designElem xmlns:p16="http://schemas.microsoft.com/office/powerpoint/2015/main" val="1"/>
+              </p:ext>
+            </p:extLst>
+          </p:nvPr>
+        </p:nvSpPr>
+        <p:spPr bwMode="auto">
+          <a:xfrm flipH="1" flipV="1">
+            <a:off x="7983434" y="640080"/>
+            <a:ext cx="2296028" cy="3674981"/>
+          </a:xfrm>
+          <a:custGeom>
+            <a:avLst/>
+            <a:gdLst/>
+            <a:ahLst/>
+            <a:cxnLst/>
+            <a:rect l="l" t="t" r="r" b="b"/>
+            <a:pathLst>
+              <a:path w="10002" h="10000">
+                <a:moveTo>
+                  <a:pt x="8763" y="0"/>
+                </a:moveTo>
+                <a:lnTo>
+                  <a:pt x="10002" y="0"/>
+                </a:lnTo>
+                <a:lnTo>
+                  <a:pt x="10002" y="10000"/>
+                </a:lnTo>
+                <a:lnTo>
+                  <a:pt x="2" y="10000"/>
+                </a:lnTo>
+                <a:cubicBezTo>
+                  <a:pt x="-2" y="9698"/>
+                  <a:pt x="4" y="9427"/>
+                  <a:pt x="0" y="9125"/>
+                </a:cubicBezTo>
+                <a:lnTo>
+                  <a:pt x="8763" y="9128"/>
+                </a:lnTo>
+                <a:lnTo>
+                  <a:pt x="8763" y="0"/>
+                </a:lnTo>
+                <a:close/>
+              </a:path>
+            </a:pathLst>
+          </a:custGeom>
+          <a:solidFill>
+            <a:schemeClr val="tx2"/>
+          </a:solidFill>
+          <a:ln w="0">
+            <a:noFill/>
+            <a:prstDash val="solid"/>
+            <a:round/>
+            <a:headEnd/>
+            <a:tailEnd/>
+          </a:ln>
+        </p:spPr>
+      </p:sp>
+      <p:sp>
+        <p:nvSpPr>
+          <p:cNvPr id="10" name="Title 9">
+            <a:extLst>
+              <a:ext uri="{FF2B5EF4-FFF2-40B4-BE49-F238E27FC236}">
+                <a16:creationId xmlns:a16="http://schemas.microsoft.com/office/drawing/2014/main" id="{84DF6F32-8F54-4C27-A85D-55B22A218BB4}"/>
+              </a:ext>
+            </a:extLst>
+          </p:cNvPr>
+          <p:cNvSpPr>
+            <a:spLocks noGrp="1"/>
+          </p:cNvSpPr>
+          <p:nvPr>
+            <p:ph type="ctrTitle"/>
+          </p:nvPr>
+        </p:nvSpPr>
+        <p:spPr>
+          <a:xfrm>
+            <a:off x="8569666" y="1314922"/>
+            <a:ext cx="3176246" cy="1442133"/>
+          </a:xfrm>
+        </p:spPr>
+        <p:txBody>
+          <a:bodyPr>
+            <a:normAutofit/>
+          </a:bodyPr>
+          <a:lstStyle/>
+          <a:p>
+            <a:pPr algn="l"/>
+            <a:r>
+              <a:rPr lang="en-US" sz="4800" dirty="0"/>
+              <a:t>Thank you!</a:t>
+            </a:r>
+          </a:p>
+        </p:txBody>
+      </p:sp>
+      <p:sp>
+        <p:nvSpPr>
+          <p:cNvPr id="16" name="Subtitle 15">
+            <a:extLst>
+              <a:ext uri="{FF2B5EF4-FFF2-40B4-BE49-F238E27FC236}">
+                <a16:creationId xmlns:a16="http://schemas.microsoft.com/office/drawing/2014/main" id="{9990A82A-A66F-4570-AA95-759C17DD2A50}"/>
+              </a:ext>
+            </a:extLst>
+          </p:cNvPr>
+          <p:cNvSpPr>
+            <a:spLocks noGrp="1"/>
+          </p:cNvSpPr>
+          <p:nvPr>
+            <p:ph type="subTitle" idx="1"/>
+          </p:nvPr>
+        </p:nvSpPr>
+        <p:spPr>
+          <a:xfrm>
+            <a:off x="8569666" y="2976208"/>
+            <a:ext cx="3176246" cy="1656413"/>
+          </a:xfrm>
+        </p:spPr>
+        <p:txBody>
+          <a:bodyPr>
+            <a:normAutofit/>
+          </a:bodyPr>
+          <a:lstStyle/>
+          <a:p>
+            <a:pPr algn="l">
+              <a:spcAft>
+                <a:spcPts val="600"/>
+              </a:spcAft>
+            </a:pPr>
+            <a:r>
+              <a:rPr lang="en-US" sz="1800" dirty="0">
+                <a:solidFill>
+                  <a:srgbClr val="EFEDE3"/>
+                </a:solidFill>
+              </a:rPr>
+              <a:t>Email: </a:t>
+            </a:r>
+            <a:r>
+              <a:rPr lang="en-US" sz="1800" dirty="0">
+                <a:solidFill>
+                  <a:srgbClr val="EFEDE3"/>
+                </a:solidFill>
+                <a:hlinkClick r:id="rId3"/>
+              </a:rPr>
+              <a:t>ndgigliotti@gmail.com</a:t>
+            </a:r>
+            <a:endParaRPr lang="en-US" sz="1800" dirty="0">
+              <a:solidFill>
+                <a:srgbClr val="EFEDE3"/>
+              </a:solidFill>
+            </a:endParaRPr>
+          </a:p>
+          <a:p>
+            <a:pPr algn="l">
+              <a:spcAft>
+                <a:spcPts val="600"/>
+              </a:spcAft>
+            </a:pPr>
+            <a:r>
+              <a:rPr lang="en-US" sz="1800" dirty="0">
+                <a:solidFill>
+                  <a:srgbClr val="EFEDE3"/>
+                </a:solidFill>
+              </a:rPr>
+              <a:t>GitHub: @ndgigliotti</a:t>
+            </a:r>
+          </a:p>
+        </p:txBody>
+      </p:sp>
+    </p:spTree>
+    <p:extLst>
+      <p:ext uri="{BB962C8B-B14F-4D97-AF65-F5344CB8AC3E}">
+        <p14:creationId xmlns:p14="http://schemas.microsoft.com/office/powerpoint/2010/main" val="1994315818"/>
+      </p:ext>
+    </p:extLst>
+  </p:cSld>
+  <p:clrMapOvr>
+    <a:overrideClrMapping bg1="dk1" tx1="lt1" bg2="dk2" tx2="lt2" accent1="accent1" accent2="accent2" accent3="accent3" accent4="accent4" accent5="accent5" accent6="accent6" hlink="hlink" folHlink="folHlink"/>
+  </p:clrMapOvr>
+</p:sld>
+</file>
+
 <file path=ppt/slides/slide2.xml><?xml version="1.0" encoding="utf-8"?>
+<p:sld xmlns:a="http://schemas.openxmlformats.org/drawingml/2006/main" xmlns:r="http://schemas.openxmlformats.org/officeDocument/2006/relationships" xmlns:p="http://schemas.openxmlformats.org/presentationml/2006/main">
+  <p:cSld>
+    <p:bg>
+      <p:bgPr>
+        <a:solidFill>
+          <a:schemeClr val="bg1"/>
+        </a:solidFill>
+        <a:effectLst/>
+      </p:bgPr>
+    </p:bg>
+    <p:spTree>
+      <p:nvGrpSpPr>
+        <p:cNvPr id="1" name=""/>
+        <p:cNvGrpSpPr/>
+        <p:nvPr/>
+      </p:nvGrpSpPr>
+      <p:grpSpPr>
+        <a:xfrm>
+          <a:off x="0" y="0"/>
+          <a:ext cx="0" cy="0"/>
+          <a:chOff x="0" y="0"/>
+          <a:chExt cx="0" cy="0"/>
+        </a:xfrm>
+      </p:grpSpPr>
+      <p:sp>
+        <p:nvSpPr>
+          <p:cNvPr id="2" name="Title 1">
+            <a:extLst>
+              <a:ext uri="{FF2B5EF4-FFF2-40B4-BE49-F238E27FC236}">
+                <a16:creationId xmlns:a16="http://schemas.microsoft.com/office/drawing/2014/main" id="{D81642EE-F560-469A-9936-1C4218B0DC09}"/>
+              </a:ext>
+            </a:extLst>
+          </p:cNvPr>
+          <p:cNvSpPr>
+            <a:spLocks noGrp="1"/>
+          </p:cNvSpPr>
+          <p:nvPr>
+            <p:ph type="title"/>
+          </p:nvPr>
+        </p:nvSpPr>
+        <p:spPr/>
+        <p:txBody>
+          <a:bodyPr/>
+          <a:lstStyle/>
+          <a:p>
+            <a:r>
+              <a:rPr lang="en-US" dirty="0"/>
+              <a:t>Overview</a:t>
+            </a:r>
+          </a:p>
+        </p:txBody>
+      </p:sp>
+      <p:sp>
+        <p:nvSpPr>
+          <p:cNvPr id="3" name="Content Placeholder 2">
+            <a:extLst>
+              <a:ext uri="{FF2B5EF4-FFF2-40B4-BE49-F238E27FC236}">
+                <a16:creationId xmlns:a16="http://schemas.microsoft.com/office/drawing/2014/main" id="{6F73AF58-7383-4B66-95CD-6A962E69A8A0}"/>
+              </a:ext>
+            </a:extLst>
+          </p:cNvPr>
+          <p:cNvSpPr>
+            <a:spLocks noGrp="1"/>
+          </p:cNvSpPr>
+          <p:nvPr>
+            <p:ph idx="1"/>
+          </p:nvPr>
+        </p:nvSpPr>
+        <p:spPr/>
+        <p:txBody>
+          <a:bodyPr>
+            <a:normAutofit fontScale="92500" lnSpcReduction="20000"/>
+          </a:bodyPr>
+          <a:lstStyle/>
+          <a:p>
+            <a:pPr marL="0" indent="0">
+              <a:buNone/>
+            </a:pPr>
+            <a:r>
+              <a:rPr lang="en-US" sz="2800" dirty="0"/>
+              <a:t>Descriptive analysis of movie genre profitability for Microsoft reveals the most profitable genres by two different measures.</a:t>
+            </a:r>
+          </a:p>
+          <a:p>
+            <a:r>
+              <a:rPr lang="en-US" sz="2800" dirty="0"/>
+              <a:t>Animation has the </a:t>
+            </a:r>
+            <a:r>
+              <a:rPr lang="en-US" sz="2800" b="1" dirty="0"/>
+              <a:t>best balance </a:t>
+            </a:r>
+            <a:r>
+              <a:rPr lang="en-US" sz="2800" dirty="0"/>
+              <a:t>of ROI and Revenue</a:t>
+            </a:r>
+          </a:p>
+          <a:p>
+            <a:r>
+              <a:rPr lang="en-US" sz="2800" dirty="0"/>
+              <a:t>Horror and mystery have the </a:t>
+            </a:r>
+            <a:r>
+              <a:rPr lang="en-US" sz="2800" b="1" dirty="0"/>
+              <a:t>best ROI</a:t>
+            </a:r>
+          </a:p>
+          <a:p>
+            <a:r>
+              <a:rPr lang="en-US" sz="2800" dirty="0"/>
+              <a:t>Adventure has the </a:t>
+            </a:r>
+            <a:r>
+              <a:rPr lang="en-US" sz="2800" b="1" dirty="0"/>
+              <a:t>best Revenue</a:t>
+            </a:r>
+          </a:p>
+          <a:p>
+            <a:endParaRPr lang="en-US" sz="2800" b="1" dirty="0"/>
+          </a:p>
+          <a:p>
+            <a:pPr marL="0" indent="0">
+              <a:buNone/>
+            </a:pPr>
+            <a:r>
+              <a:rPr lang="en-US" sz="2800" dirty="0"/>
+              <a:t>Additionally:</a:t>
+            </a:r>
+          </a:p>
+          <a:p>
+            <a:r>
+              <a:rPr lang="en-US" sz="2800" dirty="0"/>
+              <a:t>ROI was found to drop off for budgets of over $250M.</a:t>
+            </a:r>
+          </a:p>
+        </p:txBody>
+      </p:sp>
+    </p:spTree>
+    <p:extLst>
+      <p:ext uri="{BB962C8B-B14F-4D97-AF65-F5344CB8AC3E}">
+        <p14:creationId xmlns:p14="http://schemas.microsoft.com/office/powerpoint/2010/main" val="2237343092"/>
+      </p:ext>
+    </p:extLst>
+  </p:cSld>
+  <p:clrMapOvr>
+    <a:masterClrMapping/>
+  </p:clrMapOvr>
+</p:sld>
+</file>
+
+<file path=ppt/slides/slide3.xml><?xml version="1.0" encoding="utf-8"?>
+<p:sld xmlns:a="http://schemas.openxmlformats.org/drawingml/2006/main" xmlns:r="http://schemas.openxmlformats.org/officeDocument/2006/relationships" xmlns:p="http://schemas.openxmlformats.org/presentationml/2006/main">
+  <p:cSld>
+    <p:bg>
+      <p:bgPr>
+        <a:solidFill>
+          <a:schemeClr val="bg1"/>
+        </a:solidFill>
+        <a:effectLst/>
+      </p:bgPr>
+    </p:bg>
+    <p:spTree>
+      <p:nvGrpSpPr>
+        <p:cNvPr id="1" name=""/>
+        <p:cNvGrpSpPr/>
+        <p:nvPr/>
+      </p:nvGrpSpPr>
+      <p:grpSpPr>
+        <a:xfrm>
+          <a:off x="0" y="0"/>
+          <a:ext cx="0" cy="0"/>
+          <a:chOff x="0" y="0"/>
+          <a:chExt cx="0" cy="0"/>
+        </a:xfrm>
+      </p:grpSpPr>
+      <p:pic>
+        <p:nvPicPr>
+          <p:cNvPr id="2050" name="Picture 2">
+            <a:extLst>
+              <a:ext uri="{FF2B5EF4-FFF2-40B4-BE49-F238E27FC236}">
+                <a16:creationId xmlns:a16="http://schemas.microsoft.com/office/drawing/2014/main" id="{A9AAD0D9-3346-4F42-895B-A765A24AFCBE}"/>
+              </a:ext>
+            </a:extLst>
+          </p:cNvPr>
+          <p:cNvPicPr>
+            <a:picLocks noChangeArrowheads="1"/>
+          </p:cNvPicPr>
+          <p:nvPr/>
+        </p:nvPicPr>
+        <p:blipFill rotWithShape="1">
+          <a:blip r:embed="rId2">
+            <a:extLst>
+              <a:ext uri="{28A0092B-C50C-407E-A947-70E740481C1C}">
+                <a14:useLocalDpi xmlns:a14="http://schemas.microsoft.com/office/drawing/2010/main" val="0"/>
+              </a:ext>
+            </a:extLst>
+          </a:blip>
+          <a:srcRect l="31888" r="34230"/>
+          <a:stretch/>
+        </p:blipFill>
+        <p:spPr bwMode="auto">
+          <a:xfrm>
+            <a:off x="8472196" y="3717703"/>
+            <a:ext cx="2871772" cy="1380496"/>
+          </a:xfrm>
+          <a:prstGeom prst="rect">
+            <a:avLst/>
+          </a:prstGeom>
+          <a:noFill/>
+          <a:ln w="57150">
+            <a:solidFill>
+              <a:schemeClr val="tx1"/>
+            </a:solidFill>
+          </a:ln>
+          <a:effectLst/>
+          <a:extLst>
+            <a:ext uri="{909E8E84-426E-40DD-AFC4-6F175D3DCCD1}">
+              <a14:hiddenFill xmlns:a14="http://schemas.microsoft.com/office/drawing/2010/main">
+                <a:solidFill>
+                  <a:srgbClr val="FFFFFF"/>
+                </a:solidFill>
+              </a14:hiddenFill>
+            </a:ext>
+          </a:extLst>
+        </p:spPr>
+      </p:pic>
+      <p:pic>
+        <p:nvPicPr>
+          <p:cNvPr id="2052" name="Picture 4">
+            <a:extLst>
+              <a:ext uri="{FF2B5EF4-FFF2-40B4-BE49-F238E27FC236}">
+                <a16:creationId xmlns:a16="http://schemas.microsoft.com/office/drawing/2014/main" id="{5C7C2D4C-DF84-49E9-B214-293DB50E966D}"/>
+              </a:ext>
+            </a:extLst>
+          </p:cNvPr>
+          <p:cNvPicPr>
+            <a:picLocks noChangeAspect="1" noChangeArrowheads="1"/>
+          </p:cNvPicPr>
+          <p:nvPr/>
+        </p:nvPicPr>
+        <p:blipFill>
+          <a:blip r:embed="rId3">
+            <a:extLst>
+              <a:ext uri="{28A0092B-C50C-407E-A947-70E740481C1C}">
+                <a14:useLocalDpi xmlns:a14="http://schemas.microsoft.com/office/drawing/2010/main" val="0"/>
+              </a:ext>
+            </a:extLst>
+          </a:blip>
+          <a:srcRect/>
+          <a:stretch>
+            <a:fillRect/>
+          </a:stretch>
+        </p:blipFill>
+        <p:spPr bwMode="auto">
+          <a:xfrm>
+            <a:off x="6893041" y="2048505"/>
+            <a:ext cx="2867784" cy="1380495"/>
+          </a:xfrm>
+          <a:prstGeom prst="rect">
+            <a:avLst/>
+          </a:prstGeom>
+          <a:noFill/>
+          <a:effectLst/>
+          <a:extLst>
+            <a:ext uri="{909E8E84-426E-40DD-AFC4-6F175D3DCCD1}">
+              <a14:hiddenFill xmlns:a14="http://schemas.microsoft.com/office/drawing/2010/main">
+                <a:solidFill>
+                  <a:srgbClr val="FFFFFF"/>
+                </a:solidFill>
+              </a14:hiddenFill>
+            </a:ext>
+          </a:extLst>
+        </p:spPr>
+      </p:pic>
+      <p:sp>
+        <p:nvSpPr>
+          <p:cNvPr id="2" name="Title 1">
+            <a:extLst>
+              <a:ext uri="{FF2B5EF4-FFF2-40B4-BE49-F238E27FC236}">
+                <a16:creationId xmlns:a16="http://schemas.microsoft.com/office/drawing/2014/main" id="{69A60AFE-1E23-437C-AEAF-3D04E774465A}"/>
+              </a:ext>
+            </a:extLst>
+          </p:cNvPr>
+          <p:cNvSpPr>
+            <a:spLocks noGrp="1"/>
+          </p:cNvSpPr>
+          <p:nvPr>
+            <p:ph type="title"/>
+          </p:nvPr>
+        </p:nvSpPr>
+        <p:spPr/>
+        <p:txBody>
+          <a:bodyPr/>
+          <a:lstStyle/>
+          <a:p>
+            <a:r>
+              <a:rPr lang="en-US" dirty="0"/>
+              <a:t>Data and Methods</a:t>
+            </a:r>
+          </a:p>
+        </p:txBody>
+      </p:sp>
+      <p:sp>
+        <p:nvSpPr>
+          <p:cNvPr id="3" name="Content Placeholder 2">
+            <a:extLst>
+              <a:ext uri="{FF2B5EF4-FFF2-40B4-BE49-F238E27FC236}">
+                <a16:creationId xmlns:a16="http://schemas.microsoft.com/office/drawing/2014/main" id="{436C1774-626E-46F3-B6EA-73CE0A59B4BD}"/>
+              </a:ext>
+            </a:extLst>
+          </p:cNvPr>
+          <p:cNvSpPr>
+            <a:spLocks noGrp="1"/>
+          </p:cNvSpPr>
+          <p:nvPr>
+            <p:ph idx="1"/>
+          </p:nvPr>
+        </p:nvSpPr>
+        <p:spPr>
+          <a:xfrm>
+            <a:off x="1371600" y="2171700"/>
+            <a:ext cx="6276975" cy="4000500"/>
+          </a:xfrm>
+        </p:spPr>
+        <p:txBody>
+          <a:bodyPr>
+            <a:normAutofit/>
+          </a:bodyPr>
+          <a:lstStyle/>
+          <a:p>
+            <a:r>
+              <a:rPr lang="en-US" sz="1600" dirty="0"/>
+              <a:t>Data sources</a:t>
+            </a:r>
+          </a:p>
+          <a:p>
+            <a:pPr lvl="1"/>
+            <a:r>
+              <a:rPr lang="en-US" sz="1600" i="0" dirty="0"/>
+              <a:t>Internet Movie Database: </a:t>
+            </a:r>
+            <a:r>
+              <a:rPr lang="en-US" sz="1600" b="1" i="0" dirty="0"/>
+              <a:t>Genre</a:t>
+            </a:r>
+          </a:p>
+          <a:p>
+            <a:pPr lvl="1"/>
+            <a:r>
+              <a:rPr lang="en-US" sz="1600" i="0" dirty="0"/>
+              <a:t>The Numbers: </a:t>
+            </a:r>
+            <a:r>
+              <a:rPr lang="en-US" sz="1600" b="1" i="0" dirty="0"/>
+              <a:t>Finance</a:t>
+            </a:r>
+          </a:p>
+          <a:p>
+            <a:r>
+              <a:rPr lang="en-US" sz="1600" dirty="0"/>
+              <a:t>Time period: </a:t>
+            </a:r>
+            <a:r>
+              <a:rPr lang="en-US" sz="1600" i="0" dirty="0"/>
+              <a:t>2010 – 2019</a:t>
+            </a:r>
+          </a:p>
+          <a:p>
+            <a:r>
+              <a:rPr lang="en-US" sz="1600" dirty="0"/>
+              <a:t>Pearson Correlation</a:t>
+            </a:r>
+          </a:p>
+          <a:p>
+            <a:pPr lvl="1"/>
+            <a:r>
+              <a:rPr lang="en-US" sz="1600" i="0" dirty="0"/>
+              <a:t>Used to measure the relationship between genre variables and financial variables</a:t>
+            </a:r>
+          </a:p>
+          <a:p>
+            <a:pPr lvl="1"/>
+            <a:r>
+              <a:rPr lang="en-US" sz="1600" i="0" dirty="0"/>
+              <a:t>Measures the degree of linearity</a:t>
+            </a:r>
+          </a:p>
+          <a:p>
+            <a:pPr lvl="1"/>
+            <a:r>
+              <a:rPr lang="en-US" sz="1600" b="1" i="0" dirty="0"/>
+              <a:t>Factors in both presence and absence of genre variable</a:t>
+            </a:r>
+          </a:p>
+          <a:p>
+            <a:pPr lvl="2"/>
+            <a:r>
+              <a:rPr lang="en-US" sz="1400" i="0" dirty="0"/>
+              <a:t>E.g. if non-Crime movies make more profit than Crime movies, Crime will have a negative correlation with profit</a:t>
+            </a:r>
+          </a:p>
+          <a:p>
+            <a:pPr lvl="1"/>
+            <a:endParaRPr lang="en-US" sz="1600" i="0" dirty="0"/>
+          </a:p>
+          <a:p>
+            <a:pPr lvl="1"/>
+            <a:endParaRPr lang="en-US" sz="1600" b="1" dirty="0"/>
+          </a:p>
+        </p:txBody>
+      </p:sp>
+      <p:pic>
+        <p:nvPicPr>
+          <p:cNvPr id="5" name="Picture 4" descr="Logo&#10;&#10;Description automatically generated">
+            <a:extLst>
+              <a:ext uri="{FF2B5EF4-FFF2-40B4-BE49-F238E27FC236}">
+                <a16:creationId xmlns:a16="http://schemas.microsoft.com/office/drawing/2014/main" id="{943EB2F9-76EE-4061-B02A-14933BE33954}"/>
+              </a:ext>
+            </a:extLst>
+          </p:cNvPr>
+          <p:cNvPicPr>
+            <a:picLocks noChangeAspect="1"/>
+          </p:cNvPicPr>
+          <p:nvPr/>
+        </p:nvPicPr>
+        <p:blipFill>
+          <a:blip r:embed="rId4"/>
+          <a:stretch>
+            <a:fillRect/>
+          </a:stretch>
+        </p:blipFill>
+        <p:spPr>
+          <a:xfrm>
+            <a:off x="10219508" y="2048505"/>
+            <a:ext cx="1124460" cy="1249919"/>
+          </a:xfrm>
+          <a:prstGeom prst="rect">
+            <a:avLst/>
+          </a:prstGeom>
+        </p:spPr>
+      </p:pic>
+    </p:spTree>
+    <p:extLst>
+      <p:ext uri="{BB962C8B-B14F-4D97-AF65-F5344CB8AC3E}">
+        <p14:creationId xmlns:p14="http://schemas.microsoft.com/office/powerpoint/2010/main" val="1865636265"/>
+      </p:ext>
+    </p:extLst>
+  </p:cSld>
+  <p:clrMapOvr>
+    <a:masterClrMapping/>
+  </p:clrMapOvr>
+  <mc:AlternateContent xmlns:mc="http://schemas.openxmlformats.org/markup-compatibility/2006" xmlns:p14="http://schemas.microsoft.com/office/powerpoint/2010/main">
+    <mc:Choice Requires="p14">
+      <p:transition spd="slow" p14:dur="2000" advTm="30657"/>
+    </mc:Choice>
+    <mc:Fallback xmlns="">
+      <p:transition spd="slow" advTm="30657"/>
+    </mc:Fallback>
+  </mc:AlternateContent>
+</p:sld>
+</file>
+
+<file path=ppt/slides/slide4.xml><?xml version="1.0" encoding="utf-8"?>
 <p:sld xmlns:a="http://schemas.openxmlformats.org/drawingml/2006/main" xmlns:r="http://schemas.openxmlformats.org/officeDocument/2006/relationships" xmlns:p="http://schemas.openxmlformats.org/presentationml/2006/main">
   <p:cSld>
     <p:bg>
@@ -7396,194 +5673,18 @@
   <p:clrMapOvr>
     <a:overrideClrMapping bg1="dk1" tx1="lt1" bg2="dk2" tx2="lt2" accent1="accent1" accent2="accent2" accent3="accent3" accent4="accent4" accent5="accent5" accent6="accent6" hlink="hlink" folHlink="folHlink"/>
   </p:clrMapOvr>
-  <mc:AlternateContent xmlns:mc="http://schemas.openxmlformats.org/markup-compatibility/2006">
-    <mc:Choice xmlns:p14="http://schemas.microsoft.com/office/powerpoint/2010/main" Requires="p14">
+  <mc:AlternateContent xmlns:mc="http://schemas.openxmlformats.org/markup-compatibility/2006" xmlns:p14="http://schemas.microsoft.com/office/powerpoint/2010/main">
+    <mc:Choice Requires="p14">
       <p:transition spd="slow" p14:dur="2000" advTm="25918"/>
     </mc:Choice>
-    <mc:Fallback>
+    <mc:Fallback xmlns="">
       <p:transition spd="slow" advTm="25918"/>
     </mc:Fallback>
   </mc:AlternateContent>
 </p:sld>
 </file>
 
-<file path=ppt/slides/slide3.xml><?xml version="1.0" encoding="utf-8"?>
-<p:sld xmlns:a="http://schemas.openxmlformats.org/drawingml/2006/main" xmlns:r="http://schemas.openxmlformats.org/officeDocument/2006/relationships" xmlns:p="http://schemas.openxmlformats.org/presentationml/2006/main">
-  <p:cSld>
-    <p:bg>
-      <p:bgPr>
-        <a:solidFill>
-          <a:schemeClr val="tx1"/>
-        </a:solidFill>
-        <a:effectLst/>
-      </p:bgPr>
-    </p:bg>
-    <p:spTree>
-      <p:nvGrpSpPr>
-        <p:cNvPr id="1" name=""/>
-        <p:cNvGrpSpPr/>
-        <p:nvPr/>
-      </p:nvGrpSpPr>
-      <p:grpSpPr>
-        <a:xfrm>
-          <a:off x="0" y="0"/>
-          <a:ext cx="0" cy="0"/>
-          <a:chOff x="0" y="0"/>
-          <a:chExt cx="0" cy="0"/>
-        </a:xfrm>
-      </p:grpSpPr>
-      <p:sp useBgFill="1">
-        <p:nvSpPr>
-          <p:cNvPr id="20" name="Rectangle 19">
-            <a:extLst>
-              <a:ext uri="{FF2B5EF4-FFF2-40B4-BE49-F238E27FC236}">
-                <a16:creationId xmlns:a16="http://schemas.microsoft.com/office/drawing/2014/main" id="{1E1665A6-74DB-4F44-A6EF-F01205E8718B}"/>
-              </a:ext>
-              <a:ext uri="{C183D7F6-B498-43B3-948B-1728B52AA6E4}">
-                <adec:decorative xmlns:adec="http://schemas.microsoft.com/office/drawing/2017/decorative" val="1"/>
-              </a:ext>
-            </a:extLst>
-          </p:cNvPr>
-          <p:cNvSpPr>
-            <a:spLocks noGrp="1" noRot="1" noChangeAspect="1" noMove="1" noResize="1" noEditPoints="1" noAdjustHandles="1" noChangeArrowheads="1" noChangeShapeType="1" noTextEdit="1"/>
-          </p:cNvSpPr>
-          <p:nvPr>
-            <p:extLst>
-              <p:ext uri="{386F3935-93C4-4BCD-93E2-E3B085C9AB24}">
-                <p16:designElem xmlns:p16="http://schemas.microsoft.com/office/powerpoint/2015/main" val="1"/>
-              </p:ext>
-            </p:extLst>
-          </p:nvPr>
-        </p:nvSpPr>
-        <p:spPr>
-          <a:xfrm>
-            <a:off x="0" y="0"/>
-            <a:ext cx="12192000" cy="6858000"/>
-          </a:xfrm>
-          <a:prstGeom prst="rect">
-            <a:avLst/>
-          </a:prstGeom>
-          <a:ln>
-            <a:noFill/>
-          </a:ln>
-        </p:spPr>
-        <p:style>
-          <a:lnRef idx="2">
-            <a:schemeClr val="accent1">
-              <a:shade val="50000"/>
-            </a:schemeClr>
-          </a:lnRef>
-          <a:fillRef idx="1001">
-            <a:schemeClr val="lt2"/>
-          </a:fillRef>
-          <a:effectRef idx="0">
-            <a:schemeClr val="accent1"/>
-          </a:effectRef>
-          <a:fontRef idx="minor">
-            <a:schemeClr val="lt1"/>
-          </a:fontRef>
-        </p:style>
-        <p:txBody>
-          <a:bodyPr rtlCol="0" anchor="ctr"/>
-          <a:lstStyle/>
-          <a:p>
-            <a:pPr algn="ctr"/>
-            <a:endParaRPr lang="en-US"/>
-          </a:p>
-        </p:txBody>
-      </p:sp>
-      <p:graphicFrame>
-        <p:nvGraphicFramePr>
-          <p:cNvPr id="15" name="Content Placeholder 2">
-            <a:extLst>
-              <a:ext uri="{FF2B5EF4-FFF2-40B4-BE49-F238E27FC236}">
-                <a16:creationId xmlns:a16="http://schemas.microsoft.com/office/drawing/2014/main" id="{E3E5EC04-8A6D-4B2E-800A-81C179AC567C}"/>
-              </a:ext>
-            </a:extLst>
-          </p:cNvPr>
-          <p:cNvGraphicFramePr>
-            <a:graphicFrameLocks noGrp="1"/>
-          </p:cNvGraphicFramePr>
-          <p:nvPr>
-            <p:ph idx="1"/>
-            <p:extLst>
-              <p:ext uri="{D42A27DB-BD31-4B8C-83A1-F6EECF244321}">
-                <p14:modId xmlns:p14="http://schemas.microsoft.com/office/powerpoint/2010/main" val="502863276"/>
-              </p:ext>
-            </p:extLst>
-          </p:nvPr>
-        </p:nvGraphicFramePr>
-        <p:xfrm>
-          <a:off x="2031246" y="2310015"/>
-          <a:ext cx="8129508" cy="2927293"/>
-        </p:xfrm>
-        <a:graphic>
-          <a:graphicData uri="http://schemas.openxmlformats.org/drawingml/2006/diagram">
-            <dgm:relIds xmlns:dgm="http://schemas.openxmlformats.org/drawingml/2006/diagram" xmlns:r="http://schemas.openxmlformats.org/officeDocument/2006/relationships" r:dm="rId2" r:lo="rId3" r:qs="rId4" r:cs="rId5"/>
-          </a:graphicData>
-        </a:graphic>
-      </p:graphicFrame>
-      <p:sp>
-        <p:nvSpPr>
-          <p:cNvPr id="3" name="TextBox 2">
-            <a:extLst>
-              <a:ext uri="{FF2B5EF4-FFF2-40B4-BE49-F238E27FC236}">
-                <a16:creationId xmlns:a16="http://schemas.microsoft.com/office/drawing/2014/main" id="{52FFCB24-4974-4962-971E-A68651A5B5A7}"/>
-              </a:ext>
-            </a:extLst>
-          </p:cNvPr>
-          <p:cNvSpPr txBox="1"/>
-          <p:nvPr/>
-        </p:nvSpPr>
-        <p:spPr>
-          <a:xfrm>
-            <a:off x="1246910" y="778781"/>
-            <a:ext cx="5445438" cy="769441"/>
-          </a:xfrm>
-          <a:prstGeom prst="rect">
-            <a:avLst/>
-          </a:prstGeom>
-          <a:noFill/>
-        </p:spPr>
-        <p:txBody>
-          <a:bodyPr wrap="square" rtlCol="0">
-            <a:spAutoFit/>
-          </a:bodyPr>
-          <a:lstStyle/>
-          <a:p>
-            <a:r>
-              <a:rPr lang="en-US" sz="4400" dirty="0">
-                <a:solidFill>
-                  <a:schemeClr val="bg1"/>
-                </a:solidFill>
-              </a:rPr>
-              <a:t>Research Questions</a:t>
-            </a:r>
-          </a:p>
-        </p:txBody>
-      </p:sp>
-    </p:spTree>
-    <p:extLst>
-      <p:ext uri="{BB962C8B-B14F-4D97-AF65-F5344CB8AC3E}">
-        <p14:creationId xmlns:p14="http://schemas.microsoft.com/office/powerpoint/2010/main" val="876338847"/>
-      </p:ext>
-    </p:extLst>
-  </p:cSld>
-  <p:clrMapOvr>
-    <a:masterClrMapping/>
-  </p:clrMapOvr>
-  <mc:AlternateContent xmlns:mc="http://schemas.openxmlformats.org/markup-compatibility/2006">
-    <mc:Choice xmlns:p14="http://schemas.microsoft.com/office/powerpoint/2010/main" Requires="p14">
-      <p:transition spd="slow" p14:dur="2000" advTm="22979"/>
-    </mc:Choice>
-    <mc:Fallback>
-      <p:transition spd="slow" advTm="22979"/>
-    </mc:Fallback>
-  </mc:AlternateContent>
-</p:sld>
-</file>
-
-<file path=ppt/slides/slide4.xml><?xml version="1.0" encoding="utf-8"?>
+<file path=ppt/slides/slide5.xml><?xml version="1.0" encoding="utf-8"?>
 <p:sld xmlns:a="http://schemas.openxmlformats.org/drawingml/2006/main" xmlns:r="http://schemas.openxmlformats.org/officeDocument/2006/relationships" xmlns:p="http://schemas.openxmlformats.org/presentationml/2006/main">
   <p:cSld>
     <p:bg>
@@ -7608,255 +5709,69 @@
           <a:chExt cx="0" cy="0"/>
         </a:xfrm>
       </p:grpSpPr>
+      <p:sp>
+        <p:nvSpPr>
+          <p:cNvPr id="2" name="Title 1">
+            <a:extLst>
+              <a:ext uri="{FF2B5EF4-FFF2-40B4-BE49-F238E27FC236}">
+                <a16:creationId xmlns:a16="http://schemas.microsoft.com/office/drawing/2014/main" id="{FFC7DBD2-7662-43A4-A0F8-B4A9A932DC20}"/>
+              </a:ext>
+            </a:extLst>
+          </p:cNvPr>
+          <p:cNvSpPr>
+            <a:spLocks noGrp="1"/>
+          </p:cNvSpPr>
+          <p:nvPr>
+            <p:ph type="title"/>
+          </p:nvPr>
+        </p:nvSpPr>
+        <p:spPr/>
+        <p:txBody>
+          <a:bodyPr/>
+          <a:lstStyle/>
+          <a:p>
+            <a:r>
+              <a:rPr lang="en-US" dirty="0"/>
+              <a:t>ROI vs. Profit</a:t>
+            </a:r>
+          </a:p>
+        </p:txBody>
+      </p:sp>
       <p:pic>
         <p:nvPicPr>
-          <p:cNvPr id="2050" name="Picture 2">
+          <p:cNvPr id="74" name="Content Placeholder 73">
             <a:extLst>
               <a:ext uri="{FF2B5EF4-FFF2-40B4-BE49-F238E27FC236}">
-                <a16:creationId xmlns:a16="http://schemas.microsoft.com/office/drawing/2014/main" id="{A9AAD0D9-3346-4F42-895B-A765A24AFCBE}"/>
+                <a16:creationId xmlns:a16="http://schemas.microsoft.com/office/drawing/2014/main" id="{C4136F2B-CDAB-402C-AEDD-62AA8CB6E06E}"/>
               </a:ext>
             </a:extLst>
           </p:cNvPr>
           <p:cNvPicPr>
-            <a:picLocks noChangeArrowheads="1"/>
+            <a:picLocks noGrp="1" noChangeAspect="1"/>
           </p:cNvPicPr>
-          <p:nvPr/>
+          <p:nvPr>
+            <p:ph idx="1"/>
+          </p:nvPr>
         </p:nvPicPr>
-        <p:blipFill rotWithShape="1">
+        <p:blipFill>
           <a:blip r:embed="rId2">
             <a:extLst>
-              <a:ext uri="{28A0092B-C50C-407E-A947-70E740481C1C}">
-                <a14:useLocalDpi xmlns:a14="http://schemas.microsoft.com/office/drawing/2010/main" val="0"/>
+              <a:ext uri="{96DAC541-7B7A-43D3-8B79-37D633B846F1}">
+                <asvg:svgBlip xmlns:asvg="http://schemas.microsoft.com/office/drawing/2016/SVG/main" r:embed="rId3"/>
               </a:ext>
             </a:extLst>
           </a:blip>
-          <a:srcRect l="31888" r="34230"/>
-          <a:stretch/>
-        </p:blipFill>
-        <p:spPr bwMode="auto">
-          <a:xfrm>
-            <a:off x="7590636" y="3783017"/>
-            <a:ext cx="3081528" cy="1481328"/>
-          </a:xfrm>
-          <a:prstGeom prst="rect">
-            <a:avLst/>
-          </a:prstGeom>
-          <a:noFill/>
-          <a:effectLst/>
-          <a:extLst>
-            <a:ext uri="{909E8E84-426E-40DD-AFC4-6F175D3DCCD1}">
-              <a14:hiddenFill xmlns:a14="http://schemas.microsoft.com/office/drawing/2010/main">
-                <a:solidFill>
-                  <a:srgbClr val="FFFFFF"/>
-                </a:solidFill>
-              </a14:hiddenFill>
-            </a:ext>
-          </a:extLst>
-        </p:spPr>
-      </p:pic>
-      <p:pic>
-        <p:nvPicPr>
-          <p:cNvPr id="2052" name="Picture 4">
-            <a:extLst>
-              <a:ext uri="{FF2B5EF4-FFF2-40B4-BE49-F238E27FC236}">
-                <a16:creationId xmlns:a16="http://schemas.microsoft.com/office/drawing/2014/main" id="{5C7C2D4C-DF84-49E9-B214-293DB50E966D}"/>
-              </a:ext>
-            </a:extLst>
-          </p:cNvPr>
-          <p:cNvPicPr>
-            <a:picLocks noChangeAspect="1" noChangeArrowheads="1"/>
-          </p:cNvPicPr>
-          <p:nvPr/>
-        </p:nvPicPr>
-        <p:blipFill>
-          <a:blip r:embed="rId3">
-            <a:extLst>
-              <a:ext uri="{28A0092B-C50C-407E-A947-70E740481C1C}">
-                <a14:useLocalDpi xmlns:a14="http://schemas.microsoft.com/office/drawing/2010/main" val="0"/>
-              </a:ext>
-            </a:extLst>
-          </a:blip>
-          <a:srcRect/>
           <a:stretch>
             <a:fillRect/>
           </a:stretch>
         </p:blipFill>
-        <p:spPr bwMode="auto">
-          <a:xfrm>
-            <a:off x="7590636" y="1809402"/>
-            <a:ext cx="3084589" cy="1484861"/>
-          </a:xfrm>
-          <a:prstGeom prst="rect">
-            <a:avLst/>
-          </a:prstGeom>
-          <a:noFill/>
-          <a:effectLst/>
-          <a:extLst>
-            <a:ext uri="{909E8E84-426E-40DD-AFC4-6F175D3DCCD1}">
-              <a14:hiddenFill xmlns:a14="http://schemas.microsoft.com/office/drawing/2010/main">
-                <a:solidFill>
-                  <a:srgbClr val="FFFFFF"/>
-                </a:solidFill>
-              </a14:hiddenFill>
-            </a:ext>
-          </a:extLst>
+        <p:spPr>
+          <a:xfrm>
+            <a:off x="1371600" y="1645920"/>
+            <a:ext cx="4005268" cy="4526280"/>
+          </a:xfrm>
         </p:spPr>
       </p:pic>
-      <p:sp>
-        <p:nvSpPr>
-          <p:cNvPr id="2" name="Title 1">
-            <a:extLst>
-              <a:ext uri="{FF2B5EF4-FFF2-40B4-BE49-F238E27FC236}">
-                <a16:creationId xmlns:a16="http://schemas.microsoft.com/office/drawing/2014/main" id="{69A60AFE-1E23-437C-AEAF-3D04E774465A}"/>
-              </a:ext>
-            </a:extLst>
-          </p:cNvPr>
-          <p:cNvSpPr>
-            <a:spLocks noGrp="1"/>
-          </p:cNvSpPr>
-          <p:nvPr>
-            <p:ph type="title"/>
-          </p:nvPr>
-        </p:nvSpPr>
-        <p:spPr/>
-        <p:txBody>
-          <a:bodyPr/>
-          <a:lstStyle/>
-          <a:p>
-            <a:r>
-              <a:rPr lang="en-US" dirty="0"/>
-              <a:t>Data Sources</a:t>
-            </a:r>
-          </a:p>
-        </p:txBody>
-      </p:sp>
-      <p:sp>
-        <p:nvSpPr>
-          <p:cNvPr id="3" name="Content Placeholder 2">
-            <a:extLst>
-              <a:ext uri="{FF2B5EF4-FFF2-40B4-BE49-F238E27FC236}">
-                <a16:creationId xmlns:a16="http://schemas.microsoft.com/office/drawing/2014/main" id="{436C1774-626E-46F3-B6EA-73CE0A59B4BD}"/>
-              </a:ext>
-            </a:extLst>
-          </p:cNvPr>
-          <p:cNvSpPr>
-            <a:spLocks noGrp="1"/>
-          </p:cNvSpPr>
-          <p:nvPr>
-            <p:ph idx="1"/>
-          </p:nvPr>
-        </p:nvSpPr>
-        <p:spPr>
-          <a:xfrm>
-            <a:off x="1371600" y="2171700"/>
-            <a:ext cx="9601200" cy="3581400"/>
-          </a:xfrm>
-        </p:spPr>
-        <p:txBody>
-          <a:bodyPr/>
-          <a:lstStyle/>
-          <a:p>
-            <a:r>
-              <a:rPr lang="en-US" dirty="0"/>
-              <a:t>Internet Movie Database</a:t>
-            </a:r>
-          </a:p>
-          <a:p>
-            <a:pPr lvl="1"/>
-            <a:r>
-              <a:rPr lang="en-US" dirty="0"/>
-              <a:t>Large database</a:t>
-            </a:r>
-          </a:p>
-          <a:p>
-            <a:pPr lvl="1"/>
-            <a:r>
-              <a:rPr lang="en-US" b="1" dirty="0"/>
-              <a:t>Has genre information</a:t>
-            </a:r>
-          </a:p>
-          <a:p>
-            <a:pPr lvl="1"/>
-            <a:r>
-              <a:rPr lang="en-US" dirty="0"/>
-              <a:t>Subsidiary of Amazon</a:t>
-            </a:r>
-          </a:p>
-          <a:p>
-            <a:r>
-              <a:rPr lang="en-US" dirty="0"/>
-              <a:t>The Numbers</a:t>
-            </a:r>
-          </a:p>
-          <a:p>
-            <a:pPr lvl="1"/>
-            <a:r>
-              <a:rPr lang="en-US" dirty="0"/>
-              <a:t>Smaller data collection</a:t>
-            </a:r>
-          </a:p>
-          <a:p>
-            <a:pPr lvl="1"/>
-            <a:r>
-              <a:rPr lang="en-US" b="1" dirty="0"/>
-              <a:t>Has financial data</a:t>
-            </a:r>
-          </a:p>
-          <a:p>
-            <a:pPr lvl="1"/>
-            <a:r>
-              <a:rPr lang="en-US" dirty="0"/>
-              <a:t>Owned by Nash Information Services</a:t>
-            </a:r>
-          </a:p>
-        </p:txBody>
-      </p:sp>
-    </p:spTree>
-    <p:extLst>
-      <p:ext uri="{BB962C8B-B14F-4D97-AF65-F5344CB8AC3E}">
-        <p14:creationId xmlns:p14="http://schemas.microsoft.com/office/powerpoint/2010/main" val="1865636265"/>
-      </p:ext>
-    </p:extLst>
-  </p:cSld>
-  <p:clrMapOvr>
-    <a:masterClrMapping/>
-  </p:clrMapOvr>
-  <mc:AlternateContent xmlns:mc="http://schemas.openxmlformats.org/markup-compatibility/2006">
-    <mc:Choice xmlns:p14="http://schemas.microsoft.com/office/powerpoint/2010/main" Requires="p14">
-      <p:transition spd="slow" p14:dur="2000" advTm="30657"/>
-    </mc:Choice>
-    <mc:Fallback>
-      <p:transition spd="slow" advTm="30657"/>
-    </mc:Fallback>
-  </mc:AlternateContent>
-</p:sld>
-</file>
-
-<file path=ppt/slides/slide5.xml><?xml version="1.0" encoding="utf-8"?>
-<p:sld xmlns:a="http://schemas.openxmlformats.org/drawingml/2006/main" xmlns:r="http://schemas.openxmlformats.org/officeDocument/2006/relationships" xmlns:p="http://schemas.openxmlformats.org/presentationml/2006/main" showMasterSp="0">
-  <p:cSld>
-    <p:bg>
-      <p:bgPr>
-        <a:solidFill>
-          <a:schemeClr val="bg1"/>
-        </a:solidFill>
-        <a:effectLst/>
-      </p:bgPr>
-    </p:bg>
-    <p:spTree>
-      <p:nvGrpSpPr>
-        <p:cNvPr id="1" name=""/>
-        <p:cNvGrpSpPr/>
-        <p:nvPr/>
-      </p:nvGrpSpPr>
-      <p:grpSpPr>
-        <a:xfrm>
-          <a:off x="0" y="0"/>
-          <a:ext cx="0" cy="0"/>
-          <a:chOff x="0" y="0"/>
-          <a:chExt cx="0" cy="0"/>
-        </a:xfrm>
-      </p:grpSpPr>
       <p:pic>
         <p:nvPicPr>
           <p:cNvPr id="80" name="Content Placeholder 79">
@@ -7870,14 +5785,14 @@
             <a:picLocks noGrp="1" noChangeAspect="1"/>
           </p:cNvPicPr>
           <p:nvPr>
-            <p:ph sz="half" idx="2"/>
+            <p:ph sz="half" idx="4294967295"/>
           </p:nvPr>
         </p:nvPicPr>
         <p:blipFill>
-          <a:blip r:embed="rId2">
+          <a:blip r:embed="rId4">
             <a:extLst>
               <a:ext uri="{96DAC541-7B7A-43D3-8B79-37D633B846F1}">
-                <asvg:svgBlip xmlns:asvg="http://schemas.microsoft.com/office/drawing/2016/SVG/main" r:embed="rId3"/>
+                <asvg:svgBlip xmlns:asvg="http://schemas.microsoft.com/office/drawing/2016/SVG/main" r:embed="rId5"/>
               </a:ext>
             </a:extLst>
           </a:blip>
@@ -7887,46 +5802,283 @@
         </p:blipFill>
         <p:spPr>
           <a:xfrm>
-            <a:off x="6544687" y="715135"/>
-            <a:ext cx="4785225" cy="5422392"/>
+            <a:off x="6975475" y="1645920"/>
+            <a:ext cx="3997325" cy="4527550"/>
           </a:xfrm>
         </p:spPr>
       </p:pic>
-      <p:pic>
-        <p:nvPicPr>
-          <p:cNvPr id="74" name="Content Placeholder 73">
+      <p:cxnSp>
+        <p:nvCxnSpPr>
+          <p:cNvPr id="19" name="Straight Connector 18">
             <a:extLst>
               <a:ext uri="{FF2B5EF4-FFF2-40B4-BE49-F238E27FC236}">
-                <a16:creationId xmlns:a16="http://schemas.microsoft.com/office/drawing/2014/main" id="{C4136F2B-CDAB-402C-AEDD-62AA8CB6E06E}"/>
+                <a16:creationId xmlns:a16="http://schemas.microsoft.com/office/drawing/2014/main" id="{7E942B32-E71C-4E94-9EC4-0BB6962AC02B}"/>
               </a:ext>
             </a:extLst>
           </p:cNvPr>
-          <p:cNvPicPr>
-            <a:picLocks noGrp="1" noChangeAspect="1"/>
-          </p:cNvPicPr>
-          <p:nvPr>
-            <p:ph sz="half" idx="1"/>
-          </p:nvPr>
-        </p:nvPicPr>
-        <p:blipFill>
-          <a:blip r:embed="rId4">
+          <p:cNvCxnSpPr/>
+          <p:nvPr/>
+        </p:nvCxnSpPr>
+        <p:spPr>
+          <a:xfrm>
+            <a:off x="1726164" y="1993849"/>
+            <a:ext cx="289249" cy="0"/>
+          </a:xfrm>
+          <a:prstGeom prst="line">
+            <a:avLst/>
+          </a:prstGeom>
+          <a:ln w="19050">
+            <a:solidFill>
+              <a:srgbClr val="803A3D"/>
+            </a:solidFill>
+          </a:ln>
+        </p:spPr>
+        <p:style>
+          <a:lnRef idx="1">
+            <a:schemeClr val="accent6"/>
+          </a:lnRef>
+          <a:fillRef idx="0">
+            <a:schemeClr val="accent6"/>
+          </a:fillRef>
+          <a:effectRef idx="0">
+            <a:schemeClr val="accent6"/>
+          </a:effectRef>
+          <a:fontRef idx="minor">
+            <a:schemeClr val="tx1"/>
+          </a:fontRef>
+        </p:style>
+      </p:cxnSp>
+      <p:cxnSp>
+        <p:nvCxnSpPr>
+          <p:cNvPr id="23" name="Straight Connector 22">
             <a:extLst>
-              <a:ext uri="{96DAC541-7B7A-43D3-8B79-37D633B846F1}">
-                <asvg:svgBlip xmlns:asvg="http://schemas.microsoft.com/office/drawing/2016/SVG/main" r:embed="rId5"/>
+              <a:ext uri="{FF2B5EF4-FFF2-40B4-BE49-F238E27FC236}">
+                <a16:creationId xmlns:a16="http://schemas.microsoft.com/office/drawing/2014/main" id="{2189ECAB-52A3-48C2-AD35-109768186EF5}"/>
               </a:ext>
             </a:extLst>
-          </a:blip>
-          <a:stretch>
-            <a:fillRect/>
-          </a:stretch>
-        </p:blipFill>
-        <p:spPr>
-          <a:xfrm>
-            <a:off x="862088" y="715135"/>
-            <a:ext cx="4800600" cy="5425061"/>
-          </a:xfrm>
-        </p:spPr>
-      </p:pic>
+          </p:cNvPr>
+          <p:cNvCxnSpPr>
+            <a:cxnSpLocks/>
+          </p:cNvCxnSpPr>
+          <p:nvPr/>
+        </p:nvCxnSpPr>
+        <p:spPr>
+          <a:xfrm>
+            <a:off x="1695373" y="2199122"/>
+            <a:ext cx="320040" cy="0"/>
+          </a:xfrm>
+          <a:prstGeom prst="line">
+            <a:avLst/>
+          </a:prstGeom>
+          <a:ln w="19050">
+            <a:solidFill>
+              <a:srgbClr val="803A3D"/>
+            </a:solidFill>
+          </a:ln>
+        </p:spPr>
+        <p:style>
+          <a:lnRef idx="1">
+            <a:schemeClr val="accent6"/>
+          </a:lnRef>
+          <a:fillRef idx="0">
+            <a:schemeClr val="accent6"/>
+          </a:fillRef>
+          <a:effectRef idx="0">
+            <a:schemeClr val="accent6"/>
+          </a:effectRef>
+          <a:fontRef idx="minor">
+            <a:schemeClr val="tx1"/>
+          </a:fontRef>
+        </p:style>
+      </p:cxnSp>
+      <p:cxnSp>
+        <p:nvCxnSpPr>
+          <p:cNvPr id="31" name="Straight Connector 30">
+            <a:extLst>
+              <a:ext uri="{FF2B5EF4-FFF2-40B4-BE49-F238E27FC236}">
+                <a16:creationId xmlns:a16="http://schemas.microsoft.com/office/drawing/2014/main" id="{1D8255AE-A63F-471F-AF98-5AF32EE64AD8}"/>
+              </a:ext>
+            </a:extLst>
+          </p:cNvPr>
+          <p:cNvCxnSpPr>
+            <a:cxnSpLocks/>
+          </p:cNvCxnSpPr>
+          <p:nvPr/>
+        </p:nvCxnSpPr>
+        <p:spPr>
+          <a:xfrm>
+            <a:off x="7168308" y="1995119"/>
+            <a:ext cx="450980" cy="0"/>
+          </a:xfrm>
+          <a:prstGeom prst="line">
+            <a:avLst/>
+          </a:prstGeom>
+          <a:ln w="19050">
+            <a:solidFill>
+              <a:srgbClr val="803A3D"/>
+            </a:solidFill>
+          </a:ln>
+        </p:spPr>
+        <p:style>
+          <a:lnRef idx="1">
+            <a:schemeClr val="accent1"/>
+          </a:lnRef>
+          <a:fillRef idx="0">
+            <a:schemeClr val="accent1"/>
+          </a:fillRef>
+          <a:effectRef idx="0">
+            <a:schemeClr val="accent1"/>
+          </a:effectRef>
+          <a:fontRef idx="minor">
+            <a:schemeClr val="tx1"/>
+          </a:fontRef>
+        </p:style>
+      </p:cxnSp>
+      <p:cxnSp>
+        <p:nvCxnSpPr>
+          <p:cNvPr id="36" name="Straight Connector 35">
+            <a:extLst>
+              <a:ext uri="{FF2B5EF4-FFF2-40B4-BE49-F238E27FC236}">
+                <a16:creationId xmlns:a16="http://schemas.microsoft.com/office/drawing/2014/main" id="{AFC62502-0D17-4D15-8778-EA78D63B2BF1}"/>
+              </a:ext>
+            </a:extLst>
+          </p:cNvPr>
+          <p:cNvCxnSpPr>
+            <a:cxnSpLocks/>
+          </p:cNvCxnSpPr>
+          <p:nvPr/>
+        </p:nvCxnSpPr>
+        <p:spPr>
+          <a:xfrm>
+            <a:off x="7177639" y="2200393"/>
+            <a:ext cx="450980" cy="0"/>
+          </a:xfrm>
+          <a:prstGeom prst="line">
+            <a:avLst/>
+          </a:prstGeom>
+          <a:ln w="19050">
+            <a:solidFill>
+              <a:srgbClr val="803A3D"/>
+            </a:solidFill>
+          </a:ln>
+        </p:spPr>
+        <p:style>
+          <a:lnRef idx="1">
+            <a:schemeClr val="accent1"/>
+          </a:lnRef>
+          <a:fillRef idx="0">
+            <a:schemeClr val="accent1"/>
+          </a:fillRef>
+          <a:effectRef idx="0">
+            <a:schemeClr val="accent1"/>
+          </a:effectRef>
+          <a:fontRef idx="minor">
+            <a:schemeClr val="tx1"/>
+          </a:fontRef>
+        </p:style>
+      </p:cxnSp>
+      <p:cxnSp>
+        <p:nvCxnSpPr>
+          <p:cNvPr id="37" name="Straight Connector 36">
+            <a:extLst>
+              <a:ext uri="{FF2B5EF4-FFF2-40B4-BE49-F238E27FC236}">
+                <a16:creationId xmlns:a16="http://schemas.microsoft.com/office/drawing/2014/main" id="{54B389A9-2CEE-41F5-BBF2-E6B89D7E6317}"/>
+              </a:ext>
+            </a:extLst>
+          </p:cNvPr>
+          <p:cNvCxnSpPr>
+            <a:cxnSpLocks/>
+          </p:cNvCxnSpPr>
+          <p:nvPr/>
+        </p:nvCxnSpPr>
+        <p:spPr>
+          <a:xfrm>
+            <a:off x="7393798" y="2387005"/>
+            <a:ext cx="225490" cy="0"/>
+          </a:xfrm>
+          <a:prstGeom prst="line">
+            <a:avLst/>
+          </a:prstGeom>
+          <a:ln w="19050">
+            <a:solidFill>
+              <a:srgbClr val="803A3D"/>
+            </a:solidFill>
+          </a:ln>
+        </p:spPr>
+        <p:style>
+          <a:lnRef idx="1">
+            <a:schemeClr val="accent1"/>
+          </a:lnRef>
+          <a:fillRef idx="0">
+            <a:schemeClr val="accent1"/>
+          </a:fillRef>
+          <a:effectRef idx="0">
+            <a:schemeClr val="accent1"/>
+          </a:effectRef>
+          <a:fontRef idx="minor">
+            <a:schemeClr val="tx1"/>
+          </a:fontRef>
+        </p:style>
+      </p:cxnSp>
+      <p:sp>
+        <p:nvSpPr>
+          <p:cNvPr id="43" name="TextBox 42">
+            <a:extLst>
+              <a:ext uri="{FF2B5EF4-FFF2-40B4-BE49-F238E27FC236}">
+                <a16:creationId xmlns:a16="http://schemas.microsoft.com/office/drawing/2014/main" id="{FDA1287F-E1CA-46D3-9731-55CA00F1641A}"/>
+              </a:ext>
+            </a:extLst>
+          </p:cNvPr>
+          <p:cNvSpPr txBox="1"/>
+          <p:nvPr/>
+        </p:nvSpPr>
+        <p:spPr>
+          <a:xfrm>
+            <a:off x="4233114" y="2659200"/>
+            <a:ext cx="2287508" cy="923330"/>
+          </a:xfrm>
+          <a:prstGeom prst="rect">
+            <a:avLst/>
+          </a:prstGeom>
+          <a:solidFill>
+            <a:srgbClr val="803A3D"/>
+          </a:solidFill>
+          <a:ln>
+            <a:noFill/>
+          </a:ln>
+        </p:spPr>
+        <p:style>
+          <a:lnRef idx="2">
+            <a:schemeClr val="accent1"/>
+          </a:lnRef>
+          <a:fillRef idx="1">
+            <a:schemeClr val="lt1"/>
+          </a:fillRef>
+          <a:effectRef idx="0">
+            <a:schemeClr val="accent1"/>
+          </a:effectRef>
+          <a:fontRef idx="minor">
+            <a:schemeClr val="dk1"/>
+          </a:fontRef>
+        </p:style>
+        <p:txBody>
+          <a:bodyPr wrap="square" rtlCol="0">
+            <a:spAutoFit/>
+          </a:bodyPr>
+          <a:lstStyle/>
+          <a:p>
+            <a:pPr algn="ctr"/>
+            <a:r>
+              <a:rPr lang="en-US" dirty="0">
+                <a:solidFill>
+                  <a:schemeClr val="bg1"/>
+                </a:solidFill>
+              </a:rPr>
+              <a:t>The difference must be (at least partly) due to budget.</a:t>
+            </a:r>
+          </a:p>
+        </p:txBody>
+      </p:sp>
     </p:spTree>
     <p:extLst>
       <p:ext uri="{BB962C8B-B14F-4D97-AF65-F5344CB8AC3E}">
@@ -7937,11 +6089,11 @@
   <p:clrMapOvr>
     <a:overrideClrMapping bg1="lt1" tx1="dk1" bg2="lt2" tx2="dk2" accent1="accent1" accent2="accent2" accent3="accent3" accent4="accent4" accent5="accent5" accent6="accent6" hlink="hlink" folHlink="folHlink"/>
   </p:clrMapOvr>
-  <mc:AlternateContent xmlns:mc="http://schemas.openxmlformats.org/markup-compatibility/2006">
-    <mc:Choice xmlns:p14="http://schemas.microsoft.com/office/powerpoint/2010/main" Requires="p14">
+  <mc:AlternateContent xmlns:mc="http://schemas.openxmlformats.org/markup-compatibility/2006" xmlns:p14="http://schemas.microsoft.com/office/powerpoint/2010/main">
+    <mc:Choice Requires="p14">
       <p:transition spd="slow" p14:dur="2000" advTm="81178"/>
     </mc:Choice>
-    <mc:Fallback>
+    <mc:Fallback xmlns="">
       <p:transition spd="slow" advTm="81178"/>
     </mc:Fallback>
   </mc:AlternateContent>
@@ -7973,66 +6125,6 @@
           <a:chExt cx="0" cy="0"/>
         </a:xfrm>
       </p:grpSpPr>
-      <p:sp useBgFill="1">
-        <p:nvSpPr>
-          <p:cNvPr id="12" name="Rectangle 11">
-            <a:extLst>
-              <a:ext uri="{FF2B5EF4-FFF2-40B4-BE49-F238E27FC236}">
-                <a16:creationId xmlns:a16="http://schemas.microsoft.com/office/drawing/2014/main" id="{3A3D0CF5-C0A0-4195-804D-B82489B1D71B}"/>
-              </a:ext>
-              <a:ext uri="{C183D7F6-B498-43B3-948B-1728B52AA6E4}">
-                <adec:decorative xmlns:adec="http://schemas.microsoft.com/office/drawing/2017/decorative" val="1"/>
-              </a:ext>
-            </a:extLst>
-          </p:cNvPr>
-          <p:cNvSpPr>
-            <a:spLocks noGrp="1" noRot="1" noChangeAspect="1" noMove="1" noResize="1" noEditPoints="1" noAdjustHandles="1" noChangeArrowheads="1" noChangeShapeType="1" noTextEdit="1"/>
-          </p:cNvSpPr>
-          <p:nvPr>
-            <p:extLst>
-              <p:ext uri="{386F3935-93C4-4BCD-93E2-E3B085C9AB24}">
-                <p16:designElem xmlns:p16="http://schemas.microsoft.com/office/powerpoint/2015/main" val="1"/>
-              </p:ext>
-            </p:extLst>
-          </p:nvPr>
-        </p:nvSpPr>
-        <p:spPr>
-          <a:xfrm>
-            <a:off x="0" y="0"/>
-            <a:ext cx="12192000" cy="6858000"/>
-          </a:xfrm>
-          <a:prstGeom prst="rect">
-            <a:avLst/>
-          </a:prstGeom>
-          <a:ln>
-            <a:noFill/>
-          </a:ln>
-        </p:spPr>
-        <p:style>
-          <a:lnRef idx="2">
-            <a:schemeClr val="accent1">
-              <a:shade val="50000"/>
-            </a:schemeClr>
-          </a:lnRef>
-          <a:fillRef idx="1">
-            <a:schemeClr val="accent1"/>
-          </a:fillRef>
-          <a:effectRef idx="0">
-            <a:schemeClr val="accent1"/>
-          </a:effectRef>
-          <a:fontRef idx="minor">
-            <a:schemeClr val="lt1"/>
-          </a:fontRef>
-        </p:style>
-        <p:txBody>
-          <a:bodyPr rtlCol="0" anchor="ctr"/>
-          <a:lstStyle/>
-          <a:p>
-            <a:pPr algn="ctr"/>
-            <a:endParaRPr lang="en-US"/>
-          </a:p>
-        </p:txBody>
-      </p:sp>
       <p:pic>
         <p:nvPicPr>
           <p:cNvPr id="7" name="Picture Placeholder 16">
@@ -8061,8 +6153,8 @@
         </p:blipFill>
         <p:spPr>
           <a:xfrm>
-            <a:off x="1059558" y="643466"/>
-            <a:ext cx="4459484" cy="5571067"/>
+            <a:off x="7063950" y="1686764"/>
+            <a:ext cx="3756451" cy="4692794"/>
           </a:xfrm>
           <a:prstGeom prst="rect">
             <a:avLst/>
@@ -8097,14 +6189,280 @@
         </p:blipFill>
         <p:spPr>
           <a:xfrm>
-            <a:off x="6256866" y="1272551"/>
-            <a:ext cx="5291666" cy="4312897"/>
+            <a:off x="1371600" y="1686764"/>
+            <a:ext cx="4338840" cy="3536310"/>
           </a:xfrm>
           <a:prstGeom prst="rect">
             <a:avLst/>
           </a:prstGeom>
         </p:spPr>
       </p:pic>
+      <p:sp>
+        <p:nvSpPr>
+          <p:cNvPr id="2" name="Title 1">
+            <a:extLst>
+              <a:ext uri="{FF2B5EF4-FFF2-40B4-BE49-F238E27FC236}">
+                <a16:creationId xmlns:a16="http://schemas.microsoft.com/office/drawing/2014/main" id="{8D976A94-3052-4C95-9E87-717D47531280}"/>
+              </a:ext>
+            </a:extLst>
+          </p:cNvPr>
+          <p:cNvSpPr>
+            <a:spLocks noGrp="1"/>
+          </p:cNvSpPr>
+          <p:nvPr>
+            <p:ph type="title"/>
+          </p:nvPr>
+        </p:nvSpPr>
+        <p:spPr/>
+        <p:txBody>
+          <a:bodyPr/>
+          <a:lstStyle/>
+          <a:p>
+            <a:r>
+              <a:rPr lang="en-US" dirty="0"/>
+              <a:t>World ROI by Budget</a:t>
+            </a:r>
+          </a:p>
+        </p:txBody>
+      </p:sp>
+      <p:sp>
+        <p:nvSpPr>
+          <p:cNvPr id="3" name="TextBox 2">
+            <a:extLst>
+              <a:ext uri="{FF2B5EF4-FFF2-40B4-BE49-F238E27FC236}">
+                <a16:creationId xmlns:a16="http://schemas.microsoft.com/office/drawing/2014/main" id="{E40E9DF1-D6DE-425D-B13F-7BB1D09039F1}"/>
+              </a:ext>
+            </a:extLst>
+          </p:cNvPr>
+          <p:cNvSpPr txBox="1"/>
+          <p:nvPr/>
+        </p:nvSpPr>
+        <p:spPr>
+          <a:xfrm>
+            <a:off x="2043403" y="5421806"/>
+            <a:ext cx="3349794" cy="646331"/>
+          </a:xfrm>
+          <a:prstGeom prst="rect">
+            <a:avLst/>
+          </a:prstGeom>
+          <a:noFill/>
+          <a:ln>
+            <a:noFill/>
+          </a:ln>
+        </p:spPr>
+        <p:style>
+          <a:lnRef idx="2">
+            <a:schemeClr val="accent4"/>
+          </a:lnRef>
+          <a:fillRef idx="1">
+            <a:schemeClr val="lt1"/>
+          </a:fillRef>
+          <a:effectRef idx="0">
+            <a:schemeClr val="accent4"/>
+          </a:effectRef>
+          <a:fontRef idx="minor">
+            <a:schemeClr val="dk1"/>
+          </a:fontRef>
+        </p:style>
+        <p:txBody>
+          <a:bodyPr wrap="square" rtlCol="0">
+            <a:spAutoFit/>
+          </a:bodyPr>
+          <a:lstStyle/>
+          <a:p>
+            <a:pPr algn="ctr"/>
+            <a:r>
+              <a:rPr lang="en-US" dirty="0"/>
+              <a:t>The films are evenly divided by budget quartile.</a:t>
+            </a:r>
+          </a:p>
+        </p:txBody>
+      </p:sp>
+      <p:cxnSp>
+        <p:nvCxnSpPr>
+          <p:cNvPr id="26" name="Straight Connector 25">
+            <a:extLst>
+              <a:ext uri="{FF2B5EF4-FFF2-40B4-BE49-F238E27FC236}">
+                <a16:creationId xmlns:a16="http://schemas.microsoft.com/office/drawing/2014/main" id="{75BFCDEE-EE4D-4BB9-AB1C-E737FE0A5901}"/>
+              </a:ext>
+            </a:extLst>
+          </p:cNvPr>
+          <p:cNvCxnSpPr>
+            <a:cxnSpLocks/>
+          </p:cNvCxnSpPr>
+          <p:nvPr/>
+        </p:nvCxnSpPr>
+        <p:spPr>
+          <a:xfrm>
+            <a:off x="7561192" y="4320073"/>
+            <a:ext cx="289249" cy="0"/>
+          </a:xfrm>
+          <a:prstGeom prst="line">
+            <a:avLst/>
+          </a:prstGeom>
+          <a:ln w="19050">
+            <a:solidFill>
+              <a:srgbClr val="803A3D"/>
+            </a:solidFill>
+          </a:ln>
+        </p:spPr>
+        <p:style>
+          <a:lnRef idx="1">
+            <a:schemeClr val="accent1"/>
+          </a:lnRef>
+          <a:fillRef idx="0">
+            <a:schemeClr val="accent1"/>
+          </a:fillRef>
+          <a:effectRef idx="0">
+            <a:schemeClr val="accent1"/>
+          </a:effectRef>
+          <a:fontRef idx="minor">
+            <a:schemeClr val="tx1"/>
+          </a:fontRef>
+        </p:style>
+      </p:cxnSp>
+      <p:cxnSp>
+        <p:nvCxnSpPr>
+          <p:cNvPr id="30" name="Straight Connector 29">
+            <a:extLst>
+              <a:ext uri="{FF2B5EF4-FFF2-40B4-BE49-F238E27FC236}">
+                <a16:creationId xmlns:a16="http://schemas.microsoft.com/office/drawing/2014/main" id="{66E5EE05-6E75-43CF-B353-A276C570C0F7}"/>
+              </a:ext>
+            </a:extLst>
+          </p:cNvPr>
+          <p:cNvCxnSpPr>
+            <a:cxnSpLocks/>
+          </p:cNvCxnSpPr>
+          <p:nvPr/>
+        </p:nvCxnSpPr>
+        <p:spPr>
+          <a:xfrm>
+            <a:off x="7495877" y="4739951"/>
+            <a:ext cx="354564" cy="0"/>
+          </a:xfrm>
+          <a:prstGeom prst="line">
+            <a:avLst/>
+          </a:prstGeom>
+          <a:ln w="19050">
+            <a:solidFill>
+              <a:srgbClr val="803A3D"/>
+            </a:solidFill>
+          </a:ln>
+        </p:spPr>
+        <p:style>
+          <a:lnRef idx="1">
+            <a:schemeClr val="accent1"/>
+          </a:lnRef>
+          <a:fillRef idx="0">
+            <a:schemeClr val="accent1"/>
+          </a:fillRef>
+          <a:effectRef idx="0">
+            <a:schemeClr val="accent1"/>
+          </a:effectRef>
+          <a:fontRef idx="minor">
+            <a:schemeClr val="tx1"/>
+          </a:fontRef>
+        </p:style>
+      </p:cxnSp>
+      <p:cxnSp>
+        <p:nvCxnSpPr>
+          <p:cNvPr id="33" name="Straight Connector 32">
+            <a:extLst>
+              <a:ext uri="{FF2B5EF4-FFF2-40B4-BE49-F238E27FC236}">
+                <a16:creationId xmlns:a16="http://schemas.microsoft.com/office/drawing/2014/main" id="{39F9C2A1-944F-4E28-9590-E525999DC248}"/>
+              </a:ext>
+            </a:extLst>
+          </p:cNvPr>
+          <p:cNvCxnSpPr>
+            <a:cxnSpLocks/>
+          </p:cNvCxnSpPr>
+          <p:nvPr/>
+        </p:nvCxnSpPr>
+        <p:spPr>
+          <a:xfrm>
+            <a:off x="7402571" y="2509935"/>
+            <a:ext cx="447870" cy="0"/>
+          </a:xfrm>
+          <a:prstGeom prst="line">
+            <a:avLst/>
+          </a:prstGeom>
+          <a:ln w="19050">
+            <a:solidFill>
+              <a:srgbClr val="803A3D"/>
+            </a:solidFill>
+          </a:ln>
+        </p:spPr>
+        <p:style>
+          <a:lnRef idx="1">
+            <a:schemeClr val="accent1"/>
+          </a:lnRef>
+          <a:fillRef idx="0">
+            <a:schemeClr val="accent1"/>
+          </a:fillRef>
+          <a:effectRef idx="0">
+            <a:schemeClr val="accent1"/>
+          </a:effectRef>
+          <a:fontRef idx="minor">
+            <a:schemeClr val="tx1"/>
+          </a:fontRef>
+        </p:style>
+      </p:cxnSp>
+      <p:sp>
+        <p:nvSpPr>
+          <p:cNvPr id="35" name="TextBox 34">
+            <a:extLst>
+              <a:ext uri="{FF2B5EF4-FFF2-40B4-BE49-F238E27FC236}">
+                <a16:creationId xmlns:a16="http://schemas.microsoft.com/office/drawing/2014/main" id="{3637359D-6CB2-4A20-B62C-1AFA8EEE95F6}"/>
+              </a:ext>
+            </a:extLst>
+          </p:cNvPr>
+          <p:cNvSpPr txBox="1"/>
+          <p:nvPr/>
+        </p:nvSpPr>
+        <p:spPr>
+          <a:xfrm>
+            <a:off x="7063949" y="782419"/>
+            <a:ext cx="3756451" cy="646331"/>
+          </a:xfrm>
+          <a:prstGeom prst="rect">
+            <a:avLst/>
+          </a:prstGeom>
+          <a:solidFill>
+            <a:srgbClr val="803A3D"/>
+          </a:solidFill>
+          <a:ln w="34925" cap="sq">
+            <a:noFill/>
+          </a:ln>
+        </p:spPr>
+        <p:txBody>
+          <a:bodyPr wrap="square" rtlCol="0">
+            <a:spAutoFit/>
+          </a:bodyPr>
+          <a:lstStyle/>
+          <a:p>
+            <a:pPr algn="ctr"/>
+            <a:r>
+              <a:rPr lang="en-US" dirty="0">
+                <a:solidFill>
+                  <a:schemeClr val="bg1"/>
+                </a:solidFill>
+              </a:rPr>
+              <a:t>Animation leads High-Budget,</a:t>
+            </a:r>
+          </a:p>
+          <a:p>
+            <a:pPr algn="ctr"/>
+            <a:r>
+              <a:rPr lang="en-US" dirty="0">
+                <a:solidFill>
+                  <a:schemeClr val="bg1"/>
+                </a:solidFill>
+              </a:rPr>
+              <a:t>Horror and Mystery lead Low-Budget</a:t>
+            </a:r>
+          </a:p>
+        </p:txBody>
+      </p:sp>
     </p:spTree>
     <p:extLst>
       <p:ext uri="{BB962C8B-B14F-4D97-AF65-F5344CB8AC3E}">
@@ -8115,11 +6473,11 @@
   <p:clrMapOvr>
     <a:masterClrMapping/>
   </p:clrMapOvr>
-  <mc:AlternateContent xmlns:mc="http://schemas.openxmlformats.org/markup-compatibility/2006">
-    <mc:Choice xmlns:p14="http://schemas.microsoft.com/office/powerpoint/2010/main" Requires="p14">
+  <mc:AlternateContent xmlns:mc="http://schemas.openxmlformats.org/markup-compatibility/2006" xmlns:p14="http://schemas.microsoft.com/office/powerpoint/2010/main">
+    <mc:Choice Requires="p14">
       <p:transition spd="slow" p14:dur="2000" advTm="5056"/>
     </mc:Choice>
-    <mc:Fallback>
+    <mc:Fallback xmlns="">
       <p:transition spd="slow" advTm="5056"/>
     </mc:Fallback>
   </mc:AlternateContent>
@@ -8151,12 +6509,12 @@
           <a:chExt cx="0" cy="0"/>
         </a:xfrm>
       </p:grpSpPr>
-      <p:sp useBgFill="1">
+      <p:sp>
         <p:nvSpPr>
           <p:cNvPr id="12" name="Rectangle 11">
             <a:extLst>
               <a:ext uri="{FF2B5EF4-FFF2-40B4-BE49-F238E27FC236}">
-                <a16:creationId xmlns:a16="http://schemas.microsoft.com/office/drawing/2014/main" id="{3A3D0CF5-C0A0-4195-804D-B82489B1D71B}"/>
+                <a16:creationId xmlns:a16="http://schemas.microsoft.com/office/drawing/2014/main" id="{2793B903-AB42-42A0-AE97-93D366679CA2}"/>
               </a:ext>
               <a:ext uri="{C183D7F6-B498-43B3-948B-1728B52AA6E4}">
                 <adec:decorative xmlns:adec="http://schemas.microsoft.com/office/drawing/2017/decorative" val="1"/>
@@ -8176,12 +6534,15 @@
         </p:nvSpPr>
         <p:spPr>
           <a:xfrm>
-            <a:off x="0" y="0"/>
-            <a:ext cx="12192000" cy="6858000"/>
+            <a:off x="478095" y="376"/>
+            <a:ext cx="228600" cy="6858000"/>
           </a:xfrm>
           <a:prstGeom prst="rect">
             <a:avLst/>
           </a:prstGeom>
+          <a:solidFill>
+            <a:schemeClr val="tx2"/>
+          </a:solidFill>
           <a:ln>
             <a:noFill/>
           </a:ln>
@@ -8202,21 +6563,103 @@
             <a:schemeClr val="lt1"/>
           </a:fontRef>
         </p:style>
-        <p:txBody>
-          <a:bodyPr rtlCol="0" anchor="ctr"/>
+      </p:sp>
+      <p:sp>
+        <p:nvSpPr>
+          <p:cNvPr id="2" name="Title 1">
+            <a:extLst>
+              <a:ext uri="{FF2B5EF4-FFF2-40B4-BE49-F238E27FC236}">
+                <a16:creationId xmlns:a16="http://schemas.microsoft.com/office/drawing/2014/main" id="{00775E5A-FA17-427C-BC84-C54E9C5917D7}"/>
+              </a:ext>
+            </a:extLst>
+          </p:cNvPr>
+          <p:cNvSpPr>
+            <a:spLocks noGrp="1"/>
+          </p:cNvSpPr>
+          <p:nvPr>
+            <p:ph type="title"/>
+          </p:nvPr>
+        </p:nvSpPr>
+        <p:spPr>
+          <a:xfrm>
+            <a:off x="6389914" y="685800"/>
+            <a:ext cx="5127172" cy="1485900"/>
+          </a:xfrm>
+        </p:spPr>
+        <p:txBody>
+          <a:bodyPr vert="horz" lIns="91440" tIns="45720" rIns="91440" bIns="45720" rtlCol="0" anchor="t">
+            <a:normAutofit/>
+          </a:bodyPr>
           <a:lstStyle/>
           <a:p>
-            <a:pPr algn="ctr"/>
-            <a:endParaRPr lang="en-US"/>
-          </a:p>
-        </p:txBody>
+            <a:r>
+              <a:rPr lang="en-US" dirty="0"/>
+              <a:t>Domestic ROI by Budget</a:t>
+            </a:r>
+          </a:p>
+        </p:txBody>
+      </p:sp>
+      <p:sp>
+        <p:nvSpPr>
+          <p:cNvPr id="14" name="Rectangle 13">
+            <a:extLst>
+              <a:ext uri="{FF2B5EF4-FFF2-40B4-BE49-F238E27FC236}">
+                <a16:creationId xmlns:a16="http://schemas.microsoft.com/office/drawing/2014/main" id="{A67E2D8A-19BE-48A0-889C-CCAC02348C99}"/>
+              </a:ext>
+              <a:ext uri="{C183D7F6-B498-43B3-948B-1728B52AA6E4}">
+                <adec:decorative xmlns:adec="http://schemas.microsoft.com/office/drawing/2017/decorative" val="1"/>
+              </a:ext>
+            </a:extLst>
+          </p:cNvPr>
+          <p:cNvSpPr>
+            <a:spLocks noGrp="1" noRot="1" noChangeAspect="1" noMove="1" noResize="1" noEditPoints="1" noAdjustHandles="1" noChangeArrowheads="1" noChangeShapeType="1" noTextEdit="1"/>
+          </p:cNvSpPr>
+          <p:nvPr>
+            <p:extLst>
+              <p:ext uri="{386F3935-93C4-4BCD-93E2-E3B085C9AB24}">
+                <p16:designElem xmlns:p16="http://schemas.microsoft.com/office/powerpoint/2015/main" val="1"/>
+              </p:ext>
+            </p:extLst>
+          </p:nvPr>
+        </p:nvSpPr>
+        <p:spPr>
+          <a:xfrm>
+            <a:off x="478095" y="376"/>
+            <a:ext cx="228600" cy="6858000"/>
+          </a:xfrm>
+          <a:prstGeom prst="rect">
+            <a:avLst/>
+          </a:prstGeom>
+          <a:solidFill>
+            <a:schemeClr val="tx2"/>
+          </a:solidFill>
+          <a:ln>
+            <a:noFill/>
+          </a:ln>
+        </p:spPr>
+        <p:style>
+          <a:lnRef idx="2">
+            <a:schemeClr val="accent1">
+              <a:shade val="50000"/>
+            </a:schemeClr>
+          </a:lnRef>
+          <a:fillRef idx="1">
+            <a:schemeClr val="accent1"/>
+          </a:fillRef>
+          <a:effectRef idx="0">
+            <a:schemeClr val="accent1"/>
+          </a:effectRef>
+          <a:fontRef idx="minor">
+            <a:schemeClr val="lt1"/>
+          </a:fontRef>
+        </p:style>
       </p:sp>
       <p:pic>
         <p:nvPicPr>
-          <p:cNvPr id="6" name="Graphic 5">
+          <p:cNvPr id="3" name="Graphic 2">
             <a:extLst>
               <a:ext uri="{FF2B5EF4-FFF2-40B4-BE49-F238E27FC236}">
-                <a16:creationId xmlns:a16="http://schemas.microsoft.com/office/drawing/2014/main" id="{87CED1B8-BCAC-47F5-85F1-0731A8B2D4E4}"/>
+                <a16:creationId xmlns:a16="http://schemas.microsoft.com/office/drawing/2014/main" id="{7E7DECA7-0026-412E-8456-259757F3AFE2}"/>
               </a:ext>
             </a:extLst>
           </p:cNvPr>
@@ -8239,50 +6682,122 @@
         </p:blipFill>
         <p:spPr>
           <a:xfrm>
-            <a:off x="6256866" y="1272551"/>
-            <a:ext cx="5291666" cy="4312897"/>
+            <a:off x="1458852" y="645106"/>
+            <a:ext cx="4200675" cy="5247747"/>
           </a:xfrm>
           <a:prstGeom prst="rect">
             <a:avLst/>
           </a:prstGeom>
         </p:spPr>
       </p:pic>
-      <p:pic>
-        <p:nvPicPr>
-          <p:cNvPr id="3" name="Graphic 2">
+      <p:sp>
+        <p:nvSpPr>
+          <p:cNvPr id="7" name="TextBox 6">
             <a:extLst>
               <a:ext uri="{FF2B5EF4-FFF2-40B4-BE49-F238E27FC236}">
-                <a16:creationId xmlns:a16="http://schemas.microsoft.com/office/drawing/2014/main" id="{7E7DECA7-0026-412E-8456-259757F3AFE2}"/>
+                <a16:creationId xmlns:a16="http://schemas.microsoft.com/office/drawing/2014/main" id="{B5983E46-4F67-41A9-ABE1-C3CDDA436F70}"/>
               </a:ext>
             </a:extLst>
           </p:cNvPr>
-          <p:cNvPicPr>
-            <a:picLocks noChangeAspect="1"/>
-          </p:cNvPicPr>
+          <p:cNvSpPr txBox="1"/>
           <p:nvPr/>
-        </p:nvPicPr>
-        <p:blipFill>
-          <a:blip r:embed="rId4">
-            <a:extLst>
-              <a:ext uri="{96DAC541-7B7A-43D3-8B79-37D633B846F1}">
-                <asvg:svgBlip xmlns:asvg="http://schemas.microsoft.com/office/drawing/2016/SVG/main" r:embed="rId5"/>
-              </a:ext>
-            </a:extLst>
-          </a:blip>
-          <a:stretch>
-            <a:fillRect/>
-          </a:stretch>
-        </p:blipFill>
-        <p:spPr>
-          <a:xfrm>
-            <a:off x="1061455" y="645837"/>
-            <a:ext cx="4457587" cy="5568696"/>
+        </p:nvSpPr>
+        <p:spPr>
+          <a:xfrm>
+            <a:off x="6389914" y="2286000"/>
+            <a:ext cx="5127172" cy="3581400"/>
           </a:xfrm>
           <a:prstGeom prst="rect">
             <a:avLst/>
           </a:prstGeom>
         </p:spPr>
-      </p:pic>
+        <p:txBody>
+          <a:bodyPr vert="horz" lIns="91440" tIns="45720" rIns="91440" bIns="45720" rtlCol="0">
+            <a:normAutofit/>
+          </a:bodyPr>
+          <a:lstStyle/>
+          <a:p>
+            <a:pPr marL="384048" indent="-384048" defTabSz="914400">
+              <a:lnSpc>
+                <a:spcPct val="150000"/>
+              </a:lnSpc>
+              <a:spcAft>
+                <a:spcPts val="200"/>
+              </a:spcAft>
+              <a:buFont typeface="Franklin Gothic Book" panose="020B0503020102020204" pitchFamily="34" charset="0"/>
+              <a:buChar char="•"/>
+            </a:pPr>
+            <a:r>
+              <a:rPr lang="en-US" sz="2000" dirty="0">
+                <a:solidFill>
+                  <a:schemeClr val="tx2"/>
+                </a:solidFill>
+              </a:rPr>
+              <a:t>Results are largely the same</a:t>
+            </a:r>
+          </a:p>
+          <a:p>
+            <a:pPr marL="384048" indent="-384048" defTabSz="914400">
+              <a:lnSpc>
+                <a:spcPct val="150000"/>
+              </a:lnSpc>
+              <a:spcAft>
+                <a:spcPts val="200"/>
+              </a:spcAft>
+              <a:buFont typeface="Franklin Gothic Book" panose="020B0503020102020204" pitchFamily="34" charset="0"/>
+              <a:buChar char="•"/>
+            </a:pPr>
+            <a:r>
+              <a:rPr lang="en-US" sz="2000" dirty="0">
+                <a:solidFill>
+                  <a:schemeClr val="tx2"/>
+                </a:solidFill>
+              </a:rPr>
+              <a:t>Comedy does slightly better</a:t>
+            </a:r>
+          </a:p>
+          <a:p>
+            <a:pPr marL="384048" indent="-384048" defTabSz="914400">
+              <a:lnSpc>
+                <a:spcPct val="150000"/>
+              </a:lnSpc>
+              <a:spcAft>
+                <a:spcPts val="200"/>
+              </a:spcAft>
+              <a:buFont typeface="Franklin Gothic Book" panose="020B0503020102020204" pitchFamily="34" charset="0"/>
+              <a:buChar char="•"/>
+            </a:pPr>
+            <a:r>
+              <a:rPr lang="en-US" sz="2000" dirty="0">
+                <a:solidFill>
+                  <a:schemeClr val="tx2"/>
+                </a:solidFill>
+              </a:rPr>
+              <a:t>Biography does slightly better</a:t>
+            </a:r>
+          </a:p>
+          <a:p>
+            <a:pPr marL="384048" indent="-384048" defTabSz="914400">
+              <a:lnSpc>
+                <a:spcPct val="150000"/>
+              </a:lnSpc>
+              <a:spcAft>
+                <a:spcPts val="200"/>
+              </a:spcAft>
+              <a:buFont typeface="Franklin Gothic Book" panose="020B0503020102020204" pitchFamily="34" charset="0"/>
+              <a:buChar char="•"/>
+            </a:pPr>
+            <a:r>
+              <a:rPr lang="en-US" sz="2000" dirty="0">
+                <a:solidFill>
+                  <a:schemeClr val="tx2"/>
+                </a:solidFill>
+              </a:rPr>
+              <a:t>Action, Crime, and Drama are still low</a:t>
+            </a:r>
+          </a:p>
+        </p:txBody>
+      </p:sp>
     </p:spTree>
     <p:extLst>
       <p:ext uri="{BB962C8B-B14F-4D97-AF65-F5344CB8AC3E}">
@@ -8293,11 +6808,11 @@
   <p:clrMapOvr>
     <a:masterClrMapping/>
   </p:clrMapOvr>
-  <mc:AlternateContent xmlns:mc="http://schemas.openxmlformats.org/markup-compatibility/2006">
-    <mc:Choice xmlns:p14="http://schemas.microsoft.com/office/powerpoint/2010/main" Requires="p14">
+  <mc:AlternateContent xmlns:mc="http://schemas.openxmlformats.org/markup-compatibility/2006" xmlns:p14="http://schemas.microsoft.com/office/powerpoint/2010/main">
+    <mc:Choice Requires="p14">
       <p:transition spd="slow" p14:dur="2000" advTm="283"/>
     </mc:Choice>
-    <mc:Fallback>
+    <mc:Fallback xmlns="">
       <p:transition spd="slow" advTm="283"/>
     </mc:Fallback>
   </mc:AlternateContent>
@@ -8305,7 +6820,7 @@
 </file>
 
 <file path=ppt/slides/slide8.xml><?xml version="1.0" encoding="utf-8"?>
-<p:sld xmlns:a="http://schemas.openxmlformats.org/drawingml/2006/main" xmlns:r="http://schemas.openxmlformats.org/officeDocument/2006/relationships" xmlns:p="http://schemas.openxmlformats.org/presentationml/2006/main" showMasterSp="0">
+<p:sld xmlns:a="http://schemas.openxmlformats.org/drawingml/2006/main" xmlns:r="http://schemas.openxmlformats.org/officeDocument/2006/relationships" xmlns:p="http://schemas.openxmlformats.org/presentationml/2006/main">
   <p:cSld>
     <p:bg>
       <p:bgPr>
@@ -8357,8 +6872,8 @@
         </p:blipFill>
         <p:spPr>
           <a:xfrm>
-            <a:off x="984651" y="618757"/>
-            <a:ext cx="4937760" cy="5855018"/>
+            <a:off x="6804552" y="1647659"/>
+            <a:ext cx="4011136" cy="4756261"/>
           </a:xfrm>
           <a:prstGeom prst="rect">
             <a:avLst/>
@@ -8393,14 +6908,761 @@
         </p:blipFill>
         <p:spPr>
           <a:xfrm>
-            <a:off x="6629634" y="618757"/>
-            <a:ext cx="4577715" cy="5855018"/>
+            <a:off x="1568956" y="1647659"/>
+            <a:ext cx="3718656" cy="4756261"/>
           </a:xfrm>
           <a:prstGeom prst="rect">
             <a:avLst/>
           </a:prstGeom>
         </p:spPr>
       </p:pic>
+      <p:sp>
+        <p:nvSpPr>
+          <p:cNvPr id="2" name="Title 1">
+            <a:extLst>
+              <a:ext uri="{FF2B5EF4-FFF2-40B4-BE49-F238E27FC236}">
+                <a16:creationId xmlns:a16="http://schemas.microsoft.com/office/drawing/2014/main" id="{E8AF206A-ED60-4037-82FA-4EB2E9DBAF3E}"/>
+              </a:ext>
+            </a:extLst>
+          </p:cNvPr>
+          <p:cNvSpPr>
+            <a:spLocks noGrp="1"/>
+          </p:cNvSpPr>
+          <p:nvPr>
+            <p:ph type="title"/>
+          </p:nvPr>
+        </p:nvSpPr>
+        <p:spPr>
+          <a:xfrm>
+            <a:off x="1371600" y="685800"/>
+            <a:ext cx="8313576" cy="1485900"/>
+          </a:xfrm>
+        </p:spPr>
+        <p:txBody>
+          <a:bodyPr/>
+          <a:lstStyle/>
+          <a:p>
+            <a:r>
+              <a:rPr lang="en-US" dirty="0"/>
+              <a:t>Other Perspectives on World ROI</a:t>
+            </a:r>
+          </a:p>
+        </p:txBody>
+      </p:sp>
+      <p:sp>
+        <p:nvSpPr>
+          <p:cNvPr id="11" name="Arrow: Right 10">
+            <a:extLst>
+              <a:ext uri="{FF2B5EF4-FFF2-40B4-BE49-F238E27FC236}">
+                <a16:creationId xmlns:a16="http://schemas.microsoft.com/office/drawing/2014/main" id="{29D587F9-9F90-4C1E-B1A4-6AC5E8361FEF}"/>
+              </a:ext>
+            </a:extLst>
+          </p:cNvPr>
+          <p:cNvSpPr/>
+          <p:nvPr/>
+        </p:nvSpPr>
+        <p:spPr>
+          <a:xfrm>
+            <a:off x="6540378" y="1940768"/>
+            <a:ext cx="376335" cy="165604"/>
+          </a:xfrm>
+          <a:prstGeom prst="rightArrow">
+            <a:avLst/>
+          </a:prstGeom>
+          <a:solidFill>
+            <a:srgbClr val="803A3D"/>
+          </a:solidFill>
+          <a:ln>
+            <a:noFill/>
+          </a:ln>
+        </p:spPr>
+        <p:style>
+          <a:lnRef idx="2">
+            <a:schemeClr val="accent1">
+              <a:shade val="50000"/>
+            </a:schemeClr>
+          </a:lnRef>
+          <a:fillRef idx="1">
+            <a:schemeClr val="accent1"/>
+          </a:fillRef>
+          <a:effectRef idx="0">
+            <a:schemeClr val="accent1"/>
+          </a:effectRef>
+          <a:fontRef idx="minor">
+            <a:schemeClr val="lt1"/>
+          </a:fontRef>
+        </p:style>
+        <p:txBody>
+          <a:bodyPr rtlCol="0" anchor="ctr"/>
+          <a:lstStyle/>
+          <a:p>
+            <a:pPr algn="ctr"/>
+            <a:endParaRPr lang="en-US"/>
+          </a:p>
+        </p:txBody>
+      </p:sp>
+      <p:sp>
+        <p:nvSpPr>
+          <p:cNvPr id="12" name="Arrow: Right 11">
+            <a:extLst>
+              <a:ext uri="{FF2B5EF4-FFF2-40B4-BE49-F238E27FC236}">
+                <a16:creationId xmlns:a16="http://schemas.microsoft.com/office/drawing/2014/main" id="{D2A27D95-E44A-40AF-B592-EF93BEA6A851}"/>
+              </a:ext>
+            </a:extLst>
+          </p:cNvPr>
+          <p:cNvSpPr/>
+          <p:nvPr/>
+        </p:nvSpPr>
+        <p:spPr>
+          <a:xfrm>
+            <a:off x="6916713" y="2204727"/>
+            <a:ext cx="376335" cy="165604"/>
+          </a:xfrm>
+          <a:prstGeom prst="rightArrow">
+            <a:avLst/>
+          </a:prstGeom>
+          <a:solidFill>
+            <a:srgbClr val="803A3D"/>
+          </a:solidFill>
+          <a:ln>
+            <a:noFill/>
+          </a:ln>
+        </p:spPr>
+        <p:style>
+          <a:lnRef idx="2">
+            <a:schemeClr val="accent1">
+              <a:shade val="50000"/>
+            </a:schemeClr>
+          </a:lnRef>
+          <a:fillRef idx="1">
+            <a:schemeClr val="accent1"/>
+          </a:fillRef>
+          <a:effectRef idx="0">
+            <a:schemeClr val="accent1"/>
+          </a:effectRef>
+          <a:fontRef idx="minor">
+            <a:schemeClr val="lt1"/>
+          </a:fontRef>
+        </p:style>
+        <p:txBody>
+          <a:bodyPr rtlCol="0" anchor="ctr"/>
+          <a:lstStyle/>
+          <a:p>
+            <a:pPr algn="ctr"/>
+            <a:endParaRPr lang="en-US"/>
+          </a:p>
+        </p:txBody>
+      </p:sp>
+      <p:sp>
+        <p:nvSpPr>
+          <p:cNvPr id="13" name="Arrow: Right 12">
+            <a:extLst>
+              <a:ext uri="{FF2B5EF4-FFF2-40B4-BE49-F238E27FC236}">
+                <a16:creationId xmlns:a16="http://schemas.microsoft.com/office/drawing/2014/main" id="{3C5DA219-B6FB-4D83-830E-90573F36541F}"/>
+              </a:ext>
+            </a:extLst>
+          </p:cNvPr>
+          <p:cNvSpPr/>
+          <p:nvPr/>
+        </p:nvSpPr>
+        <p:spPr>
+          <a:xfrm>
+            <a:off x="6744096" y="2466338"/>
+            <a:ext cx="376335" cy="165604"/>
+          </a:xfrm>
+          <a:prstGeom prst="rightArrow">
+            <a:avLst/>
+          </a:prstGeom>
+          <a:solidFill>
+            <a:srgbClr val="803A3D"/>
+          </a:solidFill>
+          <a:ln>
+            <a:noFill/>
+          </a:ln>
+        </p:spPr>
+        <p:style>
+          <a:lnRef idx="2">
+            <a:schemeClr val="accent1">
+              <a:shade val="50000"/>
+            </a:schemeClr>
+          </a:lnRef>
+          <a:fillRef idx="1">
+            <a:schemeClr val="accent1"/>
+          </a:fillRef>
+          <a:effectRef idx="0">
+            <a:schemeClr val="accent1"/>
+          </a:effectRef>
+          <a:fontRef idx="minor">
+            <a:schemeClr val="lt1"/>
+          </a:fontRef>
+        </p:style>
+        <p:txBody>
+          <a:bodyPr rtlCol="0" anchor="ctr"/>
+          <a:lstStyle/>
+          <a:p>
+            <a:pPr algn="ctr"/>
+            <a:endParaRPr lang="en-US"/>
+          </a:p>
+        </p:txBody>
+      </p:sp>
+      <p:sp>
+        <p:nvSpPr>
+          <p:cNvPr id="14" name="Arrow: Right 13">
+            <a:extLst>
+              <a:ext uri="{FF2B5EF4-FFF2-40B4-BE49-F238E27FC236}">
+                <a16:creationId xmlns:a16="http://schemas.microsoft.com/office/drawing/2014/main" id="{E1422A94-4897-4CE2-9D12-732CA7868A57}"/>
+              </a:ext>
+            </a:extLst>
+          </p:cNvPr>
+          <p:cNvSpPr/>
+          <p:nvPr/>
+        </p:nvSpPr>
+        <p:spPr>
+          <a:xfrm>
+            <a:off x="7123541" y="3004104"/>
+            <a:ext cx="376335" cy="165604"/>
+          </a:xfrm>
+          <a:prstGeom prst="rightArrow">
+            <a:avLst/>
+          </a:prstGeom>
+          <a:solidFill>
+            <a:srgbClr val="803A3D"/>
+          </a:solidFill>
+          <a:ln>
+            <a:noFill/>
+          </a:ln>
+        </p:spPr>
+        <p:style>
+          <a:lnRef idx="2">
+            <a:schemeClr val="accent1">
+              <a:shade val="50000"/>
+            </a:schemeClr>
+          </a:lnRef>
+          <a:fillRef idx="1">
+            <a:schemeClr val="accent1"/>
+          </a:fillRef>
+          <a:effectRef idx="0">
+            <a:schemeClr val="accent1"/>
+          </a:effectRef>
+          <a:fontRef idx="minor">
+            <a:schemeClr val="lt1"/>
+          </a:fontRef>
+        </p:style>
+        <p:txBody>
+          <a:bodyPr rtlCol="0" anchor="ctr"/>
+          <a:lstStyle/>
+          <a:p>
+            <a:pPr algn="ctr"/>
+            <a:endParaRPr lang="en-US"/>
+          </a:p>
+        </p:txBody>
+      </p:sp>
+      <p:sp>
+        <p:nvSpPr>
+          <p:cNvPr id="15" name="Arrow: Right 14">
+            <a:extLst>
+              <a:ext uri="{FF2B5EF4-FFF2-40B4-BE49-F238E27FC236}">
+                <a16:creationId xmlns:a16="http://schemas.microsoft.com/office/drawing/2014/main" id="{02559049-B9D5-45BA-92DA-91BA485179A7}"/>
+              </a:ext>
+            </a:extLst>
+          </p:cNvPr>
+          <p:cNvSpPr/>
+          <p:nvPr/>
+        </p:nvSpPr>
+        <p:spPr>
+          <a:xfrm>
+            <a:off x="6437547" y="3557651"/>
+            <a:ext cx="376335" cy="165604"/>
+          </a:xfrm>
+          <a:prstGeom prst="rightArrow">
+            <a:avLst/>
+          </a:prstGeom>
+          <a:solidFill>
+            <a:srgbClr val="803A3D"/>
+          </a:solidFill>
+          <a:ln>
+            <a:noFill/>
+          </a:ln>
+        </p:spPr>
+        <p:style>
+          <a:lnRef idx="2">
+            <a:schemeClr val="accent1">
+              <a:shade val="50000"/>
+            </a:schemeClr>
+          </a:lnRef>
+          <a:fillRef idx="1">
+            <a:schemeClr val="accent1"/>
+          </a:fillRef>
+          <a:effectRef idx="0">
+            <a:schemeClr val="accent1"/>
+          </a:effectRef>
+          <a:fontRef idx="minor">
+            <a:schemeClr val="lt1"/>
+          </a:fontRef>
+        </p:style>
+        <p:txBody>
+          <a:bodyPr rtlCol="0" anchor="ctr"/>
+          <a:lstStyle/>
+          <a:p>
+            <a:pPr algn="ctr"/>
+            <a:endParaRPr lang="en-US"/>
+          </a:p>
+        </p:txBody>
+      </p:sp>
+      <p:sp>
+        <p:nvSpPr>
+          <p:cNvPr id="16" name="Arrow: Right 15">
+            <a:extLst>
+              <a:ext uri="{FF2B5EF4-FFF2-40B4-BE49-F238E27FC236}">
+                <a16:creationId xmlns:a16="http://schemas.microsoft.com/office/drawing/2014/main" id="{91A78FB7-959A-4260-81EC-6940217D43FB}"/>
+              </a:ext>
+            </a:extLst>
+          </p:cNvPr>
+          <p:cNvSpPr/>
+          <p:nvPr/>
+        </p:nvSpPr>
+        <p:spPr>
+          <a:xfrm>
+            <a:off x="7193327" y="4360549"/>
+            <a:ext cx="376335" cy="165604"/>
+          </a:xfrm>
+          <a:prstGeom prst="rightArrow">
+            <a:avLst/>
+          </a:prstGeom>
+          <a:solidFill>
+            <a:srgbClr val="803A3D"/>
+          </a:solidFill>
+          <a:ln>
+            <a:noFill/>
+          </a:ln>
+        </p:spPr>
+        <p:style>
+          <a:lnRef idx="2">
+            <a:schemeClr val="accent1">
+              <a:shade val="50000"/>
+            </a:schemeClr>
+          </a:lnRef>
+          <a:fillRef idx="1">
+            <a:schemeClr val="accent1"/>
+          </a:fillRef>
+          <a:effectRef idx="0">
+            <a:schemeClr val="accent1"/>
+          </a:effectRef>
+          <a:fontRef idx="minor">
+            <a:schemeClr val="lt1"/>
+          </a:fontRef>
+        </p:style>
+        <p:txBody>
+          <a:bodyPr rtlCol="0" anchor="ctr"/>
+          <a:lstStyle/>
+          <a:p>
+            <a:pPr algn="ctr"/>
+            <a:endParaRPr lang="en-US"/>
+          </a:p>
+        </p:txBody>
+      </p:sp>
+      <p:sp>
+        <p:nvSpPr>
+          <p:cNvPr id="17" name="Arrow: Right 16">
+            <a:extLst>
+              <a:ext uri="{FF2B5EF4-FFF2-40B4-BE49-F238E27FC236}">
+                <a16:creationId xmlns:a16="http://schemas.microsoft.com/office/drawing/2014/main" id="{8C827003-BE31-4971-AFCC-572C5ACF64E4}"/>
+              </a:ext>
+            </a:extLst>
+          </p:cNvPr>
+          <p:cNvSpPr/>
+          <p:nvPr/>
+        </p:nvSpPr>
+        <p:spPr>
+          <a:xfrm>
+            <a:off x="7412595" y="3808228"/>
+            <a:ext cx="376335" cy="165604"/>
+          </a:xfrm>
+          <a:prstGeom prst="rightArrow">
+            <a:avLst/>
+          </a:prstGeom>
+          <a:solidFill>
+            <a:srgbClr val="803A3D"/>
+          </a:solidFill>
+          <a:ln>
+            <a:noFill/>
+          </a:ln>
+        </p:spPr>
+        <p:style>
+          <a:lnRef idx="2">
+            <a:schemeClr val="accent1">
+              <a:shade val="50000"/>
+            </a:schemeClr>
+          </a:lnRef>
+          <a:fillRef idx="1">
+            <a:schemeClr val="accent1"/>
+          </a:fillRef>
+          <a:effectRef idx="0">
+            <a:schemeClr val="accent1"/>
+          </a:effectRef>
+          <a:fontRef idx="minor">
+            <a:schemeClr val="lt1"/>
+          </a:fontRef>
+        </p:style>
+        <p:txBody>
+          <a:bodyPr rtlCol="0" anchor="ctr"/>
+          <a:lstStyle/>
+          <a:p>
+            <a:pPr algn="ctr"/>
+            <a:endParaRPr lang="en-US"/>
+          </a:p>
+        </p:txBody>
+      </p:sp>
+      <p:sp>
+        <p:nvSpPr>
+          <p:cNvPr id="18" name="Arrow: Right 17">
+            <a:extLst>
+              <a:ext uri="{FF2B5EF4-FFF2-40B4-BE49-F238E27FC236}">
+                <a16:creationId xmlns:a16="http://schemas.microsoft.com/office/drawing/2014/main" id="{3569B781-0C40-4C46-A85D-433BE3BD4290}"/>
+              </a:ext>
+            </a:extLst>
+          </p:cNvPr>
+          <p:cNvSpPr/>
+          <p:nvPr/>
+        </p:nvSpPr>
+        <p:spPr>
+          <a:xfrm>
+            <a:off x="6625714" y="5150950"/>
+            <a:ext cx="376335" cy="165604"/>
+          </a:xfrm>
+          <a:prstGeom prst="rightArrow">
+            <a:avLst/>
+          </a:prstGeom>
+          <a:solidFill>
+            <a:srgbClr val="803A3D"/>
+          </a:solidFill>
+          <a:ln>
+            <a:noFill/>
+          </a:ln>
+        </p:spPr>
+        <p:style>
+          <a:lnRef idx="2">
+            <a:schemeClr val="accent1">
+              <a:shade val="50000"/>
+            </a:schemeClr>
+          </a:lnRef>
+          <a:fillRef idx="1">
+            <a:schemeClr val="accent1"/>
+          </a:fillRef>
+          <a:effectRef idx="0">
+            <a:schemeClr val="accent1"/>
+          </a:effectRef>
+          <a:fontRef idx="minor">
+            <a:schemeClr val="lt1"/>
+          </a:fontRef>
+        </p:style>
+        <p:txBody>
+          <a:bodyPr rtlCol="0" anchor="ctr"/>
+          <a:lstStyle/>
+          <a:p>
+            <a:pPr algn="ctr"/>
+            <a:endParaRPr lang="en-US"/>
+          </a:p>
+        </p:txBody>
+      </p:sp>
+      <p:sp>
+        <p:nvSpPr>
+          <p:cNvPr id="19" name="Arrow: Right 18">
+            <a:extLst>
+              <a:ext uri="{FF2B5EF4-FFF2-40B4-BE49-F238E27FC236}">
+                <a16:creationId xmlns:a16="http://schemas.microsoft.com/office/drawing/2014/main" id="{88C701EC-45DA-4CA0-AB1A-33307A480BEE}"/>
+              </a:ext>
+            </a:extLst>
+          </p:cNvPr>
+          <p:cNvSpPr/>
+          <p:nvPr/>
+        </p:nvSpPr>
+        <p:spPr>
+          <a:xfrm>
+            <a:off x="6440754" y="5421538"/>
+            <a:ext cx="376335" cy="165604"/>
+          </a:xfrm>
+          <a:prstGeom prst="rightArrow">
+            <a:avLst/>
+          </a:prstGeom>
+          <a:solidFill>
+            <a:srgbClr val="803A3D"/>
+          </a:solidFill>
+          <a:ln>
+            <a:noFill/>
+          </a:ln>
+        </p:spPr>
+        <p:style>
+          <a:lnRef idx="2">
+            <a:schemeClr val="accent1">
+              <a:shade val="50000"/>
+            </a:schemeClr>
+          </a:lnRef>
+          <a:fillRef idx="1">
+            <a:schemeClr val="accent1"/>
+          </a:fillRef>
+          <a:effectRef idx="0">
+            <a:schemeClr val="accent1"/>
+          </a:effectRef>
+          <a:fontRef idx="minor">
+            <a:schemeClr val="lt1"/>
+          </a:fontRef>
+        </p:style>
+        <p:txBody>
+          <a:bodyPr rtlCol="0" anchor="ctr"/>
+          <a:lstStyle/>
+          <a:p>
+            <a:pPr algn="ctr"/>
+            <a:endParaRPr lang="en-US"/>
+          </a:p>
+        </p:txBody>
+      </p:sp>
+      <p:sp>
+        <p:nvSpPr>
+          <p:cNvPr id="20" name="Arrow: Right 19">
+            <a:extLst>
+              <a:ext uri="{FF2B5EF4-FFF2-40B4-BE49-F238E27FC236}">
+                <a16:creationId xmlns:a16="http://schemas.microsoft.com/office/drawing/2014/main" id="{7FBB1F50-E349-41ED-B9E4-AA51629AAA47}"/>
+              </a:ext>
+            </a:extLst>
+          </p:cNvPr>
+          <p:cNvSpPr/>
+          <p:nvPr/>
+        </p:nvSpPr>
+        <p:spPr>
+          <a:xfrm>
+            <a:off x="7066781" y="5691768"/>
+            <a:ext cx="376335" cy="165604"/>
+          </a:xfrm>
+          <a:prstGeom prst="rightArrow">
+            <a:avLst/>
+          </a:prstGeom>
+          <a:solidFill>
+            <a:srgbClr val="803A3D"/>
+          </a:solidFill>
+          <a:ln>
+            <a:noFill/>
+          </a:ln>
+        </p:spPr>
+        <p:style>
+          <a:lnRef idx="2">
+            <a:schemeClr val="accent1">
+              <a:shade val="50000"/>
+            </a:schemeClr>
+          </a:lnRef>
+          <a:fillRef idx="1">
+            <a:schemeClr val="accent1"/>
+          </a:fillRef>
+          <a:effectRef idx="0">
+            <a:schemeClr val="accent1"/>
+          </a:effectRef>
+          <a:fontRef idx="minor">
+            <a:schemeClr val="lt1"/>
+          </a:fontRef>
+        </p:style>
+        <p:txBody>
+          <a:bodyPr rtlCol="0" anchor="ctr"/>
+          <a:lstStyle/>
+          <a:p>
+            <a:pPr algn="ctr"/>
+            <a:endParaRPr lang="en-US"/>
+          </a:p>
+        </p:txBody>
+      </p:sp>
+      <p:sp>
+        <p:nvSpPr>
+          <p:cNvPr id="21" name="TextBox 20">
+            <a:extLst>
+              <a:ext uri="{FF2B5EF4-FFF2-40B4-BE49-F238E27FC236}">
+                <a16:creationId xmlns:a16="http://schemas.microsoft.com/office/drawing/2014/main" id="{0048CC89-B085-4210-AC41-796E17E9F946}"/>
+              </a:ext>
+            </a:extLst>
+          </p:cNvPr>
+          <p:cNvSpPr txBox="1"/>
+          <p:nvPr/>
+        </p:nvSpPr>
+        <p:spPr>
+          <a:xfrm>
+            <a:off x="4380548" y="2875367"/>
+            <a:ext cx="1595851" cy="1015663"/>
+          </a:xfrm>
+          <a:prstGeom prst="rect">
+            <a:avLst/>
+          </a:prstGeom>
+          <a:solidFill>
+            <a:srgbClr val="803A3D"/>
+          </a:solidFill>
+          <a:ln w="34925" cap="rnd">
+            <a:noFill/>
+            <a:extLst>
+              <a:ext uri="{C807C97D-BFC1-408E-A445-0C87EB9F89A2}">
+                <ask:lineSketchStyleProps xmlns:ask="http://schemas.microsoft.com/office/drawing/2018/sketchyshapes" sd="1219033472">
+                  <a:custGeom>
+                    <a:avLst/>
+                    <a:gdLst>
+                      <a:gd name="connsiteX0" fmla="*/ 0 w 1820469"/>
+                      <a:gd name="connsiteY0" fmla="*/ 0 h 1200329"/>
+                      <a:gd name="connsiteX1" fmla="*/ 1820469 w 1820469"/>
+                      <a:gd name="connsiteY1" fmla="*/ 0 h 1200329"/>
+                      <a:gd name="connsiteX2" fmla="*/ 1820469 w 1820469"/>
+                      <a:gd name="connsiteY2" fmla="*/ 1200329 h 1200329"/>
+                      <a:gd name="connsiteX3" fmla="*/ 0 w 1820469"/>
+                      <a:gd name="connsiteY3" fmla="*/ 1200329 h 1200329"/>
+                      <a:gd name="connsiteX4" fmla="*/ 0 w 1820469"/>
+                      <a:gd name="connsiteY4" fmla="*/ 0 h 1200329"/>
+                    </a:gdLst>
+                    <a:ahLst/>
+                    <a:cxnLst>
+                      <a:cxn ang="0">
+                        <a:pos x="connsiteX0" y="connsiteY0"/>
+                      </a:cxn>
+                      <a:cxn ang="0">
+                        <a:pos x="connsiteX1" y="connsiteY1"/>
+                      </a:cxn>
+                      <a:cxn ang="0">
+                        <a:pos x="connsiteX2" y="connsiteY2"/>
+                      </a:cxn>
+                      <a:cxn ang="0">
+                        <a:pos x="connsiteX3" y="connsiteY3"/>
+                      </a:cxn>
+                      <a:cxn ang="0">
+                        <a:pos x="connsiteX4" y="connsiteY4"/>
+                      </a:cxn>
+                    </a:cxnLst>
+                    <a:rect l="l" t="t" r="r" b="b"/>
+                    <a:pathLst>
+                      <a:path w="1820469" h="1200329" fill="none" extrusionOk="0">
+                        <a:moveTo>
+                          <a:pt x="0" y="0"/>
+                        </a:moveTo>
+                        <a:cubicBezTo>
+                          <a:pt x="520725" y="24555"/>
+                          <a:pt x="1404947" y="-141259"/>
+                          <a:pt x="1820469" y="0"/>
+                        </a:cubicBezTo>
+                        <a:cubicBezTo>
+                          <a:pt x="1801701" y="121298"/>
+                          <a:pt x="1851416" y="834541"/>
+                          <a:pt x="1820469" y="1200329"/>
+                        </a:cubicBezTo>
+                        <a:cubicBezTo>
+                          <a:pt x="1372884" y="1114280"/>
+                          <a:pt x="204516" y="1143888"/>
+                          <a:pt x="0" y="1200329"/>
+                        </a:cubicBezTo>
+                        <a:cubicBezTo>
+                          <a:pt x="79774" y="709359"/>
+                          <a:pt x="-97449" y="224036"/>
+                          <a:pt x="0" y="0"/>
+                        </a:cubicBezTo>
+                        <a:close/>
+                      </a:path>
+                      <a:path w="1820469" h="1200329" stroke="0" extrusionOk="0">
+                        <a:moveTo>
+                          <a:pt x="0" y="0"/>
+                        </a:moveTo>
+                        <a:cubicBezTo>
+                          <a:pt x="422559" y="90216"/>
+                          <a:pt x="1556564" y="76504"/>
+                          <a:pt x="1820469" y="0"/>
+                        </a:cubicBezTo>
+                        <a:cubicBezTo>
+                          <a:pt x="1789355" y="337080"/>
+                          <a:pt x="1859959" y="899796"/>
+                          <a:pt x="1820469" y="1200329"/>
+                        </a:cubicBezTo>
+                        <a:cubicBezTo>
+                          <a:pt x="1121745" y="1262697"/>
+                          <a:pt x="765067" y="1194661"/>
+                          <a:pt x="0" y="1200329"/>
+                        </a:cubicBezTo>
+                        <a:cubicBezTo>
+                          <a:pt x="-5118" y="993769"/>
+                          <a:pt x="-42443" y="129899"/>
+                          <a:pt x="0" y="0"/>
+                        </a:cubicBezTo>
+                        <a:close/>
+                      </a:path>
+                    </a:pathLst>
+                  </a:custGeom>
+                  <ask:type>
+                    <ask:lineSketchNone/>
+                  </ask:type>
+                </ask:lineSketchStyleProps>
+              </a:ext>
+            </a:extLst>
+          </a:ln>
+        </p:spPr>
+        <p:txBody>
+          <a:bodyPr vert="horz" wrap="square" rtlCol="0">
+            <a:spAutoFit/>
+          </a:bodyPr>
+          <a:lstStyle/>
+          <a:p>
+            <a:pPr algn="ctr"/>
+            <a:r>
+              <a:rPr lang="en-US" sz="2000" dirty="0">
+                <a:solidFill>
+                  <a:schemeClr val="bg1"/>
+                </a:solidFill>
+              </a:rPr>
+              <a:t>Horror and Mystery are on top.</a:t>
+            </a:r>
+          </a:p>
+        </p:txBody>
+      </p:sp>
+      <p:sp>
+        <p:nvSpPr>
+          <p:cNvPr id="22" name="Arrow: Right 21">
+            <a:extLst>
+              <a:ext uri="{FF2B5EF4-FFF2-40B4-BE49-F238E27FC236}">
+                <a16:creationId xmlns:a16="http://schemas.microsoft.com/office/drawing/2014/main" id="{0EE71C8F-0957-4C21-A273-D317B6C44350}"/>
+              </a:ext>
+            </a:extLst>
+          </p:cNvPr>
+          <p:cNvSpPr/>
+          <p:nvPr/>
+        </p:nvSpPr>
+        <p:spPr>
+          <a:xfrm>
+            <a:off x="7005159" y="3265601"/>
+            <a:ext cx="376335" cy="165604"/>
+          </a:xfrm>
+          <a:prstGeom prst="rightArrow">
+            <a:avLst/>
+          </a:prstGeom>
+          <a:solidFill>
+            <a:srgbClr val="803A3D"/>
+          </a:solidFill>
+          <a:ln>
+            <a:noFill/>
+          </a:ln>
+        </p:spPr>
+        <p:style>
+          <a:lnRef idx="2">
+            <a:schemeClr val="accent1">
+              <a:shade val="50000"/>
+            </a:schemeClr>
+          </a:lnRef>
+          <a:fillRef idx="1">
+            <a:schemeClr val="accent1"/>
+          </a:fillRef>
+          <a:effectRef idx="0">
+            <a:schemeClr val="accent1"/>
+          </a:effectRef>
+          <a:fontRef idx="minor">
+            <a:schemeClr val="lt1"/>
+          </a:fontRef>
+        </p:style>
+        <p:txBody>
+          <a:bodyPr rtlCol="0" anchor="ctr"/>
+          <a:lstStyle/>
+          <a:p>
+            <a:pPr algn="ctr"/>
+            <a:endParaRPr lang="en-US"/>
+          </a:p>
+        </p:txBody>
+      </p:sp>
     </p:spTree>
     <p:extLst>
       <p:ext uri="{BB962C8B-B14F-4D97-AF65-F5344CB8AC3E}">
@@ -8411,11 +7673,11 @@
   <p:clrMapOvr>
     <a:masterClrMapping/>
   </p:clrMapOvr>
-  <mc:AlternateContent xmlns:mc="http://schemas.openxmlformats.org/markup-compatibility/2006">
-    <mc:Choice xmlns:p14="http://schemas.microsoft.com/office/powerpoint/2010/main" Requires="p14">
+  <mc:AlternateContent xmlns:mc="http://schemas.openxmlformats.org/markup-compatibility/2006" xmlns:p14="http://schemas.microsoft.com/office/powerpoint/2010/main">
+    <mc:Choice Requires="p14">
       <p:transition spd="slow" p14:dur="2000" advTm="223"/>
     </mc:Choice>
-    <mc:Fallback>
+    <mc:Fallback xmlns="">
       <p:transition spd="slow" advTm="223"/>
     </mc:Fallback>
   </mc:AlternateContent>
@@ -8423,7 +7685,7 @@
 </file>
 
 <file path=ppt/slides/slide9.xml><?xml version="1.0" encoding="utf-8"?>
-<p:sld xmlns:a="http://schemas.openxmlformats.org/drawingml/2006/main" xmlns:r="http://schemas.openxmlformats.org/officeDocument/2006/relationships" xmlns:p="http://schemas.openxmlformats.org/presentationml/2006/main" showMasterSp="0">
+<p:sld xmlns:a="http://schemas.openxmlformats.org/drawingml/2006/main" xmlns:r="http://schemas.openxmlformats.org/officeDocument/2006/relationships" xmlns:p="http://schemas.openxmlformats.org/presentationml/2006/main">
   <p:cSld>
     <p:bg>
       <p:bgPr>
@@ -8447,6 +7709,34 @@
           <a:chExt cx="0" cy="0"/>
         </a:xfrm>
       </p:grpSpPr>
+      <p:sp>
+        <p:nvSpPr>
+          <p:cNvPr id="2" name="Title 1">
+            <a:extLst>
+              <a:ext uri="{FF2B5EF4-FFF2-40B4-BE49-F238E27FC236}">
+                <a16:creationId xmlns:a16="http://schemas.microsoft.com/office/drawing/2014/main" id="{7645062E-F318-48BA-8C64-211A111A63AD}"/>
+              </a:ext>
+            </a:extLst>
+          </p:cNvPr>
+          <p:cNvSpPr>
+            <a:spLocks noGrp="1"/>
+          </p:cNvSpPr>
+          <p:nvPr>
+            <p:ph type="title"/>
+          </p:nvPr>
+        </p:nvSpPr>
+        <p:spPr/>
+        <p:txBody>
+          <a:bodyPr/>
+          <a:lstStyle/>
+          <a:p>
+            <a:r>
+              <a:rPr lang="en-US" dirty="0"/>
+              <a:t>Budget vs World ROI</a:t>
+            </a:r>
+          </a:p>
+        </p:txBody>
+      </p:sp>
       <p:pic>
         <p:nvPicPr>
           <p:cNvPr id="6" name="Content Placeholder 5">
@@ -8477,14 +7767,95 @@
         </p:blipFill>
         <p:spPr>
           <a:xfrm>
-            <a:off x="2302209" y="590541"/>
-            <a:ext cx="7587581" cy="5676917"/>
+            <a:off x="1371600" y="1785679"/>
+            <a:ext cx="5675313" cy="4246562"/>
           </a:xfrm>
           <a:prstGeom prst="rect">
             <a:avLst/>
           </a:prstGeom>
         </p:spPr>
       </p:pic>
+      <p:sp>
+        <p:nvSpPr>
+          <p:cNvPr id="3" name="TextBox 2">
+            <a:extLst>
+              <a:ext uri="{FF2B5EF4-FFF2-40B4-BE49-F238E27FC236}">
+                <a16:creationId xmlns:a16="http://schemas.microsoft.com/office/drawing/2014/main" id="{F2A3D0BD-97BD-4FD6-9E25-1AA3BC382235}"/>
+              </a:ext>
+            </a:extLst>
+          </p:cNvPr>
+          <p:cNvSpPr txBox="1"/>
+          <p:nvPr/>
+        </p:nvSpPr>
+        <p:spPr>
+          <a:xfrm>
+            <a:off x="7315201" y="2171700"/>
+            <a:ext cx="4124130" cy="2119042"/>
+          </a:xfrm>
+          <a:prstGeom prst="rect">
+            <a:avLst/>
+          </a:prstGeom>
+          <a:noFill/>
+        </p:spPr>
+        <p:txBody>
+          <a:bodyPr wrap="square" rtlCol="0">
+            <a:spAutoFit/>
+          </a:bodyPr>
+          <a:lstStyle/>
+          <a:p>
+            <a:pPr marL="285750" indent="-285750">
+              <a:lnSpc>
+                <a:spcPct val="150000"/>
+              </a:lnSpc>
+              <a:buFont typeface="Arial" panose="020B0604020202020204" pitchFamily="34" charset="0"/>
+              <a:buChar char="•"/>
+            </a:pPr>
+            <a:r>
+              <a:rPr lang="en-US" dirty="0"/>
+              <a:t>Regression plot on a log scale</a:t>
+            </a:r>
+          </a:p>
+          <a:p>
+            <a:pPr marL="285750" indent="-285750">
+              <a:lnSpc>
+                <a:spcPct val="150000"/>
+              </a:lnSpc>
+              <a:buFont typeface="Arial" panose="020B0604020202020204" pitchFamily="34" charset="0"/>
+              <a:buChar char="•"/>
+            </a:pPr>
+            <a:r>
+              <a:rPr lang="en-US" dirty="0"/>
+              <a:t>Not much of a correlation, but…</a:t>
+            </a:r>
+          </a:p>
+          <a:p>
+            <a:pPr marL="742950" lvl="1" indent="-285750">
+              <a:lnSpc>
+                <a:spcPct val="150000"/>
+              </a:lnSpc>
+              <a:buFont typeface="Arial" panose="020B0604020202020204" pitchFamily="34" charset="0"/>
+              <a:buChar char="•"/>
+            </a:pPr>
+            <a:r>
+              <a:rPr lang="en-US" dirty="0"/>
+              <a:t>Sharp drop off around $250M</a:t>
+            </a:r>
+          </a:p>
+          <a:p>
+            <a:pPr marL="742950" lvl="1" indent="-285750">
+              <a:lnSpc>
+                <a:spcPct val="150000"/>
+              </a:lnSpc>
+              <a:buFont typeface="Arial" panose="020B0604020202020204" pitchFamily="34" charset="0"/>
+              <a:buChar char="•"/>
+            </a:pPr>
+            <a:r>
+              <a:rPr lang="en-US" b="1" dirty="0"/>
+              <a:t>Recommend avoiding extremely high budgets</a:t>
+            </a:r>
+          </a:p>
+        </p:txBody>
+      </p:sp>
     </p:spTree>
     <p:extLst>
       <p:ext uri="{BB962C8B-B14F-4D97-AF65-F5344CB8AC3E}">
@@ -8495,11 +7866,11 @@
   <p:clrMapOvr>
     <a:masterClrMapping/>
   </p:clrMapOvr>
-  <mc:AlternateContent xmlns:mc="http://schemas.openxmlformats.org/markup-compatibility/2006">
-    <mc:Choice xmlns:p14="http://schemas.microsoft.com/office/powerpoint/2010/main" Requires="p14">
+  <mc:AlternateContent xmlns:mc="http://schemas.openxmlformats.org/markup-compatibility/2006" xmlns:p14="http://schemas.microsoft.com/office/powerpoint/2010/main">
+    <mc:Choice Requires="p14">
       <p:transition spd="slow" p14:dur="2000" advTm="68471"/>
     </mc:Choice>
-    <mc:Fallback>
+    <mc:Fallback xmlns="">
       <p:transition spd="slow" advTm="68471"/>
     </mc:Fallback>
   </mc:AlternateContent>
